--- a/phonebook3_servlet.pptx
+++ b/phonebook3_servlet.pptx
@@ -8007,7 +8007,7 @@
         </p:nvSpPr>
         <p:spPr>
           <a:xfrm>
-            <a:off x="5415125" y="2795388"/>
+            <a:off x="5409800" y="3321000"/>
             <a:ext cx="1729500" cy="1144500"/>
           </a:xfrm>
           <a:prstGeom prst="roundRect">
@@ -8117,9 +8117,9 @@
           <p:nvPr/>
         </p:nvCxnSpPr>
         <p:spPr>
-          <a:xfrm>
-            <a:off x="6279875" y="2269650"/>
-            <a:ext cx="0" cy="525600"/>
+          <a:xfrm flipH="1">
+            <a:off x="6274550" y="2269650"/>
+            <a:ext cx="5325" cy="1051350"/>
           </a:xfrm>
           <a:prstGeom prst="straightConnector1">
             <a:avLst/>
@@ -8459,6 +8459,36 @@
               <a:t>의 html</a:t>
             </a:r>
             <a:endParaRPr sz="1200"/>
+          </a:p>
+        </p:txBody>
+      </p:sp>
+      <p:sp>
+        <p:nvSpPr>
+          <p:cNvPr id="4" name="TextBox 3"/>
+          <p:cNvSpPr txBox="1"/>
+          <p:nvPr/>
+        </p:nvSpPr>
+        <p:spPr>
+          <a:xfrm>
+            <a:off x="5288613" y="2603925"/>
+            <a:ext cx="1048600" cy="307777"/>
+          </a:xfrm>
+          <a:prstGeom prst="rect">
+            <a:avLst/>
+          </a:prstGeom>
+          <a:noFill/>
+        </p:spPr>
+        <p:txBody>
+          <a:bodyPr wrap="square" rtlCol="0">
+            <a:spAutoFit/>
+          </a:bodyPr>
+          <a:lstStyle/>
+          <a:p>
+            <a:r>
+              <a:rPr lang="en-US" altLang="ko-KR" dirty="0" smtClean="0"/>
+              <a:t>forward -&gt;</a:t>
+            </a:r>
+            <a:endParaRPr lang="ko-KR" altLang="en-US" dirty="0"/>
           </a:p>
         </p:txBody>
       </p:sp>

--- a/phonebook3_servlet.pptx
+++ b/phonebook3_servlet.pptx
@@ -6000,7 +6000,7 @@
         <p:spPr>
           <a:xfrm>
             <a:off x="346050" y="1125150"/>
-            <a:ext cx="1194300" cy="3209100"/>
+            <a:ext cx="1194300" cy="1317750"/>
           </a:xfrm>
           <a:prstGeom prst="rect">
             <a:avLst/>
@@ -6033,11 +6033,59 @@
               </a:spcAft>
               <a:buNone/>
             </a:pPr>
-            <a:r>
-              <a:rPr lang="ko"/>
+            <a:endParaRPr lang="en-US" altLang="ko" dirty="0" smtClean="0"/>
+          </a:p>
+          <a:p>
+            <a:pPr marL="0" lvl="0" indent="0" algn="ctr" rtl="0">
+              <a:spcBef>
+                <a:spcPts val="0"/>
+              </a:spcBef>
+              <a:spcAft>
+                <a:spcPts val="0"/>
+              </a:spcAft>
+              <a:buNone/>
+            </a:pPr>
+            <a:endParaRPr lang="en-US" altLang="ko" dirty="0"/>
+          </a:p>
+          <a:p>
+            <a:pPr marL="0" lvl="0" indent="0" algn="ctr" rtl="0">
+              <a:spcBef>
+                <a:spcPts val="0"/>
+              </a:spcBef>
+              <a:spcAft>
+                <a:spcPts val="0"/>
+              </a:spcAft>
+              <a:buNone/>
+            </a:pPr>
+            <a:endParaRPr lang="en-US" altLang="ko" dirty="0" smtClean="0"/>
+          </a:p>
+          <a:p>
+            <a:pPr marL="0" lvl="0" indent="0" algn="ctr" rtl="0">
+              <a:spcBef>
+                <a:spcPts val="0"/>
+              </a:spcBef>
+              <a:spcAft>
+                <a:spcPts val="0"/>
+              </a:spcAft>
+              <a:buNone/>
+            </a:pPr>
+            <a:endParaRPr lang="en-US" altLang="ko" dirty="0"/>
+          </a:p>
+          <a:p>
+            <a:pPr marL="0" lvl="0" indent="0" algn="ctr" rtl="0">
+              <a:spcBef>
+                <a:spcPts val="0"/>
+              </a:spcBef>
+              <a:spcAft>
+                <a:spcPts val="0"/>
+              </a:spcAft>
+              <a:buNone/>
+            </a:pPr>
+            <a:r>
+              <a:rPr lang="ko" dirty="0" smtClean="0"/>
               <a:t>리스트</a:t>
             </a:r>
-            <a:endParaRPr/>
+            <a:endParaRPr dirty="0"/>
           </a:p>
         </p:txBody>
       </p:sp>
@@ -7092,10 +7140,10 @@
               <a:buNone/>
             </a:pPr>
             <a:r>
-              <a:rPr lang="ko" sz="1300"/>
+              <a:rPr lang="ko" sz="1300" dirty="0"/>
               <a:t>넘어온 id값을</a:t>
             </a:r>
-            <a:endParaRPr sz="1300"/>
+            <a:endParaRPr sz="1300" dirty="0"/>
           </a:p>
           <a:p>
             <a:pPr marL="0" lvl="0" indent="0" algn="l" rtl="0">
@@ -7108,14 +7156,14 @@
               <a:buNone/>
             </a:pPr>
             <a:r>
-              <a:rPr lang="ko" sz="1200">
+              <a:rPr lang="ko" sz="1200" dirty="0">
                 <a:solidFill>
                   <a:schemeClr val="dk1"/>
                 </a:solidFill>
               </a:rPr>
               <a:t>personDelete() 의 파라미터로 사용</a:t>
             </a:r>
-            <a:endParaRPr sz="1300"/>
+            <a:endParaRPr sz="1300" dirty="0"/>
           </a:p>
           <a:p>
             <a:pPr marL="0" lvl="0" indent="0" algn="l" rtl="0">
@@ -7127,7 +7175,7 @@
               </a:spcAft>
               <a:buNone/>
             </a:pPr>
-            <a:endParaRPr sz="1300"/>
+            <a:endParaRPr sz="1300" dirty="0"/>
           </a:p>
           <a:p>
             <a:pPr marL="0" lvl="0" indent="0" algn="l" rtl="0">
@@ -7140,10 +7188,10 @@
               <a:buNone/>
             </a:pPr>
             <a:r>
-              <a:rPr lang="ko" sz="1300"/>
+              <a:rPr lang="ko" sz="1300" dirty="0"/>
               <a:t>response.sendRedirect(사이트</a:t>
             </a:r>
-            <a:endParaRPr sz="1300"/>
+            <a:endParaRPr sz="1300" dirty="0"/>
           </a:p>
           <a:p>
             <a:pPr marL="0" lvl="0" indent="0" algn="l" rtl="0">
@@ -7156,10 +7204,10 @@
               <a:buNone/>
             </a:pPr>
             <a:r>
-              <a:rPr lang="ko" sz="1300"/>
+              <a:rPr lang="ko" sz="1300" dirty="0"/>
               <a:t>주소)</a:t>
             </a:r>
-            <a:endParaRPr sz="1300"/>
+            <a:endParaRPr sz="1300" dirty="0"/>
           </a:p>
           <a:p>
             <a:pPr marL="0" lvl="0" indent="0" algn="l" rtl="0">
@@ -7171,7 +7219,7 @@
               </a:spcAft>
               <a:buNone/>
             </a:pPr>
-            <a:endParaRPr sz="1300"/>
+            <a:endParaRPr sz="1300" dirty="0"/>
           </a:p>
           <a:p>
             <a:pPr marL="0" lvl="0" indent="0" algn="l" rtl="0">
@@ -7183,7 +7231,7 @@
               </a:spcAft>
               <a:buNone/>
             </a:pPr>
-            <a:endParaRPr sz="1300"/>
+            <a:endParaRPr sz="1300" dirty="0"/>
           </a:p>
           <a:p>
             <a:pPr marL="0" lvl="0" indent="0" algn="l" rtl="0">
@@ -7195,7 +7243,77 @@
               </a:spcAft>
               <a:buNone/>
             </a:pPr>
-            <a:endParaRPr sz="1300"/>
+            <a:endParaRPr sz="1300" dirty="0"/>
+          </a:p>
+        </p:txBody>
+      </p:sp>
+      <p:sp>
+        <p:nvSpPr>
+          <p:cNvPr id="23" name="Google Shape;54;p13"/>
+          <p:cNvSpPr/>
+          <p:nvPr/>
+        </p:nvSpPr>
+        <p:spPr>
+          <a:xfrm>
+            <a:off x="302550" y="2919813"/>
+            <a:ext cx="1194300" cy="1317750"/>
+          </a:xfrm>
+          <a:prstGeom prst="rect">
+            <a:avLst/>
+          </a:prstGeom>
+          <a:solidFill>
+            <a:schemeClr val="lt2"/>
+          </a:solidFill>
+          <a:ln w="9525" cap="flat" cmpd="sng">
+            <a:solidFill>
+              <a:schemeClr val="dk2"/>
+            </a:solidFill>
+            <a:prstDash val="solid"/>
+            <a:round/>
+            <a:headEnd type="none" w="sm" len="sm"/>
+            <a:tailEnd type="none" w="sm" len="sm"/>
+          </a:ln>
+        </p:spPr>
+        <p:txBody>
+          <a:bodyPr spcFirstLastPara="1" wrap="square" lIns="91425" tIns="91425" rIns="91425" bIns="91425" anchor="ctr" anchorCtr="0">
+            <a:noAutofit/>
+          </a:bodyPr>
+          <a:lstStyle/>
+          <a:p>
+            <a:pPr marL="0" lvl="0" indent="0" algn="ctr" rtl="0">
+              <a:spcBef>
+                <a:spcPts val="0"/>
+              </a:spcBef>
+              <a:spcAft>
+                <a:spcPts val="0"/>
+              </a:spcAft>
+              <a:buNone/>
+            </a:pPr>
+            <a:r>
+              <a:rPr lang="en-US" altLang="ko" dirty="0" smtClean="0"/>
+              <a:t>redirect </a:t>
+            </a:r>
+            <a:r>
+              <a:rPr lang="ko-KR" altLang="en-US" dirty="0" smtClean="0"/>
+              <a:t>된</a:t>
+            </a:r>
+            <a:endParaRPr lang="en-US" altLang="ko" dirty="0"/>
+          </a:p>
+          <a:p>
+            <a:pPr marL="0" lvl="0" indent="0" algn="ctr" rtl="0">
+              <a:spcBef>
+                <a:spcPts val="0"/>
+              </a:spcBef>
+              <a:spcAft>
+                <a:spcPts val="0"/>
+              </a:spcAft>
+              <a:buNone/>
+            </a:pPr>
+            <a:r>
+              <a:rPr lang="ko" dirty="0" smtClean="0"/>
+              <a:t>리스트</a:t>
+            </a:r>
+            <a:endParaRPr dirty="0"/>
           </a:p>
         </p:txBody>
       </p:sp>

--- a/phonebook3_servlet.pptx
+++ b/phonebook3_servlet.pptx
@@ -1,23 +1,23 @@
 
 <file path=ppt/presentation.xml><?xml version="1.0" encoding="utf-8"?>
-<p:presentation xmlns:a="http://schemas.openxmlformats.org/drawingml/2006/main" xmlns:r="http://schemas.openxmlformats.org/officeDocument/2006/relationships" xmlns:p="http://schemas.openxmlformats.org/presentationml/2006/main" strictFirstAndLastChars="0" saveSubsetFonts="1" autoCompressPictures="0">
+<p:presentation xmlns:a="http://schemas.openxmlformats.org/drawingml/2006/main" xmlns:r="http://schemas.openxmlformats.org/officeDocument/2006/relationships" xmlns:mc="http://schemas.openxmlformats.org/markup-compatibility/2006" xmlns:mv="urn:schemas-microsoft-com:mac:vml" xmlns:p="http://schemas.openxmlformats.org/presentationml/2006/main" xmlns:c="http://schemas.openxmlformats.org/drawingml/2006/chart" xmlns:dgm="http://schemas.openxmlformats.org/drawingml/2006/diagram" xmlns:o="urn:schemas-microsoft-com:office:office" xmlns:v="urn:schemas-microsoft-com:vml" xmlns:pvml="urn:schemas-microsoft-com:office:powerpoint" xmlns:com="http://schemas.openxmlformats.org/drawingml/2006/compatibility" xmlns:p14="http://schemas.microsoft.com/office/powerpoint/2010/main" xmlns:p15="http://schemas.microsoft.com/office/powerpoint/2012/main" xmlns:ahyp="http://schemas.microsoft.com/office/drawing/2018/hyperlinkcolor" autoCompressPictures="0" strictFirstAndLastChars="0" saveSubsetFonts="1">
   <p:sldMasterIdLst>
-    <p:sldMasterId id="2147483659" r:id="rId1"/>
+    <p:sldMasterId id="2147483659" r:id="rId4"/>
   </p:sldMasterIdLst>
   <p:notesMasterIdLst>
-    <p:notesMasterId r:id="rId7"/>
+    <p:notesMasterId r:id="rId5"/>
   </p:notesMasterIdLst>
   <p:sldIdLst>
-    <p:sldId id="256" r:id="rId2"/>
-    <p:sldId id="257" r:id="rId3"/>
-    <p:sldId id="258" r:id="rId4"/>
-    <p:sldId id="259" r:id="rId5"/>
-    <p:sldId id="260" r:id="rId6"/>
+    <p:sldId id="256" r:id="rId6"/>
+    <p:sldId id="257" r:id="rId7"/>
+    <p:sldId id="258" r:id="rId8"/>
+    <p:sldId id="259" r:id="rId9"/>
+    <p:sldId id="260" r:id="rId10"/>
   </p:sldIdLst>
-  <p:sldSz cx="9144000" cy="5143500" type="screen16x9"/>
+  <p:sldSz cy="5143500" cx="9144000"/>
   <p:notesSz cx="6858000" cy="9144000"/>
   <p:defaultTextStyle>
-    <a:defPPr marR="0" lvl="0" algn="l" rtl="0">
+    <a:defPPr lvl="0" marR="0" rtl="0" algn="l">
       <a:lnSpc>
         <a:spcPct val="100000"/>
       </a:lnSpc>
@@ -28,7 +28,7 @@
         <a:spcPts val="0"/>
       </a:spcAft>
     </a:defPPr>
-    <a:lvl1pPr marR="0" lvl="0" algn="l" rtl="0">
+    <a:lvl1pPr lvl="0" marR="0" rtl="0" algn="l">
       <a:lnSpc>
         <a:spcPct val="100000"/>
       </a:lnSpc>
@@ -42,7 +42,7 @@
         <a:srgbClr val="000000"/>
       </a:buClr>
       <a:buFont typeface="Arial"/>
-      <a:defRPr sz="1400" b="0" i="0" u="none" strike="noStrike" cap="none">
+      <a:defRPr b="0" i="0" sz="1400" u="none" cap="none" strike="noStrike">
         <a:solidFill>
           <a:srgbClr val="000000"/>
         </a:solidFill>
@@ -52,7 +52,7 @@
         <a:sym typeface="Arial"/>
       </a:defRPr>
     </a:lvl1pPr>
-    <a:lvl2pPr marR="0" lvl="1" algn="l" rtl="0">
+    <a:lvl2pPr lvl="1" marR="0" rtl="0" algn="l">
       <a:lnSpc>
         <a:spcPct val="100000"/>
       </a:lnSpc>
@@ -66,7 +66,7 @@
         <a:srgbClr val="000000"/>
       </a:buClr>
       <a:buFont typeface="Arial"/>
-      <a:defRPr sz="1400" b="0" i="0" u="none" strike="noStrike" cap="none">
+      <a:defRPr b="0" i="0" sz="1400" u="none" cap="none" strike="noStrike">
         <a:solidFill>
           <a:srgbClr val="000000"/>
         </a:solidFill>
@@ -76,7 +76,7 @@
         <a:sym typeface="Arial"/>
       </a:defRPr>
     </a:lvl2pPr>
-    <a:lvl3pPr marR="0" lvl="2" algn="l" rtl="0">
+    <a:lvl3pPr lvl="2" marR="0" rtl="0" algn="l">
       <a:lnSpc>
         <a:spcPct val="100000"/>
       </a:lnSpc>
@@ -90,7 +90,7 @@
         <a:srgbClr val="000000"/>
       </a:buClr>
       <a:buFont typeface="Arial"/>
-      <a:defRPr sz="1400" b="0" i="0" u="none" strike="noStrike" cap="none">
+      <a:defRPr b="0" i="0" sz="1400" u="none" cap="none" strike="noStrike">
         <a:solidFill>
           <a:srgbClr val="000000"/>
         </a:solidFill>
@@ -100,7 +100,7 @@
         <a:sym typeface="Arial"/>
       </a:defRPr>
     </a:lvl3pPr>
-    <a:lvl4pPr marR="0" lvl="3" algn="l" rtl="0">
+    <a:lvl4pPr lvl="3" marR="0" rtl="0" algn="l">
       <a:lnSpc>
         <a:spcPct val="100000"/>
       </a:lnSpc>
@@ -114,7 +114,7 @@
         <a:srgbClr val="000000"/>
       </a:buClr>
       <a:buFont typeface="Arial"/>
-      <a:defRPr sz="1400" b="0" i="0" u="none" strike="noStrike" cap="none">
+      <a:defRPr b="0" i="0" sz="1400" u="none" cap="none" strike="noStrike">
         <a:solidFill>
           <a:srgbClr val="000000"/>
         </a:solidFill>
@@ -124,7 +124,7 @@
         <a:sym typeface="Arial"/>
       </a:defRPr>
     </a:lvl4pPr>
-    <a:lvl5pPr marR="0" lvl="4" algn="l" rtl="0">
+    <a:lvl5pPr lvl="4" marR="0" rtl="0" algn="l">
       <a:lnSpc>
         <a:spcPct val="100000"/>
       </a:lnSpc>
@@ -138,7 +138,7 @@
         <a:srgbClr val="000000"/>
       </a:buClr>
       <a:buFont typeface="Arial"/>
-      <a:defRPr sz="1400" b="0" i="0" u="none" strike="noStrike" cap="none">
+      <a:defRPr b="0" i="0" sz="1400" u="none" cap="none" strike="noStrike">
         <a:solidFill>
           <a:srgbClr val="000000"/>
         </a:solidFill>
@@ -148,7 +148,7 @@
         <a:sym typeface="Arial"/>
       </a:defRPr>
     </a:lvl5pPr>
-    <a:lvl6pPr marR="0" lvl="5" algn="l" rtl="0">
+    <a:lvl6pPr lvl="5" marR="0" rtl="0" algn="l">
       <a:lnSpc>
         <a:spcPct val="100000"/>
       </a:lnSpc>
@@ -162,7 +162,7 @@
         <a:srgbClr val="000000"/>
       </a:buClr>
       <a:buFont typeface="Arial"/>
-      <a:defRPr sz="1400" b="0" i="0" u="none" strike="noStrike" cap="none">
+      <a:defRPr b="0" i="0" sz="1400" u="none" cap="none" strike="noStrike">
         <a:solidFill>
           <a:srgbClr val="000000"/>
         </a:solidFill>
@@ -172,7 +172,7 @@
         <a:sym typeface="Arial"/>
       </a:defRPr>
     </a:lvl6pPr>
-    <a:lvl7pPr marR="0" lvl="6" algn="l" rtl="0">
+    <a:lvl7pPr lvl="6" marR="0" rtl="0" algn="l">
       <a:lnSpc>
         <a:spcPct val="100000"/>
       </a:lnSpc>
@@ -186,7 +186,7 @@
         <a:srgbClr val="000000"/>
       </a:buClr>
       <a:buFont typeface="Arial"/>
-      <a:defRPr sz="1400" b="0" i="0" u="none" strike="noStrike" cap="none">
+      <a:defRPr b="0" i="0" sz="1400" u="none" cap="none" strike="noStrike">
         <a:solidFill>
           <a:srgbClr val="000000"/>
         </a:solidFill>
@@ -196,7 +196,7 @@
         <a:sym typeface="Arial"/>
       </a:defRPr>
     </a:lvl7pPr>
-    <a:lvl8pPr marR="0" lvl="7" algn="l" rtl="0">
+    <a:lvl8pPr lvl="7" marR="0" rtl="0" algn="l">
       <a:lnSpc>
         <a:spcPct val="100000"/>
       </a:lnSpc>
@@ -210,7 +210,7 @@
         <a:srgbClr val="000000"/>
       </a:buClr>
       <a:buFont typeface="Arial"/>
-      <a:defRPr sz="1400" b="0" i="0" u="none" strike="noStrike" cap="none">
+      <a:defRPr b="0" i="0" sz="1400" u="none" cap="none" strike="noStrike">
         <a:solidFill>
           <a:srgbClr val="000000"/>
         </a:solidFill>
@@ -220,7 +220,7 @@
         <a:sym typeface="Arial"/>
       </a:defRPr>
     </a:lvl8pPr>
-    <a:lvl9pPr marR="0" lvl="8" algn="l" rtl="0">
+    <a:lvl9pPr lvl="8" marR="0" rtl="0" algn="l">
       <a:lnSpc>
         <a:spcPct val="100000"/>
       </a:lnSpc>
@@ -234,7 +234,7 @@
         <a:srgbClr val="000000"/>
       </a:buClr>
       <a:buFont typeface="Arial"/>
-      <a:defRPr sz="1400" b="0" i="0" u="none" strike="noStrike" cap="none">
+      <a:defRPr b="0" i="0" sz="1400" u="none" cap="none" strike="noStrike">
         <a:solidFill>
           <a:srgbClr val="000000"/>
         </a:solidFill>
@@ -247,7 +247,7 @@
   </p:defaultTextStyle>
   <p:extLst>
     <p:ext uri="{EFAFB233-063F-42B5-8137-9DF3F51BA10A}">
-      <p15:sldGuideLst xmlns:p15="http://schemas.microsoft.com/office/powerpoint/2012/main">
+      <p15:sldGuideLst>
         <p15:guide id="1" orient="horz" pos="1620">
           <p15:clr>
             <a:srgbClr val="747775"/>
@@ -265,16 +265,11 @@
 </file>
 
 <file path=ppt/notesMasters/notesMaster1.xml><?xml version="1.0" encoding="utf-8"?>
-<p:notesMaster xmlns:a="http://schemas.openxmlformats.org/drawingml/2006/main" xmlns:r="http://schemas.openxmlformats.org/officeDocument/2006/relationships" xmlns:p="http://schemas.openxmlformats.org/presentationml/2006/main">
+<p:notesMaster xmlns:a="http://schemas.openxmlformats.org/drawingml/2006/main" xmlns:r="http://schemas.openxmlformats.org/officeDocument/2006/relationships" xmlns:mc="http://schemas.openxmlformats.org/markup-compatibility/2006" xmlns:mv="urn:schemas-microsoft-com:mac:vml" xmlns:p="http://schemas.openxmlformats.org/presentationml/2006/main" xmlns:c="http://schemas.openxmlformats.org/drawingml/2006/chart" xmlns:dgm="http://schemas.openxmlformats.org/drawingml/2006/diagram" xmlns:o="urn:schemas-microsoft-com:office:office" xmlns:v="urn:schemas-microsoft-com:vml" xmlns:pvml="urn:schemas-microsoft-com:office:powerpoint" xmlns:com="http://schemas.openxmlformats.org/drawingml/2006/compatibility" xmlns:p14="http://schemas.microsoft.com/office/powerpoint/2010/main" xmlns:p15="http://schemas.microsoft.com/office/powerpoint/2012/main" xmlns:ahyp="http://schemas.microsoft.com/office/drawing/2018/hyperlinkcolor">
   <p:cSld>
-    <p:bg>
-      <p:bgRef idx="1001">
-        <a:schemeClr val="bg1"/>
-      </p:bgRef>
-    </p:bg>
     <p:spTree>
       <p:nvGrpSpPr>
-        <p:cNvPr id="1" name="Shape 2"/>
+        <p:cNvPr id="2" name="Shape 2"/>
         <p:cNvGrpSpPr/>
         <p:nvPr/>
       </p:nvGrpSpPr>
@@ -289,11 +284,9 @@
       <p:sp>
         <p:nvSpPr>
           <p:cNvPr id="3" name="Google Shape;3;n"/>
-          <p:cNvSpPr>
-            <a:spLocks noGrp="1" noRot="1" noChangeAspect="1"/>
-          </p:cNvSpPr>
+          <p:cNvSpPr/>
           <p:nvPr>
-            <p:ph type="sldImg" idx="2"/>
+            <p:ph idx="2" type="sldImg"/>
           </p:nvPr>
         </p:nvSpPr>
         <p:spPr>
@@ -302,13 +295,9 @@
             <a:ext cx="6096075" cy="3429000"/>
           </a:xfrm>
           <a:custGeom>
-            <a:avLst/>
-            <a:gdLst/>
-            <a:ahLst/>
-            <a:cxnLst/>
-            <a:rect l="l" t="t" r="r" b="b"/>
+            <a:rect b="b" l="l" r="r" t="t"/>
             <a:pathLst>
-              <a:path w="120000" h="120000" extrusionOk="0">
+              <a:path extrusionOk="0" h="120000" w="120000">
                 <a:moveTo>
                   <a:pt x="0" y="0"/>
                 </a:moveTo>
@@ -326,25 +315,23 @@
             </a:pathLst>
           </a:custGeom>
           <a:noFill/>
-          <a:ln w="9525" cap="flat" cmpd="sng">
+          <a:ln cap="flat" cmpd="sng" w="9525">
             <a:solidFill>
               <a:srgbClr val="000000"/>
             </a:solidFill>
             <a:prstDash val="solid"/>
             <a:round/>
-            <a:headEnd type="none" w="sm" len="sm"/>
-            <a:tailEnd type="none" w="sm" len="sm"/>
+            <a:headEnd len="sm" w="sm" type="none"/>
+            <a:tailEnd len="sm" w="sm" type="none"/>
           </a:ln>
         </p:spPr>
       </p:sp>
       <p:sp>
         <p:nvSpPr>
           <p:cNvPr id="4" name="Google Shape;4;n"/>
-          <p:cNvSpPr txBox="1">
-            <a:spLocks noGrp="1"/>
-          </p:cNvSpPr>
+          <p:cNvSpPr txBox="1"/>
           <p:nvPr>
-            <p:ph type="body" idx="1"/>
+            <p:ph idx="1" type="body"/>
           </p:nvPr>
         </p:nvSpPr>
         <p:spPr>
@@ -361,11 +348,11 @@
           </a:ln>
         </p:spPr>
         <p:txBody>
-          <a:bodyPr spcFirstLastPara="1" wrap="square" lIns="91425" tIns="91425" rIns="91425" bIns="91425" anchor="t" anchorCtr="0">
+          <a:bodyPr anchorCtr="0" anchor="t" bIns="91425" lIns="91425" spcFirstLastPara="1" rIns="91425" wrap="square" tIns="91425">
             <a:noAutofit/>
           </a:bodyPr>
           <a:lstStyle>
-            <a:lvl1pPr marL="457200" lvl="0" indent="-298450">
+            <a:lvl1pPr indent="-298450" lvl="0" marL="457200">
               <a:spcBef>
                 <a:spcPts val="0"/>
               </a:spcBef>
@@ -376,7 +363,7 @@
               <a:buChar char="●"/>
               <a:defRPr sz="1100"/>
             </a:lvl1pPr>
-            <a:lvl2pPr marL="914400" lvl="1" indent="-298450">
+            <a:lvl2pPr indent="-298450" lvl="1" marL="914400">
               <a:spcBef>
                 <a:spcPts val="0"/>
               </a:spcBef>
@@ -387,7 +374,7 @@
               <a:buChar char="○"/>
               <a:defRPr sz="1100"/>
             </a:lvl2pPr>
-            <a:lvl3pPr marL="1371600" lvl="2" indent="-298450">
+            <a:lvl3pPr indent="-298450" lvl="2" marL="1371600">
               <a:spcBef>
                 <a:spcPts val="0"/>
               </a:spcBef>
@@ -398,7 +385,7 @@
               <a:buChar char="■"/>
               <a:defRPr sz="1100"/>
             </a:lvl3pPr>
-            <a:lvl4pPr marL="1828800" lvl="3" indent="-298450">
+            <a:lvl4pPr indent="-298450" lvl="3" marL="1828800">
               <a:spcBef>
                 <a:spcPts val="0"/>
               </a:spcBef>
@@ -409,7 +396,7 @@
               <a:buChar char="●"/>
               <a:defRPr sz="1100"/>
             </a:lvl4pPr>
-            <a:lvl5pPr marL="2286000" lvl="4" indent="-298450">
+            <a:lvl5pPr indent="-298450" lvl="4" marL="2286000">
               <a:spcBef>
                 <a:spcPts val="0"/>
               </a:spcBef>
@@ -420,7 +407,7 @@
               <a:buChar char="○"/>
               <a:defRPr sz="1100"/>
             </a:lvl5pPr>
-            <a:lvl6pPr marL="2743200" lvl="5" indent="-298450">
+            <a:lvl6pPr indent="-298450" lvl="5" marL="2743200">
               <a:spcBef>
                 <a:spcPts val="0"/>
               </a:spcBef>
@@ -431,7 +418,7 @@
               <a:buChar char="■"/>
               <a:defRPr sz="1100"/>
             </a:lvl6pPr>
-            <a:lvl7pPr marL="3200400" lvl="6" indent="-298450">
+            <a:lvl7pPr indent="-298450" lvl="6" marL="3200400">
               <a:spcBef>
                 <a:spcPts val="0"/>
               </a:spcBef>
@@ -442,7 +429,7 @@
               <a:buChar char="●"/>
               <a:defRPr sz="1100"/>
             </a:lvl7pPr>
-            <a:lvl8pPr marL="3657600" lvl="7" indent="-298450">
+            <a:lvl8pPr indent="-298450" lvl="7" marL="3657600">
               <a:spcBef>
                 <a:spcPts val="0"/>
               </a:spcBef>
@@ -453,7 +440,7 @@
               <a:buChar char="○"/>
               <a:defRPr sz="1100"/>
             </a:lvl8pPr>
-            <a:lvl9pPr marL="4114800" lvl="8" indent="-298450">
+            <a:lvl9pPr indent="-298450" lvl="8" marL="4114800">
               <a:spcBef>
                 <a:spcPts val="0"/>
               </a:spcBef>
@@ -465,16 +452,14 @@
               <a:defRPr sz="1100"/>
             </a:lvl9pPr>
           </a:lstStyle>
-          <a:p>
-            <a:endParaRPr/>
-          </a:p>
+          <a:p/>
         </p:txBody>
       </p:sp>
     </p:spTree>
   </p:cSld>
-  <p:clrMap bg1="lt1" tx1="dk1" bg2="dk2" tx2="lt2" accent1="accent1" accent2="accent2" accent3="accent3" accent4="accent4" accent5="accent5" accent6="accent6" hlink="hlink" folHlink="folHlink"/>
+  <p:clrMap accent1="accent1" accent2="accent2" accent3="accent3" accent4="accent4" accent5="accent5" accent6="accent6" bg1="lt1" bg2="dk2" tx1="dk1" tx2="lt2" folHlink="folHlink" hlink="hlink"/>
   <p:notesStyle>
-    <a:defPPr marR="0" lvl="0" algn="l" rtl="0">
+    <a:defPPr lvl="0" marR="0" rtl="0" algn="l">
       <a:lnSpc>
         <a:spcPct val="100000"/>
       </a:lnSpc>
@@ -485,7 +470,7 @@
         <a:spcPts val="0"/>
       </a:spcAft>
     </a:defPPr>
-    <a:lvl1pPr marR="0" lvl="0" algn="l" rtl="0">
+    <a:lvl1pPr lvl="0" marR="0" rtl="0" algn="l">
       <a:lnSpc>
         <a:spcPct val="100000"/>
       </a:lnSpc>
@@ -499,7 +484,7 @@
         <a:srgbClr val="000000"/>
       </a:buClr>
       <a:buFont typeface="Arial"/>
-      <a:defRPr sz="1400" b="0" i="0" u="none" strike="noStrike" cap="none">
+      <a:defRPr b="0" i="0" sz="1400" u="none" cap="none" strike="noStrike">
         <a:solidFill>
           <a:srgbClr val="000000"/>
         </a:solidFill>
@@ -509,7 +494,7 @@
         <a:sym typeface="Arial"/>
       </a:defRPr>
     </a:lvl1pPr>
-    <a:lvl2pPr marR="0" lvl="1" algn="l" rtl="0">
+    <a:lvl2pPr lvl="1" marR="0" rtl="0" algn="l">
       <a:lnSpc>
         <a:spcPct val="100000"/>
       </a:lnSpc>
@@ -523,7 +508,7 @@
         <a:srgbClr val="000000"/>
       </a:buClr>
       <a:buFont typeface="Arial"/>
-      <a:defRPr sz="1400" b="0" i="0" u="none" strike="noStrike" cap="none">
+      <a:defRPr b="0" i="0" sz="1400" u="none" cap="none" strike="noStrike">
         <a:solidFill>
           <a:srgbClr val="000000"/>
         </a:solidFill>
@@ -533,7 +518,7 @@
         <a:sym typeface="Arial"/>
       </a:defRPr>
     </a:lvl2pPr>
-    <a:lvl3pPr marR="0" lvl="2" algn="l" rtl="0">
+    <a:lvl3pPr lvl="2" marR="0" rtl="0" algn="l">
       <a:lnSpc>
         <a:spcPct val="100000"/>
       </a:lnSpc>
@@ -547,7 +532,7 @@
         <a:srgbClr val="000000"/>
       </a:buClr>
       <a:buFont typeface="Arial"/>
-      <a:defRPr sz="1400" b="0" i="0" u="none" strike="noStrike" cap="none">
+      <a:defRPr b="0" i="0" sz="1400" u="none" cap="none" strike="noStrike">
         <a:solidFill>
           <a:srgbClr val="000000"/>
         </a:solidFill>
@@ -557,7 +542,7 @@
         <a:sym typeface="Arial"/>
       </a:defRPr>
     </a:lvl3pPr>
-    <a:lvl4pPr marR="0" lvl="3" algn="l" rtl="0">
+    <a:lvl4pPr lvl="3" marR="0" rtl="0" algn="l">
       <a:lnSpc>
         <a:spcPct val="100000"/>
       </a:lnSpc>
@@ -571,7 +556,7 @@
         <a:srgbClr val="000000"/>
       </a:buClr>
       <a:buFont typeface="Arial"/>
-      <a:defRPr sz="1400" b="0" i="0" u="none" strike="noStrike" cap="none">
+      <a:defRPr b="0" i="0" sz="1400" u="none" cap="none" strike="noStrike">
         <a:solidFill>
           <a:srgbClr val="000000"/>
         </a:solidFill>
@@ -581,7 +566,7 @@
         <a:sym typeface="Arial"/>
       </a:defRPr>
     </a:lvl4pPr>
-    <a:lvl5pPr marR="0" lvl="4" algn="l" rtl="0">
+    <a:lvl5pPr lvl="4" marR="0" rtl="0" algn="l">
       <a:lnSpc>
         <a:spcPct val="100000"/>
       </a:lnSpc>
@@ -595,7 +580,7 @@
         <a:srgbClr val="000000"/>
       </a:buClr>
       <a:buFont typeface="Arial"/>
-      <a:defRPr sz="1400" b="0" i="0" u="none" strike="noStrike" cap="none">
+      <a:defRPr b="0" i="0" sz="1400" u="none" cap="none" strike="noStrike">
         <a:solidFill>
           <a:srgbClr val="000000"/>
         </a:solidFill>
@@ -605,7 +590,7 @@
         <a:sym typeface="Arial"/>
       </a:defRPr>
     </a:lvl5pPr>
-    <a:lvl6pPr marR="0" lvl="5" algn="l" rtl="0">
+    <a:lvl6pPr lvl="5" marR="0" rtl="0" algn="l">
       <a:lnSpc>
         <a:spcPct val="100000"/>
       </a:lnSpc>
@@ -619,7 +604,7 @@
         <a:srgbClr val="000000"/>
       </a:buClr>
       <a:buFont typeface="Arial"/>
-      <a:defRPr sz="1400" b="0" i="0" u="none" strike="noStrike" cap="none">
+      <a:defRPr b="0" i="0" sz="1400" u="none" cap="none" strike="noStrike">
         <a:solidFill>
           <a:srgbClr val="000000"/>
         </a:solidFill>
@@ -629,7 +614,7 @@
         <a:sym typeface="Arial"/>
       </a:defRPr>
     </a:lvl6pPr>
-    <a:lvl7pPr marR="0" lvl="6" algn="l" rtl="0">
+    <a:lvl7pPr lvl="6" marR="0" rtl="0" algn="l">
       <a:lnSpc>
         <a:spcPct val="100000"/>
       </a:lnSpc>
@@ -643,7 +628,7 @@
         <a:srgbClr val="000000"/>
       </a:buClr>
       <a:buFont typeface="Arial"/>
-      <a:defRPr sz="1400" b="0" i="0" u="none" strike="noStrike" cap="none">
+      <a:defRPr b="0" i="0" sz="1400" u="none" cap="none" strike="noStrike">
         <a:solidFill>
           <a:srgbClr val="000000"/>
         </a:solidFill>
@@ -653,7 +638,7 @@
         <a:sym typeface="Arial"/>
       </a:defRPr>
     </a:lvl7pPr>
-    <a:lvl8pPr marR="0" lvl="7" algn="l" rtl="0">
+    <a:lvl8pPr lvl="7" marR="0" rtl="0" algn="l">
       <a:lnSpc>
         <a:spcPct val="100000"/>
       </a:lnSpc>
@@ -667,7 +652,7 @@
         <a:srgbClr val="000000"/>
       </a:buClr>
       <a:buFont typeface="Arial"/>
-      <a:defRPr sz="1400" b="0" i="0" u="none" strike="noStrike" cap="none">
+      <a:defRPr b="0" i="0" sz="1400" u="none" cap="none" strike="noStrike">
         <a:solidFill>
           <a:srgbClr val="000000"/>
         </a:solidFill>
@@ -677,7 +662,7 @@
         <a:sym typeface="Arial"/>
       </a:defRPr>
     </a:lvl8pPr>
-    <a:lvl9pPr marR="0" lvl="8" algn="l" rtl="0">
+    <a:lvl9pPr lvl="8" marR="0" rtl="0" algn="l">
       <a:lnSpc>
         <a:spcPct val="100000"/>
       </a:lnSpc>
@@ -691,7 +676,7 @@
         <a:srgbClr val="000000"/>
       </a:buClr>
       <a:buFont typeface="Arial"/>
-      <a:defRPr sz="1400" b="0" i="0" u="none" strike="noStrike" cap="none">
+      <a:defRPr b="0" i="0" sz="1400" u="none" cap="none" strike="noStrike">
         <a:solidFill>
           <a:srgbClr val="000000"/>
         </a:solidFill>
@@ -706,11 +691,11 @@
 </file>
 
 <file path=ppt/notesSlides/notesSlide1.xml><?xml version="1.0" encoding="utf-8"?>
-<p:notes xmlns:a="http://schemas.openxmlformats.org/drawingml/2006/main" xmlns:r="http://schemas.openxmlformats.org/officeDocument/2006/relationships" xmlns:p="http://schemas.openxmlformats.org/presentationml/2006/main" showMasterSp="0" showMasterPhAnim="0">
+<p:notes xmlns:a="http://schemas.openxmlformats.org/drawingml/2006/main" xmlns:r="http://schemas.openxmlformats.org/officeDocument/2006/relationships" xmlns:mc="http://schemas.openxmlformats.org/markup-compatibility/2006" xmlns:mv="urn:schemas-microsoft-com:mac:vml" xmlns:p="http://schemas.openxmlformats.org/presentationml/2006/main" xmlns:c="http://schemas.openxmlformats.org/drawingml/2006/chart" xmlns:dgm="http://schemas.openxmlformats.org/drawingml/2006/diagram" xmlns:o="urn:schemas-microsoft-com:office:office" xmlns:v="urn:schemas-microsoft-com:vml" xmlns:pvml="urn:schemas-microsoft-com:office:powerpoint" xmlns:com="http://schemas.openxmlformats.org/drawingml/2006/compatibility" xmlns:p14="http://schemas.microsoft.com/office/powerpoint/2010/main" xmlns:p15="http://schemas.microsoft.com/office/powerpoint/2012/main" xmlns:ahyp="http://schemas.microsoft.com/office/drawing/2018/hyperlinkcolor" showMasterPhAnim="0" showMasterSp="0">
   <p:cSld>
     <p:spTree>
       <p:nvGrpSpPr>
-        <p:cNvPr id="1" name="Shape 50"/>
+        <p:cNvPr id="50" name="Shape 50"/>
         <p:cNvGrpSpPr/>
         <p:nvPr/>
       </p:nvGrpSpPr>
@@ -725,26 +710,20 @@
       <p:sp>
         <p:nvSpPr>
           <p:cNvPr id="51" name="Google Shape;51;p:notes"/>
-          <p:cNvSpPr>
-            <a:spLocks noGrp="1" noRot="1" noChangeAspect="1"/>
-          </p:cNvSpPr>
+          <p:cNvSpPr/>
           <p:nvPr>
-            <p:ph type="sldImg" idx="2"/>
+            <p:ph idx="2" type="sldImg"/>
           </p:nvPr>
         </p:nvSpPr>
         <p:spPr>
           <a:xfrm>
-            <a:off x="381000" y="685800"/>
-            <a:ext cx="6096000" cy="3429000"/>
+            <a:off x="381300" y="685800"/>
+            <a:ext cx="6096075" cy="3429000"/>
           </a:xfrm>
           <a:custGeom>
-            <a:avLst/>
-            <a:gdLst/>
-            <a:ahLst/>
-            <a:cxnLst/>
-            <a:rect l="l" t="t" r="r" b="b"/>
+            <a:rect b="b" l="l" r="r" t="t"/>
             <a:pathLst>
-              <a:path w="120000" h="120000" extrusionOk="0">
+              <a:path extrusionOk="0" h="120000" w="120000">
                 <a:moveTo>
                   <a:pt x="0" y="0"/>
                 </a:moveTo>
@@ -766,11 +745,9 @@
       <p:sp>
         <p:nvSpPr>
           <p:cNvPr id="52" name="Google Shape;52;p:notes"/>
-          <p:cNvSpPr txBox="1">
-            <a:spLocks noGrp="1"/>
-          </p:cNvSpPr>
+          <p:cNvSpPr txBox="1"/>
           <p:nvPr>
-            <p:ph type="body" idx="1"/>
+            <p:ph idx="1" type="body"/>
           </p:nvPr>
         </p:nvSpPr>
         <p:spPr>
@@ -783,20 +760,23 @@
           </a:prstGeom>
         </p:spPr>
         <p:txBody>
-          <a:bodyPr spcFirstLastPara="1" wrap="square" lIns="91425" tIns="91425" rIns="91425" bIns="91425" anchor="t" anchorCtr="0">
+          <a:bodyPr anchorCtr="0" anchor="t" bIns="91425" lIns="91425" spcFirstLastPara="1" rIns="91425" wrap="square" tIns="91425">
             <a:noAutofit/>
           </a:bodyPr>
           <a:lstStyle/>
           <a:p>
-            <a:pPr marL="0" lvl="0" indent="0" algn="l" rtl="0">
-              <a:spcBef>
-                <a:spcPts val="0"/>
-              </a:spcBef>
-              <a:spcAft>
-                <a:spcPts val="0"/>
-              </a:spcAft>
-              <a:buNone/>
-            </a:pPr>
+            <a:pPr indent="0" lvl="0" marL="0" rtl="0" algn="l">
+              <a:spcBef>
+                <a:spcPts val="0"/>
+              </a:spcBef>
+              <a:spcAft>
+                <a:spcPts val="0"/>
+              </a:spcAft>
+              <a:buNone/>
+            </a:pPr>
+            <a:r>
+              <a:t/>
+            </a:r>
             <a:endParaRPr/>
           </a:p>
         </p:txBody>
@@ -810,11 +790,11 @@
 </file>
 
 <file path=ppt/notesSlides/notesSlide2.xml><?xml version="1.0" encoding="utf-8"?>
-<p:notes xmlns:a="http://schemas.openxmlformats.org/drawingml/2006/main" xmlns:r="http://schemas.openxmlformats.org/officeDocument/2006/relationships" xmlns:p="http://schemas.openxmlformats.org/presentationml/2006/main" showMasterSp="0" showMasterPhAnim="0">
+<p:notes xmlns:a="http://schemas.openxmlformats.org/drawingml/2006/main" xmlns:r="http://schemas.openxmlformats.org/officeDocument/2006/relationships" xmlns:mc="http://schemas.openxmlformats.org/markup-compatibility/2006" xmlns:mv="urn:schemas-microsoft-com:mac:vml" xmlns:p="http://schemas.openxmlformats.org/presentationml/2006/main" xmlns:c="http://schemas.openxmlformats.org/drawingml/2006/chart" xmlns:dgm="http://schemas.openxmlformats.org/drawingml/2006/diagram" xmlns:o="urn:schemas-microsoft-com:office:office" xmlns:v="urn:schemas-microsoft-com:vml" xmlns:pvml="urn:schemas-microsoft-com:office:powerpoint" xmlns:com="http://schemas.openxmlformats.org/drawingml/2006/compatibility" xmlns:p14="http://schemas.microsoft.com/office/powerpoint/2010/main" xmlns:p15="http://schemas.microsoft.com/office/powerpoint/2012/main" xmlns:ahyp="http://schemas.microsoft.com/office/drawing/2018/hyperlinkcolor" showMasterPhAnim="0" showMasterSp="0">
   <p:cSld>
     <p:spTree>
       <p:nvGrpSpPr>
-        <p:cNvPr id="1" name="Shape 76"/>
+        <p:cNvPr id="78" name="Shape 78"/>
         <p:cNvGrpSpPr/>
         <p:nvPr/>
       </p:nvGrpSpPr>
@@ -828,27 +808,21 @@
       </p:grpSpPr>
       <p:sp>
         <p:nvSpPr>
-          <p:cNvPr id="77" name="Google Shape;77;g27b9dc9c465_0_41:notes"/>
-          <p:cNvSpPr>
-            <a:spLocks noGrp="1" noRot="1" noChangeAspect="1"/>
-          </p:cNvSpPr>
+          <p:cNvPr id="79" name="Google Shape;79;g27b9dc9c465_0_41:notes"/>
+          <p:cNvSpPr/>
           <p:nvPr>
-            <p:ph type="sldImg" idx="2"/>
+            <p:ph idx="2" type="sldImg"/>
           </p:nvPr>
         </p:nvSpPr>
         <p:spPr>
           <a:xfrm>
-            <a:off x="381000" y="685800"/>
+            <a:off x="381300" y="685800"/>
             <a:ext cx="6096000" cy="3429000"/>
           </a:xfrm>
           <a:custGeom>
-            <a:avLst/>
-            <a:gdLst/>
-            <a:ahLst/>
-            <a:cxnLst/>
-            <a:rect l="l" t="t" r="r" b="b"/>
+            <a:rect b="b" l="l" r="r" t="t"/>
             <a:pathLst>
-              <a:path w="120000" h="120000" extrusionOk="0">
+              <a:path extrusionOk="0" h="120000" w="120000">
                 <a:moveTo>
                   <a:pt x="0" y="0"/>
                 </a:moveTo>
@@ -869,12 +843,10 @@
       </p:sp>
       <p:sp>
         <p:nvSpPr>
-          <p:cNvPr id="78" name="Google Shape;78;g27b9dc9c465_0_41:notes"/>
-          <p:cNvSpPr txBox="1">
-            <a:spLocks noGrp="1"/>
-          </p:cNvSpPr>
+          <p:cNvPr id="80" name="Google Shape;80;g27b9dc9c465_0_41:notes"/>
+          <p:cNvSpPr txBox="1"/>
           <p:nvPr>
-            <p:ph type="body" idx="1"/>
+            <p:ph idx="1" type="body"/>
           </p:nvPr>
         </p:nvSpPr>
         <p:spPr>
@@ -887,20 +859,23 @@
           </a:prstGeom>
         </p:spPr>
         <p:txBody>
-          <a:bodyPr spcFirstLastPara="1" wrap="square" lIns="91425" tIns="91425" rIns="91425" bIns="91425" anchor="t" anchorCtr="0">
+          <a:bodyPr anchorCtr="0" anchor="t" bIns="91425" lIns="91425" spcFirstLastPara="1" rIns="91425" wrap="square" tIns="91425">
             <a:noAutofit/>
           </a:bodyPr>
           <a:lstStyle/>
           <a:p>
-            <a:pPr marL="0" lvl="0" indent="0" algn="l" rtl="0">
-              <a:spcBef>
-                <a:spcPts val="0"/>
-              </a:spcBef>
-              <a:spcAft>
-                <a:spcPts val="0"/>
-              </a:spcAft>
-              <a:buNone/>
-            </a:pPr>
+            <a:pPr indent="0" lvl="0" marL="0" rtl="0" algn="l">
+              <a:spcBef>
+                <a:spcPts val="0"/>
+              </a:spcBef>
+              <a:spcAft>
+                <a:spcPts val="0"/>
+              </a:spcAft>
+              <a:buNone/>
+            </a:pPr>
+            <a:r>
+              <a:t/>
+            </a:r>
             <a:endParaRPr/>
           </a:p>
         </p:txBody>
@@ -914,11 +889,11 @@
 </file>
 
 <file path=ppt/notesSlides/notesSlide3.xml><?xml version="1.0" encoding="utf-8"?>
-<p:notes xmlns:a="http://schemas.openxmlformats.org/drawingml/2006/main" xmlns:r="http://schemas.openxmlformats.org/officeDocument/2006/relationships" xmlns:p="http://schemas.openxmlformats.org/presentationml/2006/main" showMasterSp="0" showMasterPhAnim="0">
+<p:notes xmlns:a="http://schemas.openxmlformats.org/drawingml/2006/main" xmlns:r="http://schemas.openxmlformats.org/officeDocument/2006/relationships" xmlns:mc="http://schemas.openxmlformats.org/markup-compatibility/2006" xmlns:mv="urn:schemas-microsoft-com:mac:vml" xmlns:p="http://schemas.openxmlformats.org/presentationml/2006/main" xmlns:c="http://schemas.openxmlformats.org/drawingml/2006/chart" xmlns:dgm="http://schemas.openxmlformats.org/drawingml/2006/diagram" xmlns:o="urn:schemas-microsoft-com:office:office" xmlns:v="urn:schemas-microsoft-com:vml" xmlns:pvml="urn:schemas-microsoft-com:office:powerpoint" xmlns:com="http://schemas.openxmlformats.org/drawingml/2006/compatibility" xmlns:p14="http://schemas.microsoft.com/office/powerpoint/2010/main" xmlns:p15="http://schemas.microsoft.com/office/powerpoint/2012/main" xmlns:ahyp="http://schemas.microsoft.com/office/drawing/2018/hyperlinkcolor" showMasterPhAnim="0" showMasterSp="0">
   <p:cSld>
     <p:spTree>
       <p:nvGrpSpPr>
-        <p:cNvPr id="1" name="Shape 98"/>
+        <p:cNvPr id="107" name="Shape 107"/>
         <p:cNvGrpSpPr/>
         <p:nvPr/>
       </p:nvGrpSpPr>
@@ -932,27 +907,21 @@
       </p:grpSpPr>
       <p:sp>
         <p:nvSpPr>
-          <p:cNvPr id="99" name="Google Shape;99;g27b9dc9c465_0_89:notes"/>
-          <p:cNvSpPr>
-            <a:spLocks noGrp="1" noRot="1" noChangeAspect="1"/>
-          </p:cNvSpPr>
+          <p:cNvPr id="108" name="Google Shape;108;g27b9dc9c465_0_89:notes"/>
+          <p:cNvSpPr/>
           <p:nvPr>
-            <p:ph type="sldImg" idx="2"/>
+            <p:ph idx="2" type="sldImg"/>
           </p:nvPr>
         </p:nvSpPr>
         <p:spPr>
           <a:xfrm>
-            <a:off x="381000" y="685800"/>
+            <a:off x="381300" y="685800"/>
             <a:ext cx="6096000" cy="3429000"/>
           </a:xfrm>
           <a:custGeom>
-            <a:avLst/>
-            <a:gdLst/>
-            <a:ahLst/>
-            <a:cxnLst/>
-            <a:rect l="l" t="t" r="r" b="b"/>
+            <a:rect b="b" l="l" r="r" t="t"/>
             <a:pathLst>
-              <a:path w="120000" h="120000" extrusionOk="0">
+              <a:path extrusionOk="0" h="120000" w="120000">
                 <a:moveTo>
                   <a:pt x="0" y="0"/>
                 </a:moveTo>
@@ -973,12 +942,10 @@
       </p:sp>
       <p:sp>
         <p:nvSpPr>
-          <p:cNvPr id="100" name="Google Shape;100;g27b9dc9c465_0_89:notes"/>
-          <p:cNvSpPr txBox="1">
-            <a:spLocks noGrp="1"/>
-          </p:cNvSpPr>
+          <p:cNvPr id="109" name="Google Shape;109;g27b9dc9c465_0_89:notes"/>
+          <p:cNvSpPr txBox="1"/>
           <p:nvPr>
-            <p:ph type="body" idx="1"/>
+            <p:ph idx="1" type="body"/>
           </p:nvPr>
         </p:nvSpPr>
         <p:spPr>
@@ -991,20 +958,23 @@
           </a:prstGeom>
         </p:spPr>
         <p:txBody>
-          <a:bodyPr spcFirstLastPara="1" wrap="square" lIns="91425" tIns="91425" rIns="91425" bIns="91425" anchor="t" anchorCtr="0">
+          <a:bodyPr anchorCtr="0" anchor="t" bIns="91425" lIns="91425" spcFirstLastPara="1" rIns="91425" wrap="square" tIns="91425">
             <a:noAutofit/>
           </a:bodyPr>
           <a:lstStyle/>
           <a:p>
-            <a:pPr marL="0" lvl="0" indent="0" algn="l" rtl="0">
-              <a:spcBef>
-                <a:spcPts val="0"/>
-              </a:spcBef>
-              <a:spcAft>
-                <a:spcPts val="0"/>
-              </a:spcAft>
-              <a:buNone/>
-            </a:pPr>
+            <a:pPr indent="0" lvl="0" marL="0" rtl="0" algn="l">
+              <a:spcBef>
+                <a:spcPts val="0"/>
+              </a:spcBef>
+              <a:spcAft>
+                <a:spcPts val="0"/>
+              </a:spcAft>
+              <a:buNone/>
+            </a:pPr>
+            <a:r>
+              <a:t/>
+            </a:r>
             <a:endParaRPr/>
           </a:p>
         </p:txBody>
@@ -1018,11 +988,11 @@
 </file>
 
 <file path=ppt/notesSlides/notesSlide4.xml><?xml version="1.0" encoding="utf-8"?>
-<p:notes xmlns:a="http://schemas.openxmlformats.org/drawingml/2006/main" xmlns:r="http://schemas.openxmlformats.org/officeDocument/2006/relationships" xmlns:p="http://schemas.openxmlformats.org/presentationml/2006/main" showMasterSp="0" showMasterPhAnim="0">
+<p:notes xmlns:a="http://schemas.openxmlformats.org/drawingml/2006/main" xmlns:r="http://schemas.openxmlformats.org/officeDocument/2006/relationships" xmlns:mc="http://schemas.openxmlformats.org/markup-compatibility/2006" xmlns:mv="urn:schemas-microsoft-com:mac:vml" xmlns:p="http://schemas.openxmlformats.org/presentationml/2006/main" xmlns:c="http://schemas.openxmlformats.org/drawingml/2006/chart" xmlns:dgm="http://schemas.openxmlformats.org/drawingml/2006/diagram" xmlns:o="urn:schemas-microsoft-com:office:office" xmlns:v="urn:schemas-microsoft-com:vml" xmlns:pvml="urn:schemas-microsoft-com:office:powerpoint" xmlns:com="http://schemas.openxmlformats.org/drawingml/2006/compatibility" xmlns:p14="http://schemas.microsoft.com/office/powerpoint/2010/main" xmlns:p15="http://schemas.microsoft.com/office/powerpoint/2012/main" xmlns:ahyp="http://schemas.microsoft.com/office/drawing/2018/hyperlinkcolor" showMasterPhAnim="0" showMasterSp="0">
   <p:cSld>
     <p:spTree>
       <p:nvGrpSpPr>
-        <p:cNvPr id="1" name="Shape 126"/>
+        <p:cNvPr id="135" name="Shape 135"/>
         <p:cNvGrpSpPr/>
         <p:nvPr/>
       </p:nvGrpSpPr>
@@ -1036,27 +1006,21 @@
       </p:grpSpPr>
       <p:sp>
         <p:nvSpPr>
-          <p:cNvPr id="127" name="Google Shape;127;g27b9dc9c465_0_0:notes"/>
-          <p:cNvSpPr>
-            <a:spLocks noGrp="1" noRot="1" noChangeAspect="1"/>
-          </p:cNvSpPr>
+          <p:cNvPr id="136" name="Google Shape;136;g27b9dc9c465_0_0:notes"/>
+          <p:cNvSpPr/>
           <p:nvPr>
-            <p:ph type="sldImg" idx="2"/>
+            <p:ph idx="2" type="sldImg"/>
           </p:nvPr>
         </p:nvSpPr>
         <p:spPr>
           <a:xfrm>
-            <a:off x="381000" y="685800"/>
+            <a:off x="381300" y="685800"/>
             <a:ext cx="6096000" cy="3429000"/>
           </a:xfrm>
           <a:custGeom>
-            <a:avLst/>
-            <a:gdLst/>
-            <a:ahLst/>
-            <a:cxnLst/>
-            <a:rect l="l" t="t" r="r" b="b"/>
+            <a:rect b="b" l="l" r="r" t="t"/>
             <a:pathLst>
-              <a:path w="120000" h="120000" extrusionOk="0">
+              <a:path extrusionOk="0" h="120000" w="120000">
                 <a:moveTo>
                   <a:pt x="0" y="0"/>
                 </a:moveTo>
@@ -1077,12 +1041,10 @@
       </p:sp>
       <p:sp>
         <p:nvSpPr>
-          <p:cNvPr id="128" name="Google Shape;128;g27b9dc9c465_0_0:notes"/>
-          <p:cNvSpPr txBox="1">
-            <a:spLocks noGrp="1"/>
-          </p:cNvSpPr>
+          <p:cNvPr id="137" name="Google Shape;137;g27b9dc9c465_0_0:notes"/>
+          <p:cNvSpPr txBox="1"/>
           <p:nvPr>
-            <p:ph type="body" idx="1"/>
+            <p:ph idx="1" type="body"/>
           </p:nvPr>
         </p:nvSpPr>
         <p:spPr>
@@ -1095,20 +1057,23 @@
           </a:prstGeom>
         </p:spPr>
         <p:txBody>
-          <a:bodyPr spcFirstLastPara="1" wrap="square" lIns="91425" tIns="91425" rIns="91425" bIns="91425" anchor="t" anchorCtr="0">
+          <a:bodyPr anchorCtr="0" anchor="t" bIns="91425" lIns="91425" spcFirstLastPara="1" rIns="91425" wrap="square" tIns="91425">
             <a:noAutofit/>
           </a:bodyPr>
           <a:lstStyle/>
           <a:p>
-            <a:pPr marL="0" lvl="0" indent="0" algn="l" rtl="0">
-              <a:spcBef>
-                <a:spcPts val="0"/>
-              </a:spcBef>
-              <a:spcAft>
-                <a:spcPts val="0"/>
-              </a:spcAft>
-              <a:buNone/>
-            </a:pPr>
+            <a:pPr indent="0" lvl="0" marL="0" rtl="0" algn="l">
+              <a:spcBef>
+                <a:spcPts val="0"/>
+              </a:spcBef>
+              <a:spcAft>
+                <a:spcPts val="0"/>
+              </a:spcAft>
+              <a:buNone/>
+            </a:pPr>
+            <a:r>
+              <a:t/>
+            </a:r>
             <a:endParaRPr/>
           </a:p>
         </p:txBody>
@@ -1122,11 +1087,11 @@
 </file>
 
 <file path=ppt/notesSlides/notesSlide5.xml><?xml version="1.0" encoding="utf-8"?>
-<p:notes xmlns:a="http://schemas.openxmlformats.org/drawingml/2006/main" xmlns:r="http://schemas.openxmlformats.org/officeDocument/2006/relationships" xmlns:p="http://schemas.openxmlformats.org/presentationml/2006/main" showMasterSp="0" showMasterPhAnim="0">
+<p:notes xmlns:a="http://schemas.openxmlformats.org/drawingml/2006/main" xmlns:r="http://schemas.openxmlformats.org/officeDocument/2006/relationships" xmlns:mc="http://schemas.openxmlformats.org/markup-compatibility/2006" xmlns:mv="urn:schemas-microsoft-com:mac:vml" xmlns:p="http://schemas.openxmlformats.org/presentationml/2006/main" xmlns:c="http://schemas.openxmlformats.org/drawingml/2006/chart" xmlns:dgm="http://schemas.openxmlformats.org/drawingml/2006/diagram" xmlns:o="urn:schemas-microsoft-com:office:office" xmlns:v="urn:schemas-microsoft-com:vml" xmlns:pvml="urn:schemas-microsoft-com:office:powerpoint" xmlns:com="http://schemas.openxmlformats.org/drawingml/2006/compatibility" xmlns:p14="http://schemas.microsoft.com/office/powerpoint/2010/main" xmlns:p15="http://schemas.microsoft.com/office/powerpoint/2012/main" xmlns:ahyp="http://schemas.microsoft.com/office/drawing/2018/hyperlinkcolor" showMasterPhAnim="0" showMasterSp="0">
   <p:cSld>
     <p:spTree>
       <p:nvGrpSpPr>
-        <p:cNvPr id="1" name="Shape 130"/>
+        <p:cNvPr id="139" name="Shape 139"/>
         <p:cNvGrpSpPr/>
         <p:nvPr/>
       </p:nvGrpSpPr>
@@ -1140,27 +1105,21 @@
       </p:grpSpPr>
       <p:sp>
         <p:nvSpPr>
-          <p:cNvPr id="131" name="Google Shape;131;g27b9dc9c465_0_3:notes"/>
-          <p:cNvSpPr>
-            <a:spLocks noGrp="1" noRot="1" noChangeAspect="1"/>
-          </p:cNvSpPr>
+          <p:cNvPr id="140" name="Google Shape;140;g27b9dc9c465_0_3:notes"/>
+          <p:cNvSpPr/>
           <p:nvPr>
-            <p:ph type="sldImg" idx="2"/>
+            <p:ph idx="2" type="sldImg"/>
           </p:nvPr>
         </p:nvSpPr>
         <p:spPr>
           <a:xfrm>
-            <a:off x="381000" y="685800"/>
+            <a:off x="381300" y="685800"/>
             <a:ext cx="6096000" cy="3429000"/>
           </a:xfrm>
           <a:custGeom>
-            <a:avLst/>
-            <a:gdLst/>
-            <a:ahLst/>
-            <a:cxnLst/>
-            <a:rect l="l" t="t" r="r" b="b"/>
+            <a:rect b="b" l="l" r="r" t="t"/>
             <a:pathLst>
-              <a:path w="120000" h="120000" extrusionOk="0">
+              <a:path extrusionOk="0" h="120000" w="120000">
                 <a:moveTo>
                   <a:pt x="0" y="0"/>
                 </a:moveTo>
@@ -1181,12 +1140,10 @@
       </p:sp>
       <p:sp>
         <p:nvSpPr>
-          <p:cNvPr id="132" name="Google Shape;132;g27b9dc9c465_0_3:notes"/>
-          <p:cNvSpPr txBox="1">
-            <a:spLocks noGrp="1"/>
-          </p:cNvSpPr>
+          <p:cNvPr id="141" name="Google Shape;141;g27b9dc9c465_0_3:notes"/>
+          <p:cNvSpPr txBox="1"/>
           <p:nvPr>
-            <p:ph type="body" idx="1"/>
+            <p:ph idx="1" type="body"/>
           </p:nvPr>
         </p:nvSpPr>
         <p:spPr>
@@ -1199,20 +1156,23 @@
           </a:prstGeom>
         </p:spPr>
         <p:txBody>
-          <a:bodyPr spcFirstLastPara="1" wrap="square" lIns="91425" tIns="91425" rIns="91425" bIns="91425" anchor="t" anchorCtr="0">
+          <a:bodyPr anchorCtr="0" anchor="t" bIns="91425" lIns="91425" spcFirstLastPara="1" rIns="91425" wrap="square" tIns="91425">
             <a:noAutofit/>
           </a:bodyPr>
           <a:lstStyle/>
           <a:p>
-            <a:pPr marL="0" lvl="0" indent="0" algn="l" rtl="0">
-              <a:spcBef>
-                <a:spcPts val="0"/>
-              </a:spcBef>
-              <a:spcAft>
-                <a:spcPts val="0"/>
-              </a:spcAft>
-              <a:buNone/>
-            </a:pPr>
+            <a:pPr indent="0" lvl="0" marL="0" rtl="0" algn="l">
+              <a:spcBef>
+                <a:spcPts val="0"/>
+              </a:spcBef>
+              <a:spcAft>
+                <a:spcPts val="0"/>
+              </a:spcAft>
+              <a:buNone/>
+            </a:pPr>
+            <a:r>
+              <a:t/>
+            </a:r>
             <a:endParaRPr/>
           </a:p>
         </p:txBody>
@@ -1226,11 +1186,11 @@
 </file>
 
 <file path=ppt/slideLayouts/slideLayout1.xml><?xml version="1.0" encoding="utf-8"?>
-<p:sldLayout xmlns:a="http://schemas.openxmlformats.org/drawingml/2006/main" xmlns:r="http://schemas.openxmlformats.org/officeDocument/2006/relationships" xmlns:p="http://schemas.openxmlformats.org/presentationml/2006/main" matchingName="Title slide" type="title">
+<p:sldLayout xmlns:a="http://schemas.openxmlformats.org/drawingml/2006/main" xmlns:r="http://schemas.openxmlformats.org/officeDocument/2006/relationships" xmlns:mc="http://schemas.openxmlformats.org/markup-compatibility/2006" xmlns:mv="urn:schemas-microsoft-com:mac:vml" xmlns:p="http://schemas.openxmlformats.org/presentationml/2006/main" xmlns:c="http://schemas.openxmlformats.org/drawingml/2006/chart" xmlns:dgm="http://schemas.openxmlformats.org/drawingml/2006/diagram" xmlns:o="urn:schemas-microsoft-com:office:office" xmlns:v="urn:schemas-microsoft-com:vml" xmlns:pvml="urn:schemas-microsoft-com:office:powerpoint" xmlns:com="http://schemas.openxmlformats.org/drawingml/2006/compatibility" xmlns:p14="http://schemas.microsoft.com/office/powerpoint/2010/main" xmlns:p15="http://schemas.microsoft.com/office/powerpoint/2012/main" xmlns:ahyp="http://schemas.microsoft.com/office/drawing/2018/hyperlinkcolor" matchingName="Title slide" type="title">
   <p:cSld name="TITLE">
     <p:spTree>
       <p:nvGrpSpPr>
-        <p:cNvPr id="1" name="Shape 9"/>
+        <p:cNvPr id="9" name="Shape 9"/>
         <p:cNvGrpSpPr/>
         <p:nvPr/>
       </p:nvGrpSpPr>
@@ -1245,9 +1205,7 @@
       <p:sp>
         <p:nvSpPr>
           <p:cNvPr id="10" name="Google Shape;10;p2"/>
-          <p:cNvSpPr txBox="1">
-            <a:spLocks noGrp="1"/>
-          </p:cNvSpPr>
+          <p:cNvSpPr txBox="1"/>
           <p:nvPr>
             <p:ph type="ctrTitle"/>
           </p:nvPr>
@@ -1262,7 +1220,7 @@
           </a:prstGeom>
         </p:spPr>
         <p:txBody>
-          <a:bodyPr spcFirstLastPara="1" wrap="square" lIns="91425" tIns="91425" rIns="91425" bIns="91425" anchor="b" anchorCtr="0">
+          <a:bodyPr anchorCtr="0" anchor="b" bIns="91425" lIns="91425" spcFirstLastPara="1" rIns="91425" wrap="square" tIns="91425">
             <a:normAutofit/>
           </a:bodyPr>
           <a:lstStyle>
@@ -1366,19 +1324,15 @@
               <a:defRPr sz="5200"/>
             </a:lvl9pPr>
           </a:lstStyle>
-          <a:p>
-            <a:endParaRPr/>
-          </a:p>
+          <a:p/>
         </p:txBody>
       </p:sp>
       <p:sp>
         <p:nvSpPr>
           <p:cNvPr id="11" name="Google Shape;11;p2"/>
-          <p:cNvSpPr txBox="1">
-            <a:spLocks noGrp="1"/>
-          </p:cNvSpPr>
+          <p:cNvSpPr txBox="1"/>
           <p:nvPr>
-            <p:ph type="subTitle" idx="1"/>
+            <p:ph idx="1" type="subTitle"/>
           </p:nvPr>
         </p:nvSpPr>
         <p:spPr>
@@ -1391,7 +1345,7 @@
           </a:prstGeom>
         </p:spPr>
         <p:txBody>
-          <a:bodyPr spcFirstLastPara="1" wrap="square" lIns="91425" tIns="91425" rIns="91425" bIns="91425" anchor="t" anchorCtr="0">
+          <a:bodyPr anchorCtr="0" anchor="t" bIns="91425" lIns="91425" spcFirstLastPara="1" rIns="91425" wrap="square" tIns="91425">
             <a:normAutofit/>
           </a:bodyPr>
           <a:lstStyle>
@@ -1522,19 +1476,15 @@
               <a:defRPr sz="2800"/>
             </a:lvl9pPr>
           </a:lstStyle>
-          <a:p>
-            <a:endParaRPr/>
-          </a:p>
+          <a:p/>
         </p:txBody>
       </p:sp>
       <p:sp>
         <p:nvSpPr>
           <p:cNvPr id="12" name="Google Shape;12;p2"/>
-          <p:cNvSpPr txBox="1">
-            <a:spLocks noGrp="1"/>
-          </p:cNvSpPr>
+          <p:cNvSpPr txBox="1"/>
           <p:nvPr>
-            <p:ph type="sldNum" idx="12"/>
+            <p:ph idx="12" type="sldNum"/>
           </p:nvPr>
         </p:nvSpPr>
         <p:spPr>
@@ -1547,7 +1497,7 @@
           </a:prstGeom>
         </p:spPr>
         <p:txBody>
-          <a:bodyPr spcFirstLastPara="1" wrap="square" lIns="91425" tIns="91425" rIns="91425" bIns="91425" anchor="ctr" anchorCtr="0">
+          <a:bodyPr anchorCtr="0" anchor="ctr" bIns="91425" lIns="91425" spcFirstLastPara="1" rIns="91425" wrap="square" tIns="91425">
             <a:normAutofit/>
           </a:bodyPr>
           <a:lstStyle>
@@ -1589,7 +1539,7 @@
             </a:lvl9pPr>
           </a:lstStyle>
           <a:p>
-            <a:pPr marL="0" lvl="0" indent="0" algn="r" rtl="0">
+            <a:pPr indent="0" lvl="0" marL="0" rtl="0" algn="r">
               <a:spcBef>
                 <a:spcPts val="0"/>
               </a:spcBef>
@@ -1615,11 +1565,11 @@
 </file>
 
 <file path=ppt/slideLayouts/slideLayout10.xml><?xml version="1.0" encoding="utf-8"?>
-<p:sldLayout xmlns:a="http://schemas.openxmlformats.org/drawingml/2006/main" xmlns:r="http://schemas.openxmlformats.org/officeDocument/2006/relationships" xmlns:p="http://schemas.openxmlformats.org/presentationml/2006/main" matchingName="Big number">
+<p:sldLayout xmlns:a="http://schemas.openxmlformats.org/drawingml/2006/main" xmlns:r="http://schemas.openxmlformats.org/officeDocument/2006/relationships" xmlns:mc="http://schemas.openxmlformats.org/markup-compatibility/2006" xmlns:mv="urn:schemas-microsoft-com:mac:vml" xmlns:p="http://schemas.openxmlformats.org/presentationml/2006/main" xmlns:c="http://schemas.openxmlformats.org/drawingml/2006/chart" xmlns:dgm="http://schemas.openxmlformats.org/drawingml/2006/diagram" xmlns:o="urn:schemas-microsoft-com:office:office" xmlns:v="urn:schemas-microsoft-com:vml" xmlns:pvml="urn:schemas-microsoft-com:office:powerpoint" xmlns:com="http://schemas.openxmlformats.org/drawingml/2006/compatibility" xmlns:p14="http://schemas.microsoft.com/office/powerpoint/2010/main" xmlns:p15="http://schemas.microsoft.com/office/powerpoint/2012/main" xmlns:ahyp="http://schemas.microsoft.com/office/drawing/2018/hyperlinkcolor" matchingName="Big number">
   <p:cSld name="BIG_NUMBER">
     <p:spTree>
       <p:nvGrpSpPr>
-        <p:cNvPr id="1" name="Shape 44"/>
+        <p:cNvPr id="44" name="Shape 44"/>
         <p:cNvGrpSpPr/>
         <p:nvPr/>
       </p:nvGrpSpPr>
@@ -1634,11 +1584,9 @@
       <p:sp>
         <p:nvSpPr>
           <p:cNvPr id="45" name="Google Shape;45;p11"/>
-          <p:cNvSpPr txBox="1">
-            <a:spLocks noGrp="1"/>
-          </p:cNvSpPr>
+          <p:cNvSpPr txBox="1"/>
           <p:nvPr>
-            <p:ph type="title" hasCustomPrompt="1"/>
+            <p:ph hasCustomPrompt="1" type="title"/>
           </p:nvPr>
         </p:nvSpPr>
         <p:spPr>
@@ -1651,7 +1599,7 @@
           </a:prstGeom>
         </p:spPr>
         <p:txBody>
-          <a:bodyPr spcFirstLastPara="1" wrap="square" lIns="91425" tIns="91425" rIns="91425" bIns="91425" anchor="b" anchorCtr="0">
+          <a:bodyPr anchorCtr="0" anchor="b" bIns="91425" lIns="91425" spcFirstLastPara="1" rIns="91425" wrap="square" tIns="91425">
             <a:normAutofit/>
           </a:bodyPr>
           <a:lstStyle>
@@ -1765,11 +1713,9 @@
       <p:sp>
         <p:nvSpPr>
           <p:cNvPr id="46" name="Google Shape;46;p11"/>
-          <p:cNvSpPr txBox="1">
-            <a:spLocks noGrp="1"/>
-          </p:cNvSpPr>
+          <p:cNvSpPr txBox="1"/>
           <p:nvPr>
-            <p:ph type="body" idx="1"/>
+            <p:ph idx="1" type="body"/>
           </p:nvPr>
         </p:nvSpPr>
         <p:spPr>
@@ -1782,11 +1728,11 @@
           </a:prstGeom>
         </p:spPr>
         <p:txBody>
-          <a:bodyPr spcFirstLastPara="1" wrap="square" lIns="91425" tIns="91425" rIns="91425" bIns="91425" anchor="t" anchorCtr="0">
+          <a:bodyPr anchorCtr="0" anchor="t" bIns="91425" lIns="91425" spcFirstLastPara="1" rIns="91425" wrap="square" tIns="91425">
             <a:normAutofit/>
           </a:bodyPr>
           <a:lstStyle>
-            <a:lvl1pPr marL="457200" lvl="0" indent="-342900" algn="ctr">
+            <a:lvl1pPr indent="-342900" lvl="0" marL="457200" algn="ctr">
               <a:spcBef>
                 <a:spcPts val="0"/>
               </a:spcBef>
@@ -1797,7 +1743,7 @@
               <a:buChar char="●"/>
               <a:defRPr/>
             </a:lvl1pPr>
-            <a:lvl2pPr marL="914400" lvl="1" indent="-317500" algn="ctr">
+            <a:lvl2pPr indent="-317500" lvl="1" marL="914400" algn="ctr">
               <a:spcBef>
                 <a:spcPts val="0"/>
               </a:spcBef>
@@ -1808,7 +1754,7 @@
               <a:buChar char="○"/>
               <a:defRPr/>
             </a:lvl2pPr>
-            <a:lvl3pPr marL="1371600" lvl="2" indent="-317500" algn="ctr">
+            <a:lvl3pPr indent="-317500" lvl="2" marL="1371600" algn="ctr">
               <a:spcBef>
                 <a:spcPts val="0"/>
               </a:spcBef>
@@ -1819,7 +1765,7 @@
               <a:buChar char="■"/>
               <a:defRPr/>
             </a:lvl3pPr>
-            <a:lvl4pPr marL="1828800" lvl="3" indent="-317500" algn="ctr">
+            <a:lvl4pPr indent="-317500" lvl="3" marL="1828800" algn="ctr">
               <a:spcBef>
                 <a:spcPts val="0"/>
               </a:spcBef>
@@ -1830,7 +1776,7 @@
               <a:buChar char="●"/>
               <a:defRPr/>
             </a:lvl4pPr>
-            <a:lvl5pPr marL="2286000" lvl="4" indent="-317500" algn="ctr">
+            <a:lvl5pPr indent="-317500" lvl="4" marL="2286000" algn="ctr">
               <a:spcBef>
                 <a:spcPts val="0"/>
               </a:spcBef>
@@ -1841,7 +1787,7 @@
               <a:buChar char="○"/>
               <a:defRPr/>
             </a:lvl5pPr>
-            <a:lvl6pPr marL="2743200" lvl="5" indent="-317500" algn="ctr">
+            <a:lvl6pPr indent="-317500" lvl="5" marL="2743200" algn="ctr">
               <a:spcBef>
                 <a:spcPts val="0"/>
               </a:spcBef>
@@ -1852,7 +1798,7 @@
               <a:buChar char="■"/>
               <a:defRPr/>
             </a:lvl6pPr>
-            <a:lvl7pPr marL="3200400" lvl="6" indent="-317500" algn="ctr">
+            <a:lvl7pPr indent="-317500" lvl="6" marL="3200400" algn="ctr">
               <a:spcBef>
                 <a:spcPts val="0"/>
               </a:spcBef>
@@ -1863,7 +1809,7 @@
               <a:buChar char="●"/>
               <a:defRPr/>
             </a:lvl7pPr>
-            <a:lvl8pPr marL="3657600" lvl="7" indent="-317500" algn="ctr">
+            <a:lvl8pPr indent="-317500" lvl="7" marL="3657600" algn="ctr">
               <a:spcBef>
                 <a:spcPts val="0"/>
               </a:spcBef>
@@ -1874,7 +1820,7 @@
               <a:buChar char="○"/>
               <a:defRPr/>
             </a:lvl8pPr>
-            <a:lvl9pPr marL="4114800" lvl="8" indent="-317500" algn="ctr">
+            <a:lvl9pPr indent="-317500" lvl="8" marL="4114800" algn="ctr">
               <a:spcBef>
                 <a:spcPts val="0"/>
               </a:spcBef>
@@ -1886,19 +1832,15 @@
               <a:defRPr/>
             </a:lvl9pPr>
           </a:lstStyle>
-          <a:p>
-            <a:endParaRPr/>
-          </a:p>
+          <a:p/>
         </p:txBody>
       </p:sp>
       <p:sp>
         <p:nvSpPr>
           <p:cNvPr id="47" name="Google Shape;47;p11"/>
-          <p:cNvSpPr txBox="1">
-            <a:spLocks noGrp="1"/>
-          </p:cNvSpPr>
+          <p:cNvSpPr txBox="1"/>
           <p:nvPr>
-            <p:ph type="sldNum" idx="12"/>
+            <p:ph idx="12" type="sldNum"/>
           </p:nvPr>
         </p:nvSpPr>
         <p:spPr>
@@ -1911,7 +1853,7 @@
           </a:prstGeom>
         </p:spPr>
         <p:txBody>
-          <a:bodyPr spcFirstLastPara="1" wrap="square" lIns="91425" tIns="91425" rIns="91425" bIns="91425" anchor="ctr" anchorCtr="0">
+          <a:bodyPr anchorCtr="0" anchor="ctr" bIns="91425" lIns="91425" spcFirstLastPara="1" rIns="91425" wrap="square" tIns="91425">
             <a:normAutofit/>
           </a:bodyPr>
           <a:lstStyle>
@@ -1953,7 +1895,7 @@
             </a:lvl9pPr>
           </a:lstStyle>
           <a:p>
-            <a:pPr marL="0" lvl="0" indent="0" algn="r" rtl="0">
+            <a:pPr indent="0" lvl="0" marL="0" rtl="0" algn="r">
               <a:spcBef>
                 <a:spcPts val="0"/>
               </a:spcBef>
@@ -1979,11 +1921,11 @@
 </file>
 
 <file path=ppt/slideLayouts/slideLayout11.xml><?xml version="1.0" encoding="utf-8"?>
-<p:sldLayout xmlns:a="http://schemas.openxmlformats.org/drawingml/2006/main" xmlns:r="http://schemas.openxmlformats.org/officeDocument/2006/relationships" xmlns:p="http://schemas.openxmlformats.org/presentationml/2006/main" matchingName="Blank" type="blank">
+<p:sldLayout xmlns:a="http://schemas.openxmlformats.org/drawingml/2006/main" xmlns:r="http://schemas.openxmlformats.org/officeDocument/2006/relationships" xmlns:mc="http://schemas.openxmlformats.org/markup-compatibility/2006" xmlns:mv="urn:schemas-microsoft-com:mac:vml" xmlns:p="http://schemas.openxmlformats.org/presentationml/2006/main" xmlns:c="http://schemas.openxmlformats.org/drawingml/2006/chart" xmlns:dgm="http://schemas.openxmlformats.org/drawingml/2006/diagram" xmlns:o="urn:schemas-microsoft-com:office:office" xmlns:v="urn:schemas-microsoft-com:vml" xmlns:pvml="urn:schemas-microsoft-com:office:powerpoint" xmlns:com="http://schemas.openxmlformats.org/drawingml/2006/compatibility" xmlns:p14="http://schemas.microsoft.com/office/powerpoint/2010/main" xmlns:p15="http://schemas.microsoft.com/office/powerpoint/2012/main" xmlns:ahyp="http://schemas.microsoft.com/office/drawing/2018/hyperlinkcolor" matchingName="Blank" type="blank">
   <p:cSld name="BLANK">
     <p:spTree>
       <p:nvGrpSpPr>
-        <p:cNvPr id="1" name="Shape 48"/>
+        <p:cNvPr id="48" name="Shape 48"/>
         <p:cNvGrpSpPr/>
         <p:nvPr/>
       </p:nvGrpSpPr>
@@ -1998,11 +1940,9 @@
       <p:sp>
         <p:nvSpPr>
           <p:cNvPr id="49" name="Google Shape;49;p12"/>
-          <p:cNvSpPr txBox="1">
-            <a:spLocks noGrp="1"/>
-          </p:cNvSpPr>
+          <p:cNvSpPr txBox="1"/>
           <p:nvPr>
-            <p:ph type="sldNum" idx="12"/>
+            <p:ph idx="12" type="sldNum"/>
           </p:nvPr>
         </p:nvSpPr>
         <p:spPr>
@@ -2015,7 +1955,7 @@
           </a:prstGeom>
         </p:spPr>
         <p:txBody>
-          <a:bodyPr spcFirstLastPara="1" wrap="square" lIns="91425" tIns="91425" rIns="91425" bIns="91425" anchor="ctr" anchorCtr="0">
+          <a:bodyPr anchorCtr="0" anchor="ctr" bIns="91425" lIns="91425" spcFirstLastPara="1" rIns="91425" wrap="square" tIns="91425">
             <a:normAutofit/>
           </a:bodyPr>
           <a:lstStyle>
@@ -2057,7 +1997,7 @@
             </a:lvl9pPr>
           </a:lstStyle>
           <a:p>
-            <a:pPr marL="0" lvl="0" indent="0" algn="r" rtl="0">
+            <a:pPr indent="0" lvl="0" marL="0" rtl="0" algn="r">
               <a:spcBef>
                 <a:spcPts val="0"/>
               </a:spcBef>
@@ -2083,11 +2023,11 @@
 </file>
 
 <file path=ppt/slideLayouts/slideLayout2.xml><?xml version="1.0" encoding="utf-8"?>
-<p:sldLayout xmlns:a="http://schemas.openxmlformats.org/drawingml/2006/main" xmlns:r="http://schemas.openxmlformats.org/officeDocument/2006/relationships" xmlns:p="http://schemas.openxmlformats.org/presentationml/2006/main" matchingName="Section header" type="secHead">
+<p:sldLayout xmlns:a="http://schemas.openxmlformats.org/drawingml/2006/main" xmlns:r="http://schemas.openxmlformats.org/officeDocument/2006/relationships" xmlns:mc="http://schemas.openxmlformats.org/markup-compatibility/2006" xmlns:mv="urn:schemas-microsoft-com:mac:vml" xmlns:p="http://schemas.openxmlformats.org/presentationml/2006/main" xmlns:c="http://schemas.openxmlformats.org/drawingml/2006/chart" xmlns:dgm="http://schemas.openxmlformats.org/drawingml/2006/diagram" xmlns:o="urn:schemas-microsoft-com:office:office" xmlns:v="urn:schemas-microsoft-com:vml" xmlns:pvml="urn:schemas-microsoft-com:office:powerpoint" xmlns:com="http://schemas.openxmlformats.org/drawingml/2006/compatibility" xmlns:p14="http://schemas.microsoft.com/office/powerpoint/2010/main" xmlns:p15="http://schemas.microsoft.com/office/powerpoint/2012/main" xmlns:ahyp="http://schemas.microsoft.com/office/drawing/2018/hyperlinkcolor" matchingName="Section header" type="secHead">
   <p:cSld name="SECTION_HEADER">
     <p:spTree>
       <p:nvGrpSpPr>
-        <p:cNvPr id="1" name="Shape 13"/>
+        <p:cNvPr id="13" name="Shape 13"/>
         <p:cNvGrpSpPr/>
         <p:nvPr/>
       </p:nvGrpSpPr>
@@ -2102,9 +2042,7 @@
       <p:sp>
         <p:nvSpPr>
           <p:cNvPr id="14" name="Google Shape;14;p3"/>
-          <p:cNvSpPr txBox="1">
-            <a:spLocks noGrp="1"/>
-          </p:cNvSpPr>
+          <p:cNvSpPr txBox="1"/>
           <p:nvPr>
             <p:ph type="title"/>
           </p:nvPr>
@@ -2119,7 +2057,7 @@
           </a:prstGeom>
         </p:spPr>
         <p:txBody>
-          <a:bodyPr spcFirstLastPara="1" wrap="square" lIns="91425" tIns="91425" rIns="91425" bIns="91425" anchor="ctr" anchorCtr="0">
+          <a:bodyPr anchorCtr="0" anchor="ctr" bIns="91425" lIns="91425" spcFirstLastPara="1" rIns="91425" wrap="square" tIns="91425">
             <a:normAutofit/>
           </a:bodyPr>
           <a:lstStyle>
@@ -2223,19 +2161,15 @@
               <a:defRPr sz="3600"/>
             </a:lvl9pPr>
           </a:lstStyle>
-          <a:p>
-            <a:endParaRPr/>
-          </a:p>
+          <a:p/>
         </p:txBody>
       </p:sp>
       <p:sp>
         <p:nvSpPr>
           <p:cNvPr id="15" name="Google Shape;15;p3"/>
-          <p:cNvSpPr txBox="1">
-            <a:spLocks noGrp="1"/>
-          </p:cNvSpPr>
+          <p:cNvSpPr txBox="1"/>
           <p:nvPr>
-            <p:ph type="sldNum" idx="12"/>
+            <p:ph idx="12" type="sldNum"/>
           </p:nvPr>
         </p:nvSpPr>
         <p:spPr>
@@ -2248,7 +2182,7 @@
           </a:prstGeom>
         </p:spPr>
         <p:txBody>
-          <a:bodyPr spcFirstLastPara="1" wrap="square" lIns="91425" tIns="91425" rIns="91425" bIns="91425" anchor="ctr" anchorCtr="0">
+          <a:bodyPr anchorCtr="0" anchor="ctr" bIns="91425" lIns="91425" spcFirstLastPara="1" rIns="91425" wrap="square" tIns="91425">
             <a:normAutofit/>
           </a:bodyPr>
           <a:lstStyle>
@@ -2290,7 +2224,7 @@
             </a:lvl9pPr>
           </a:lstStyle>
           <a:p>
-            <a:pPr marL="0" lvl="0" indent="0" algn="r" rtl="0">
+            <a:pPr indent="0" lvl="0" marL="0" rtl="0" algn="r">
               <a:spcBef>
                 <a:spcPts val="0"/>
               </a:spcBef>
@@ -2316,11 +2250,11 @@
 </file>
 
 <file path=ppt/slideLayouts/slideLayout3.xml><?xml version="1.0" encoding="utf-8"?>
-<p:sldLayout xmlns:a="http://schemas.openxmlformats.org/drawingml/2006/main" xmlns:r="http://schemas.openxmlformats.org/officeDocument/2006/relationships" xmlns:p="http://schemas.openxmlformats.org/presentationml/2006/main" matchingName="Title and body" type="tx">
+<p:sldLayout xmlns:a="http://schemas.openxmlformats.org/drawingml/2006/main" xmlns:r="http://schemas.openxmlformats.org/officeDocument/2006/relationships" xmlns:mc="http://schemas.openxmlformats.org/markup-compatibility/2006" xmlns:mv="urn:schemas-microsoft-com:mac:vml" xmlns:p="http://schemas.openxmlformats.org/presentationml/2006/main" xmlns:c="http://schemas.openxmlformats.org/drawingml/2006/chart" xmlns:dgm="http://schemas.openxmlformats.org/drawingml/2006/diagram" xmlns:o="urn:schemas-microsoft-com:office:office" xmlns:v="urn:schemas-microsoft-com:vml" xmlns:pvml="urn:schemas-microsoft-com:office:powerpoint" xmlns:com="http://schemas.openxmlformats.org/drawingml/2006/compatibility" xmlns:p14="http://schemas.microsoft.com/office/powerpoint/2010/main" xmlns:p15="http://schemas.microsoft.com/office/powerpoint/2012/main" xmlns:ahyp="http://schemas.microsoft.com/office/drawing/2018/hyperlinkcolor" matchingName="Title and body" type="tx">
   <p:cSld name="TITLE_AND_BODY">
     <p:spTree>
       <p:nvGrpSpPr>
-        <p:cNvPr id="1" name="Shape 16"/>
+        <p:cNvPr id="16" name="Shape 16"/>
         <p:cNvGrpSpPr/>
         <p:nvPr/>
       </p:nvGrpSpPr>
@@ -2335,9 +2269,7 @@
       <p:sp>
         <p:nvSpPr>
           <p:cNvPr id="17" name="Google Shape;17;p4"/>
-          <p:cNvSpPr txBox="1">
-            <a:spLocks noGrp="1"/>
-          </p:cNvSpPr>
+          <p:cNvSpPr txBox="1"/>
           <p:nvPr>
             <p:ph type="title"/>
           </p:nvPr>
@@ -2352,7 +2284,7 @@
           </a:prstGeom>
         </p:spPr>
         <p:txBody>
-          <a:bodyPr spcFirstLastPara="1" wrap="square" lIns="91425" tIns="91425" rIns="91425" bIns="91425" anchor="t" anchorCtr="0">
+          <a:bodyPr anchorCtr="0" anchor="t" bIns="91425" lIns="91425" spcFirstLastPara="1" rIns="91425" wrap="square" tIns="91425">
             <a:normAutofit/>
           </a:bodyPr>
           <a:lstStyle>
@@ -2456,19 +2388,15 @@
               <a:defRPr/>
             </a:lvl9pPr>
           </a:lstStyle>
-          <a:p>
-            <a:endParaRPr/>
-          </a:p>
+          <a:p/>
         </p:txBody>
       </p:sp>
       <p:sp>
         <p:nvSpPr>
           <p:cNvPr id="18" name="Google Shape;18;p4"/>
-          <p:cNvSpPr txBox="1">
-            <a:spLocks noGrp="1"/>
-          </p:cNvSpPr>
+          <p:cNvSpPr txBox="1"/>
           <p:nvPr>
-            <p:ph type="body" idx="1"/>
+            <p:ph idx="1" type="body"/>
           </p:nvPr>
         </p:nvSpPr>
         <p:spPr>
@@ -2481,11 +2409,11 @@
           </a:prstGeom>
         </p:spPr>
         <p:txBody>
-          <a:bodyPr spcFirstLastPara="1" wrap="square" lIns="91425" tIns="91425" rIns="91425" bIns="91425" anchor="t" anchorCtr="0">
+          <a:bodyPr anchorCtr="0" anchor="t" bIns="91425" lIns="91425" spcFirstLastPara="1" rIns="91425" wrap="square" tIns="91425">
             <a:normAutofit/>
           </a:bodyPr>
           <a:lstStyle>
-            <a:lvl1pPr marL="457200" lvl="0" indent="-342900">
+            <a:lvl1pPr indent="-342900" lvl="0" marL="457200">
               <a:spcBef>
                 <a:spcPts val="0"/>
               </a:spcBef>
@@ -2496,7 +2424,7 @@
               <a:buChar char="●"/>
               <a:defRPr/>
             </a:lvl1pPr>
-            <a:lvl2pPr marL="914400" lvl="1" indent="-317500">
+            <a:lvl2pPr indent="-317500" lvl="1" marL="914400">
               <a:spcBef>
                 <a:spcPts val="0"/>
               </a:spcBef>
@@ -2507,7 +2435,7 @@
               <a:buChar char="○"/>
               <a:defRPr/>
             </a:lvl2pPr>
-            <a:lvl3pPr marL="1371600" lvl="2" indent="-317500">
+            <a:lvl3pPr indent="-317500" lvl="2" marL="1371600">
               <a:spcBef>
                 <a:spcPts val="0"/>
               </a:spcBef>
@@ -2518,7 +2446,7 @@
               <a:buChar char="■"/>
               <a:defRPr/>
             </a:lvl3pPr>
-            <a:lvl4pPr marL="1828800" lvl="3" indent="-317500">
+            <a:lvl4pPr indent="-317500" lvl="3" marL="1828800">
               <a:spcBef>
                 <a:spcPts val="0"/>
               </a:spcBef>
@@ -2529,7 +2457,7 @@
               <a:buChar char="●"/>
               <a:defRPr/>
             </a:lvl4pPr>
-            <a:lvl5pPr marL="2286000" lvl="4" indent="-317500">
+            <a:lvl5pPr indent="-317500" lvl="4" marL="2286000">
               <a:spcBef>
                 <a:spcPts val="0"/>
               </a:spcBef>
@@ -2540,7 +2468,7 @@
               <a:buChar char="○"/>
               <a:defRPr/>
             </a:lvl5pPr>
-            <a:lvl6pPr marL="2743200" lvl="5" indent="-317500">
+            <a:lvl6pPr indent="-317500" lvl="5" marL="2743200">
               <a:spcBef>
                 <a:spcPts val="0"/>
               </a:spcBef>
@@ -2551,7 +2479,7 @@
               <a:buChar char="■"/>
               <a:defRPr/>
             </a:lvl6pPr>
-            <a:lvl7pPr marL="3200400" lvl="6" indent="-317500">
+            <a:lvl7pPr indent="-317500" lvl="6" marL="3200400">
               <a:spcBef>
                 <a:spcPts val="0"/>
               </a:spcBef>
@@ -2562,7 +2490,7 @@
               <a:buChar char="●"/>
               <a:defRPr/>
             </a:lvl7pPr>
-            <a:lvl8pPr marL="3657600" lvl="7" indent="-317500">
+            <a:lvl8pPr indent="-317500" lvl="7" marL="3657600">
               <a:spcBef>
                 <a:spcPts val="0"/>
               </a:spcBef>
@@ -2573,7 +2501,7 @@
               <a:buChar char="○"/>
               <a:defRPr/>
             </a:lvl8pPr>
-            <a:lvl9pPr marL="4114800" lvl="8" indent="-317500">
+            <a:lvl9pPr indent="-317500" lvl="8" marL="4114800">
               <a:spcBef>
                 <a:spcPts val="0"/>
               </a:spcBef>
@@ -2585,19 +2513,15 @@
               <a:defRPr/>
             </a:lvl9pPr>
           </a:lstStyle>
-          <a:p>
-            <a:endParaRPr/>
-          </a:p>
+          <a:p/>
         </p:txBody>
       </p:sp>
       <p:sp>
         <p:nvSpPr>
           <p:cNvPr id="19" name="Google Shape;19;p4"/>
-          <p:cNvSpPr txBox="1">
-            <a:spLocks noGrp="1"/>
-          </p:cNvSpPr>
+          <p:cNvSpPr txBox="1"/>
           <p:nvPr>
-            <p:ph type="sldNum" idx="12"/>
+            <p:ph idx="12" type="sldNum"/>
           </p:nvPr>
         </p:nvSpPr>
         <p:spPr>
@@ -2610,7 +2534,7 @@
           </a:prstGeom>
         </p:spPr>
         <p:txBody>
-          <a:bodyPr spcFirstLastPara="1" wrap="square" lIns="91425" tIns="91425" rIns="91425" bIns="91425" anchor="ctr" anchorCtr="0">
+          <a:bodyPr anchorCtr="0" anchor="ctr" bIns="91425" lIns="91425" spcFirstLastPara="1" rIns="91425" wrap="square" tIns="91425">
             <a:normAutofit/>
           </a:bodyPr>
           <a:lstStyle>
@@ -2652,7 +2576,7 @@
             </a:lvl9pPr>
           </a:lstStyle>
           <a:p>
-            <a:pPr marL="0" lvl="0" indent="0" algn="r" rtl="0">
+            <a:pPr indent="0" lvl="0" marL="0" rtl="0" algn="r">
               <a:spcBef>
                 <a:spcPts val="0"/>
               </a:spcBef>
@@ -2678,11 +2602,11 @@
 </file>
 
 <file path=ppt/slideLayouts/slideLayout4.xml><?xml version="1.0" encoding="utf-8"?>
-<p:sldLayout xmlns:a="http://schemas.openxmlformats.org/drawingml/2006/main" xmlns:r="http://schemas.openxmlformats.org/officeDocument/2006/relationships" xmlns:p="http://schemas.openxmlformats.org/presentationml/2006/main" matchingName="Title and two columns" type="twoColTx">
+<p:sldLayout xmlns:a="http://schemas.openxmlformats.org/drawingml/2006/main" xmlns:r="http://schemas.openxmlformats.org/officeDocument/2006/relationships" xmlns:mc="http://schemas.openxmlformats.org/markup-compatibility/2006" xmlns:mv="urn:schemas-microsoft-com:mac:vml" xmlns:p="http://schemas.openxmlformats.org/presentationml/2006/main" xmlns:c="http://schemas.openxmlformats.org/drawingml/2006/chart" xmlns:dgm="http://schemas.openxmlformats.org/drawingml/2006/diagram" xmlns:o="urn:schemas-microsoft-com:office:office" xmlns:v="urn:schemas-microsoft-com:vml" xmlns:pvml="urn:schemas-microsoft-com:office:powerpoint" xmlns:com="http://schemas.openxmlformats.org/drawingml/2006/compatibility" xmlns:p14="http://schemas.microsoft.com/office/powerpoint/2010/main" xmlns:p15="http://schemas.microsoft.com/office/powerpoint/2012/main" xmlns:ahyp="http://schemas.microsoft.com/office/drawing/2018/hyperlinkcolor" matchingName="Title and two columns" type="twoColTx">
   <p:cSld name="TITLE_AND_TWO_COLUMNS">
     <p:spTree>
       <p:nvGrpSpPr>
-        <p:cNvPr id="1" name="Shape 20"/>
+        <p:cNvPr id="20" name="Shape 20"/>
         <p:cNvGrpSpPr/>
         <p:nvPr/>
       </p:nvGrpSpPr>
@@ -2697,9 +2621,7 @@
       <p:sp>
         <p:nvSpPr>
           <p:cNvPr id="21" name="Google Shape;21;p5"/>
-          <p:cNvSpPr txBox="1">
-            <a:spLocks noGrp="1"/>
-          </p:cNvSpPr>
+          <p:cNvSpPr txBox="1"/>
           <p:nvPr>
             <p:ph type="title"/>
           </p:nvPr>
@@ -2714,7 +2636,7 @@
           </a:prstGeom>
         </p:spPr>
         <p:txBody>
-          <a:bodyPr spcFirstLastPara="1" wrap="square" lIns="91425" tIns="91425" rIns="91425" bIns="91425" anchor="t" anchorCtr="0">
+          <a:bodyPr anchorCtr="0" anchor="t" bIns="91425" lIns="91425" spcFirstLastPara="1" rIns="91425" wrap="square" tIns="91425">
             <a:normAutofit/>
           </a:bodyPr>
           <a:lstStyle>
@@ -2818,19 +2740,15 @@
               <a:defRPr/>
             </a:lvl9pPr>
           </a:lstStyle>
-          <a:p>
-            <a:endParaRPr/>
-          </a:p>
+          <a:p/>
         </p:txBody>
       </p:sp>
       <p:sp>
         <p:nvSpPr>
           <p:cNvPr id="22" name="Google Shape;22;p5"/>
-          <p:cNvSpPr txBox="1">
-            <a:spLocks noGrp="1"/>
-          </p:cNvSpPr>
+          <p:cNvSpPr txBox="1"/>
           <p:nvPr>
-            <p:ph type="body" idx="1"/>
+            <p:ph idx="1" type="body"/>
           </p:nvPr>
         </p:nvSpPr>
         <p:spPr>
@@ -2843,11 +2761,11 @@
           </a:prstGeom>
         </p:spPr>
         <p:txBody>
-          <a:bodyPr spcFirstLastPara="1" wrap="square" lIns="91425" tIns="91425" rIns="91425" bIns="91425" anchor="t" anchorCtr="0">
+          <a:bodyPr anchorCtr="0" anchor="t" bIns="91425" lIns="91425" spcFirstLastPara="1" rIns="91425" wrap="square" tIns="91425">
             <a:normAutofit/>
           </a:bodyPr>
           <a:lstStyle>
-            <a:lvl1pPr marL="457200" lvl="0" indent="-317500">
+            <a:lvl1pPr indent="-317500" lvl="0" marL="457200">
               <a:spcBef>
                 <a:spcPts val="0"/>
               </a:spcBef>
@@ -2858,7 +2776,7 @@
               <a:buChar char="●"/>
               <a:defRPr sz="1400"/>
             </a:lvl1pPr>
-            <a:lvl2pPr marL="914400" lvl="1" indent="-304800">
+            <a:lvl2pPr indent="-304800" lvl="1" marL="914400">
               <a:spcBef>
                 <a:spcPts val="0"/>
               </a:spcBef>
@@ -2869,7 +2787,7 @@
               <a:buChar char="○"/>
               <a:defRPr sz="1200"/>
             </a:lvl2pPr>
-            <a:lvl3pPr marL="1371600" lvl="2" indent="-304800">
+            <a:lvl3pPr indent="-304800" lvl="2" marL="1371600">
               <a:spcBef>
                 <a:spcPts val="0"/>
               </a:spcBef>
@@ -2880,7 +2798,7 @@
               <a:buChar char="■"/>
               <a:defRPr sz="1200"/>
             </a:lvl3pPr>
-            <a:lvl4pPr marL="1828800" lvl="3" indent="-304800">
+            <a:lvl4pPr indent="-304800" lvl="3" marL="1828800">
               <a:spcBef>
                 <a:spcPts val="0"/>
               </a:spcBef>
@@ -2891,7 +2809,7 @@
               <a:buChar char="●"/>
               <a:defRPr sz="1200"/>
             </a:lvl4pPr>
-            <a:lvl5pPr marL="2286000" lvl="4" indent="-304800">
+            <a:lvl5pPr indent="-304800" lvl="4" marL="2286000">
               <a:spcBef>
                 <a:spcPts val="0"/>
               </a:spcBef>
@@ -2902,7 +2820,7 @@
               <a:buChar char="○"/>
               <a:defRPr sz="1200"/>
             </a:lvl5pPr>
-            <a:lvl6pPr marL="2743200" lvl="5" indent="-304800">
+            <a:lvl6pPr indent="-304800" lvl="5" marL="2743200">
               <a:spcBef>
                 <a:spcPts val="0"/>
               </a:spcBef>
@@ -2913,7 +2831,7 @@
               <a:buChar char="■"/>
               <a:defRPr sz="1200"/>
             </a:lvl6pPr>
-            <a:lvl7pPr marL="3200400" lvl="6" indent="-304800">
+            <a:lvl7pPr indent="-304800" lvl="6" marL="3200400">
               <a:spcBef>
                 <a:spcPts val="0"/>
               </a:spcBef>
@@ -2924,7 +2842,7 @@
               <a:buChar char="●"/>
               <a:defRPr sz="1200"/>
             </a:lvl7pPr>
-            <a:lvl8pPr marL="3657600" lvl="7" indent="-304800">
+            <a:lvl8pPr indent="-304800" lvl="7" marL="3657600">
               <a:spcBef>
                 <a:spcPts val="0"/>
               </a:spcBef>
@@ -2935,7 +2853,7 @@
               <a:buChar char="○"/>
               <a:defRPr sz="1200"/>
             </a:lvl8pPr>
-            <a:lvl9pPr marL="4114800" lvl="8" indent="-304800">
+            <a:lvl9pPr indent="-304800" lvl="8" marL="4114800">
               <a:spcBef>
                 <a:spcPts val="0"/>
               </a:spcBef>
@@ -2947,19 +2865,15 @@
               <a:defRPr sz="1200"/>
             </a:lvl9pPr>
           </a:lstStyle>
-          <a:p>
-            <a:endParaRPr/>
-          </a:p>
+          <a:p/>
         </p:txBody>
       </p:sp>
       <p:sp>
         <p:nvSpPr>
           <p:cNvPr id="23" name="Google Shape;23;p5"/>
-          <p:cNvSpPr txBox="1">
-            <a:spLocks noGrp="1"/>
-          </p:cNvSpPr>
+          <p:cNvSpPr txBox="1"/>
           <p:nvPr>
-            <p:ph type="body" idx="2"/>
+            <p:ph idx="2" type="body"/>
           </p:nvPr>
         </p:nvSpPr>
         <p:spPr>
@@ -2972,11 +2886,11 @@
           </a:prstGeom>
         </p:spPr>
         <p:txBody>
-          <a:bodyPr spcFirstLastPara="1" wrap="square" lIns="91425" tIns="91425" rIns="91425" bIns="91425" anchor="t" anchorCtr="0">
+          <a:bodyPr anchorCtr="0" anchor="t" bIns="91425" lIns="91425" spcFirstLastPara="1" rIns="91425" wrap="square" tIns="91425">
             <a:normAutofit/>
           </a:bodyPr>
           <a:lstStyle>
-            <a:lvl1pPr marL="457200" lvl="0" indent="-317500">
+            <a:lvl1pPr indent="-317500" lvl="0" marL="457200">
               <a:spcBef>
                 <a:spcPts val="0"/>
               </a:spcBef>
@@ -2987,7 +2901,7 @@
               <a:buChar char="●"/>
               <a:defRPr sz="1400"/>
             </a:lvl1pPr>
-            <a:lvl2pPr marL="914400" lvl="1" indent="-304800">
+            <a:lvl2pPr indent="-304800" lvl="1" marL="914400">
               <a:spcBef>
                 <a:spcPts val="0"/>
               </a:spcBef>
@@ -2998,7 +2912,7 @@
               <a:buChar char="○"/>
               <a:defRPr sz="1200"/>
             </a:lvl2pPr>
-            <a:lvl3pPr marL="1371600" lvl="2" indent="-304800">
+            <a:lvl3pPr indent="-304800" lvl="2" marL="1371600">
               <a:spcBef>
                 <a:spcPts val="0"/>
               </a:spcBef>
@@ -3009,7 +2923,7 @@
               <a:buChar char="■"/>
               <a:defRPr sz="1200"/>
             </a:lvl3pPr>
-            <a:lvl4pPr marL="1828800" lvl="3" indent="-304800">
+            <a:lvl4pPr indent="-304800" lvl="3" marL="1828800">
               <a:spcBef>
                 <a:spcPts val="0"/>
               </a:spcBef>
@@ -3020,7 +2934,7 @@
               <a:buChar char="●"/>
               <a:defRPr sz="1200"/>
             </a:lvl4pPr>
-            <a:lvl5pPr marL="2286000" lvl="4" indent="-304800">
+            <a:lvl5pPr indent="-304800" lvl="4" marL="2286000">
               <a:spcBef>
                 <a:spcPts val="0"/>
               </a:spcBef>
@@ -3031,7 +2945,7 @@
               <a:buChar char="○"/>
               <a:defRPr sz="1200"/>
             </a:lvl5pPr>
-            <a:lvl6pPr marL="2743200" lvl="5" indent="-304800">
+            <a:lvl6pPr indent="-304800" lvl="5" marL="2743200">
               <a:spcBef>
                 <a:spcPts val="0"/>
               </a:spcBef>
@@ -3042,7 +2956,7 @@
               <a:buChar char="■"/>
               <a:defRPr sz="1200"/>
             </a:lvl6pPr>
-            <a:lvl7pPr marL="3200400" lvl="6" indent="-304800">
+            <a:lvl7pPr indent="-304800" lvl="6" marL="3200400">
               <a:spcBef>
                 <a:spcPts val="0"/>
               </a:spcBef>
@@ -3053,7 +2967,7 @@
               <a:buChar char="●"/>
               <a:defRPr sz="1200"/>
             </a:lvl7pPr>
-            <a:lvl8pPr marL="3657600" lvl="7" indent="-304800">
+            <a:lvl8pPr indent="-304800" lvl="7" marL="3657600">
               <a:spcBef>
                 <a:spcPts val="0"/>
               </a:spcBef>
@@ -3064,7 +2978,7 @@
               <a:buChar char="○"/>
               <a:defRPr sz="1200"/>
             </a:lvl8pPr>
-            <a:lvl9pPr marL="4114800" lvl="8" indent="-304800">
+            <a:lvl9pPr indent="-304800" lvl="8" marL="4114800">
               <a:spcBef>
                 <a:spcPts val="0"/>
               </a:spcBef>
@@ -3076,19 +2990,15 @@
               <a:defRPr sz="1200"/>
             </a:lvl9pPr>
           </a:lstStyle>
-          <a:p>
-            <a:endParaRPr/>
-          </a:p>
+          <a:p/>
         </p:txBody>
       </p:sp>
       <p:sp>
         <p:nvSpPr>
           <p:cNvPr id="24" name="Google Shape;24;p5"/>
-          <p:cNvSpPr txBox="1">
-            <a:spLocks noGrp="1"/>
-          </p:cNvSpPr>
+          <p:cNvSpPr txBox="1"/>
           <p:nvPr>
-            <p:ph type="sldNum" idx="12"/>
+            <p:ph idx="12" type="sldNum"/>
           </p:nvPr>
         </p:nvSpPr>
         <p:spPr>
@@ -3101,7 +3011,7 @@
           </a:prstGeom>
         </p:spPr>
         <p:txBody>
-          <a:bodyPr spcFirstLastPara="1" wrap="square" lIns="91425" tIns="91425" rIns="91425" bIns="91425" anchor="ctr" anchorCtr="0">
+          <a:bodyPr anchorCtr="0" anchor="ctr" bIns="91425" lIns="91425" spcFirstLastPara="1" rIns="91425" wrap="square" tIns="91425">
             <a:normAutofit/>
           </a:bodyPr>
           <a:lstStyle>
@@ -3143,7 +3053,7 @@
             </a:lvl9pPr>
           </a:lstStyle>
           <a:p>
-            <a:pPr marL="0" lvl="0" indent="0" algn="r" rtl="0">
+            <a:pPr indent="0" lvl="0" marL="0" rtl="0" algn="r">
               <a:spcBef>
                 <a:spcPts val="0"/>
               </a:spcBef>
@@ -3169,11 +3079,11 @@
 </file>
 
 <file path=ppt/slideLayouts/slideLayout5.xml><?xml version="1.0" encoding="utf-8"?>
-<p:sldLayout xmlns:a="http://schemas.openxmlformats.org/drawingml/2006/main" xmlns:r="http://schemas.openxmlformats.org/officeDocument/2006/relationships" xmlns:p="http://schemas.openxmlformats.org/presentationml/2006/main" matchingName="Title only" type="titleOnly">
+<p:sldLayout xmlns:a="http://schemas.openxmlformats.org/drawingml/2006/main" xmlns:r="http://schemas.openxmlformats.org/officeDocument/2006/relationships" xmlns:mc="http://schemas.openxmlformats.org/markup-compatibility/2006" xmlns:mv="urn:schemas-microsoft-com:mac:vml" xmlns:p="http://schemas.openxmlformats.org/presentationml/2006/main" xmlns:c="http://schemas.openxmlformats.org/drawingml/2006/chart" xmlns:dgm="http://schemas.openxmlformats.org/drawingml/2006/diagram" xmlns:o="urn:schemas-microsoft-com:office:office" xmlns:v="urn:schemas-microsoft-com:vml" xmlns:pvml="urn:schemas-microsoft-com:office:powerpoint" xmlns:com="http://schemas.openxmlformats.org/drawingml/2006/compatibility" xmlns:p14="http://schemas.microsoft.com/office/powerpoint/2010/main" xmlns:p15="http://schemas.microsoft.com/office/powerpoint/2012/main" xmlns:ahyp="http://schemas.microsoft.com/office/drawing/2018/hyperlinkcolor" matchingName="Title only" type="titleOnly">
   <p:cSld name="TITLE_ONLY">
     <p:spTree>
       <p:nvGrpSpPr>
-        <p:cNvPr id="1" name="Shape 25"/>
+        <p:cNvPr id="25" name="Shape 25"/>
         <p:cNvGrpSpPr/>
         <p:nvPr/>
       </p:nvGrpSpPr>
@@ -3188,9 +3098,7 @@
       <p:sp>
         <p:nvSpPr>
           <p:cNvPr id="26" name="Google Shape;26;p6"/>
-          <p:cNvSpPr txBox="1">
-            <a:spLocks noGrp="1"/>
-          </p:cNvSpPr>
+          <p:cNvSpPr txBox="1"/>
           <p:nvPr>
             <p:ph type="title"/>
           </p:nvPr>
@@ -3205,7 +3113,7 @@
           </a:prstGeom>
         </p:spPr>
         <p:txBody>
-          <a:bodyPr spcFirstLastPara="1" wrap="square" lIns="91425" tIns="91425" rIns="91425" bIns="91425" anchor="t" anchorCtr="0">
+          <a:bodyPr anchorCtr="0" anchor="t" bIns="91425" lIns="91425" spcFirstLastPara="1" rIns="91425" wrap="square" tIns="91425">
             <a:normAutofit/>
           </a:bodyPr>
           <a:lstStyle>
@@ -3309,19 +3217,15 @@
               <a:defRPr/>
             </a:lvl9pPr>
           </a:lstStyle>
-          <a:p>
-            <a:endParaRPr/>
-          </a:p>
+          <a:p/>
         </p:txBody>
       </p:sp>
       <p:sp>
         <p:nvSpPr>
           <p:cNvPr id="27" name="Google Shape;27;p6"/>
-          <p:cNvSpPr txBox="1">
-            <a:spLocks noGrp="1"/>
-          </p:cNvSpPr>
+          <p:cNvSpPr txBox="1"/>
           <p:nvPr>
-            <p:ph type="sldNum" idx="12"/>
+            <p:ph idx="12" type="sldNum"/>
           </p:nvPr>
         </p:nvSpPr>
         <p:spPr>
@@ -3334,7 +3238,7 @@
           </a:prstGeom>
         </p:spPr>
         <p:txBody>
-          <a:bodyPr spcFirstLastPara="1" wrap="square" lIns="91425" tIns="91425" rIns="91425" bIns="91425" anchor="ctr" anchorCtr="0">
+          <a:bodyPr anchorCtr="0" anchor="ctr" bIns="91425" lIns="91425" spcFirstLastPara="1" rIns="91425" wrap="square" tIns="91425">
             <a:normAutofit/>
           </a:bodyPr>
           <a:lstStyle>
@@ -3376,7 +3280,7 @@
             </a:lvl9pPr>
           </a:lstStyle>
           <a:p>
-            <a:pPr marL="0" lvl="0" indent="0" algn="r" rtl="0">
+            <a:pPr indent="0" lvl="0" marL="0" rtl="0" algn="r">
               <a:spcBef>
                 <a:spcPts val="0"/>
               </a:spcBef>
@@ -3402,11 +3306,11 @@
 </file>
 
 <file path=ppt/slideLayouts/slideLayout6.xml><?xml version="1.0" encoding="utf-8"?>
-<p:sldLayout xmlns:a="http://schemas.openxmlformats.org/drawingml/2006/main" xmlns:r="http://schemas.openxmlformats.org/officeDocument/2006/relationships" xmlns:p="http://schemas.openxmlformats.org/presentationml/2006/main" matchingName="One column text">
+<p:sldLayout xmlns:a="http://schemas.openxmlformats.org/drawingml/2006/main" xmlns:r="http://schemas.openxmlformats.org/officeDocument/2006/relationships" xmlns:mc="http://schemas.openxmlformats.org/markup-compatibility/2006" xmlns:mv="urn:schemas-microsoft-com:mac:vml" xmlns:p="http://schemas.openxmlformats.org/presentationml/2006/main" xmlns:c="http://schemas.openxmlformats.org/drawingml/2006/chart" xmlns:dgm="http://schemas.openxmlformats.org/drawingml/2006/diagram" xmlns:o="urn:schemas-microsoft-com:office:office" xmlns:v="urn:schemas-microsoft-com:vml" xmlns:pvml="urn:schemas-microsoft-com:office:powerpoint" xmlns:com="http://schemas.openxmlformats.org/drawingml/2006/compatibility" xmlns:p14="http://schemas.microsoft.com/office/powerpoint/2010/main" xmlns:p15="http://schemas.microsoft.com/office/powerpoint/2012/main" xmlns:ahyp="http://schemas.microsoft.com/office/drawing/2018/hyperlinkcolor" matchingName="One column text">
   <p:cSld name="ONE_COLUMN_TEXT">
     <p:spTree>
       <p:nvGrpSpPr>
-        <p:cNvPr id="1" name="Shape 28"/>
+        <p:cNvPr id="28" name="Shape 28"/>
         <p:cNvGrpSpPr/>
         <p:nvPr/>
       </p:nvGrpSpPr>
@@ -3421,9 +3325,7 @@
       <p:sp>
         <p:nvSpPr>
           <p:cNvPr id="29" name="Google Shape;29;p7"/>
-          <p:cNvSpPr txBox="1">
-            <a:spLocks noGrp="1"/>
-          </p:cNvSpPr>
+          <p:cNvSpPr txBox="1"/>
           <p:nvPr>
             <p:ph type="title"/>
           </p:nvPr>
@@ -3438,7 +3340,7 @@
           </a:prstGeom>
         </p:spPr>
         <p:txBody>
-          <a:bodyPr spcFirstLastPara="1" wrap="square" lIns="91425" tIns="91425" rIns="91425" bIns="91425" anchor="b" anchorCtr="0">
+          <a:bodyPr anchorCtr="0" anchor="b" bIns="91425" lIns="91425" spcFirstLastPara="1" rIns="91425" wrap="square" tIns="91425">
             <a:normAutofit/>
           </a:bodyPr>
           <a:lstStyle>
@@ -3542,19 +3444,15 @@
               <a:defRPr sz="2400"/>
             </a:lvl9pPr>
           </a:lstStyle>
-          <a:p>
-            <a:endParaRPr/>
-          </a:p>
+          <a:p/>
         </p:txBody>
       </p:sp>
       <p:sp>
         <p:nvSpPr>
           <p:cNvPr id="30" name="Google Shape;30;p7"/>
-          <p:cNvSpPr txBox="1">
-            <a:spLocks noGrp="1"/>
-          </p:cNvSpPr>
+          <p:cNvSpPr txBox="1"/>
           <p:nvPr>
-            <p:ph type="body" idx="1"/>
+            <p:ph idx="1" type="body"/>
           </p:nvPr>
         </p:nvSpPr>
         <p:spPr>
@@ -3567,11 +3465,11 @@
           </a:prstGeom>
         </p:spPr>
         <p:txBody>
-          <a:bodyPr spcFirstLastPara="1" wrap="square" lIns="91425" tIns="91425" rIns="91425" bIns="91425" anchor="t" anchorCtr="0">
+          <a:bodyPr anchorCtr="0" anchor="t" bIns="91425" lIns="91425" spcFirstLastPara="1" rIns="91425" wrap="square" tIns="91425">
             <a:normAutofit/>
           </a:bodyPr>
           <a:lstStyle>
-            <a:lvl1pPr marL="457200" lvl="0" indent="-304800">
+            <a:lvl1pPr indent="-304800" lvl="0" marL="457200">
               <a:spcBef>
                 <a:spcPts val="0"/>
               </a:spcBef>
@@ -3582,7 +3480,7 @@
               <a:buChar char="●"/>
               <a:defRPr sz="1200"/>
             </a:lvl1pPr>
-            <a:lvl2pPr marL="914400" lvl="1" indent="-304800">
+            <a:lvl2pPr indent="-304800" lvl="1" marL="914400">
               <a:spcBef>
                 <a:spcPts val="0"/>
               </a:spcBef>
@@ -3593,7 +3491,7 @@
               <a:buChar char="○"/>
               <a:defRPr sz="1200"/>
             </a:lvl2pPr>
-            <a:lvl3pPr marL="1371600" lvl="2" indent="-304800">
+            <a:lvl3pPr indent="-304800" lvl="2" marL="1371600">
               <a:spcBef>
                 <a:spcPts val="0"/>
               </a:spcBef>
@@ -3604,7 +3502,7 @@
               <a:buChar char="■"/>
               <a:defRPr sz="1200"/>
             </a:lvl3pPr>
-            <a:lvl4pPr marL="1828800" lvl="3" indent="-304800">
+            <a:lvl4pPr indent="-304800" lvl="3" marL="1828800">
               <a:spcBef>
                 <a:spcPts val="0"/>
               </a:spcBef>
@@ -3615,7 +3513,7 @@
               <a:buChar char="●"/>
               <a:defRPr sz="1200"/>
             </a:lvl4pPr>
-            <a:lvl5pPr marL="2286000" lvl="4" indent="-304800">
+            <a:lvl5pPr indent="-304800" lvl="4" marL="2286000">
               <a:spcBef>
                 <a:spcPts val="0"/>
               </a:spcBef>
@@ -3626,7 +3524,7 @@
               <a:buChar char="○"/>
               <a:defRPr sz="1200"/>
             </a:lvl5pPr>
-            <a:lvl6pPr marL="2743200" lvl="5" indent="-304800">
+            <a:lvl6pPr indent="-304800" lvl="5" marL="2743200">
               <a:spcBef>
                 <a:spcPts val="0"/>
               </a:spcBef>
@@ -3637,7 +3535,7 @@
               <a:buChar char="■"/>
               <a:defRPr sz="1200"/>
             </a:lvl6pPr>
-            <a:lvl7pPr marL="3200400" lvl="6" indent="-304800">
+            <a:lvl7pPr indent="-304800" lvl="6" marL="3200400">
               <a:spcBef>
                 <a:spcPts val="0"/>
               </a:spcBef>
@@ -3648,7 +3546,7 @@
               <a:buChar char="●"/>
               <a:defRPr sz="1200"/>
             </a:lvl7pPr>
-            <a:lvl8pPr marL="3657600" lvl="7" indent="-304800">
+            <a:lvl8pPr indent="-304800" lvl="7" marL="3657600">
               <a:spcBef>
                 <a:spcPts val="0"/>
               </a:spcBef>
@@ -3659,7 +3557,7 @@
               <a:buChar char="○"/>
               <a:defRPr sz="1200"/>
             </a:lvl8pPr>
-            <a:lvl9pPr marL="4114800" lvl="8" indent="-304800">
+            <a:lvl9pPr indent="-304800" lvl="8" marL="4114800">
               <a:spcBef>
                 <a:spcPts val="0"/>
               </a:spcBef>
@@ -3671,19 +3569,15 @@
               <a:defRPr sz="1200"/>
             </a:lvl9pPr>
           </a:lstStyle>
-          <a:p>
-            <a:endParaRPr/>
-          </a:p>
+          <a:p/>
         </p:txBody>
       </p:sp>
       <p:sp>
         <p:nvSpPr>
           <p:cNvPr id="31" name="Google Shape;31;p7"/>
-          <p:cNvSpPr txBox="1">
-            <a:spLocks noGrp="1"/>
-          </p:cNvSpPr>
+          <p:cNvSpPr txBox="1"/>
           <p:nvPr>
-            <p:ph type="sldNum" idx="12"/>
+            <p:ph idx="12" type="sldNum"/>
           </p:nvPr>
         </p:nvSpPr>
         <p:spPr>
@@ -3696,7 +3590,7 @@
           </a:prstGeom>
         </p:spPr>
         <p:txBody>
-          <a:bodyPr spcFirstLastPara="1" wrap="square" lIns="91425" tIns="91425" rIns="91425" bIns="91425" anchor="ctr" anchorCtr="0">
+          <a:bodyPr anchorCtr="0" anchor="ctr" bIns="91425" lIns="91425" spcFirstLastPara="1" rIns="91425" wrap="square" tIns="91425">
             <a:normAutofit/>
           </a:bodyPr>
           <a:lstStyle>
@@ -3738,7 +3632,7 @@
             </a:lvl9pPr>
           </a:lstStyle>
           <a:p>
-            <a:pPr marL="0" lvl="0" indent="0" algn="r" rtl="0">
+            <a:pPr indent="0" lvl="0" marL="0" rtl="0" algn="r">
               <a:spcBef>
                 <a:spcPts val="0"/>
               </a:spcBef>
@@ -3764,11 +3658,11 @@
 </file>
 
 <file path=ppt/slideLayouts/slideLayout7.xml><?xml version="1.0" encoding="utf-8"?>
-<p:sldLayout xmlns:a="http://schemas.openxmlformats.org/drawingml/2006/main" xmlns:r="http://schemas.openxmlformats.org/officeDocument/2006/relationships" xmlns:p="http://schemas.openxmlformats.org/presentationml/2006/main" matchingName="Main point">
+<p:sldLayout xmlns:a="http://schemas.openxmlformats.org/drawingml/2006/main" xmlns:r="http://schemas.openxmlformats.org/officeDocument/2006/relationships" xmlns:mc="http://schemas.openxmlformats.org/markup-compatibility/2006" xmlns:mv="urn:schemas-microsoft-com:mac:vml" xmlns:p="http://schemas.openxmlformats.org/presentationml/2006/main" xmlns:c="http://schemas.openxmlformats.org/drawingml/2006/chart" xmlns:dgm="http://schemas.openxmlformats.org/drawingml/2006/diagram" xmlns:o="urn:schemas-microsoft-com:office:office" xmlns:v="urn:schemas-microsoft-com:vml" xmlns:pvml="urn:schemas-microsoft-com:office:powerpoint" xmlns:com="http://schemas.openxmlformats.org/drawingml/2006/compatibility" xmlns:p14="http://schemas.microsoft.com/office/powerpoint/2010/main" xmlns:p15="http://schemas.microsoft.com/office/powerpoint/2012/main" xmlns:ahyp="http://schemas.microsoft.com/office/drawing/2018/hyperlinkcolor" matchingName="Main point">
   <p:cSld name="MAIN_POINT">
     <p:spTree>
       <p:nvGrpSpPr>
-        <p:cNvPr id="1" name="Shape 32"/>
+        <p:cNvPr id="32" name="Shape 32"/>
         <p:cNvGrpSpPr/>
         <p:nvPr/>
       </p:nvGrpSpPr>
@@ -3783,9 +3677,7 @@
       <p:sp>
         <p:nvSpPr>
           <p:cNvPr id="33" name="Google Shape;33;p8"/>
-          <p:cNvSpPr txBox="1">
-            <a:spLocks noGrp="1"/>
-          </p:cNvSpPr>
+          <p:cNvSpPr txBox="1"/>
           <p:nvPr>
             <p:ph type="title"/>
           </p:nvPr>
@@ -3800,7 +3692,7 @@
           </a:prstGeom>
         </p:spPr>
         <p:txBody>
-          <a:bodyPr spcFirstLastPara="1" wrap="square" lIns="91425" tIns="91425" rIns="91425" bIns="91425" anchor="ctr" anchorCtr="0">
+          <a:bodyPr anchorCtr="0" anchor="ctr" bIns="91425" lIns="91425" spcFirstLastPara="1" rIns="91425" wrap="square" tIns="91425">
             <a:normAutofit/>
           </a:bodyPr>
           <a:lstStyle>
@@ -3904,19 +3796,15 @@
               <a:defRPr sz="4800"/>
             </a:lvl9pPr>
           </a:lstStyle>
-          <a:p>
-            <a:endParaRPr/>
-          </a:p>
+          <a:p/>
         </p:txBody>
       </p:sp>
       <p:sp>
         <p:nvSpPr>
           <p:cNvPr id="34" name="Google Shape;34;p8"/>
-          <p:cNvSpPr txBox="1">
-            <a:spLocks noGrp="1"/>
-          </p:cNvSpPr>
+          <p:cNvSpPr txBox="1"/>
           <p:nvPr>
-            <p:ph type="sldNum" idx="12"/>
+            <p:ph idx="12" type="sldNum"/>
           </p:nvPr>
         </p:nvSpPr>
         <p:spPr>
@@ -3929,7 +3817,7 @@
           </a:prstGeom>
         </p:spPr>
         <p:txBody>
-          <a:bodyPr spcFirstLastPara="1" wrap="square" lIns="91425" tIns="91425" rIns="91425" bIns="91425" anchor="ctr" anchorCtr="0">
+          <a:bodyPr anchorCtr="0" anchor="ctr" bIns="91425" lIns="91425" spcFirstLastPara="1" rIns="91425" wrap="square" tIns="91425">
             <a:normAutofit/>
           </a:bodyPr>
           <a:lstStyle>
@@ -3971,7 +3859,7 @@
             </a:lvl9pPr>
           </a:lstStyle>
           <a:p>
-            <a:pPr marL="0" lvl="0" indent="0" algn="r" rtl="0">
+            <a:pPr indent="0" lvl="0" marL="0" rtl="0" algn="r">
               <a:spcBef>
                 <a:spcPts val="0"/>
               </a:spcBef>
@@ -3997,11 +3885,11 @@
 </file>
 
 <file path=ppt/slideLayouts/slideLayout8.xml><?xml version="1.0" encoding="utf-8"?>
-<p:sldLayout xmlns:a="http://schemas.openxmlformats.org/drawingml/2006/main" xmlns:r="http://schemas.openxmlformats.org/officeDocument/2006/relationships" xmlns:p="http://schemas.openxmlformats.org/presentationml/2006/main" matchingName="Section title and description">
+<p:sldLayout xmlns:a="http://schemas.openxmlformats.org/drawingml/2006/main" xmlns:r="http://schemas.openxmlformats.org/officeDocument/2006/relationships" xmlns:mc="http://schemas.openxmlformats.org/markup-compatibility/2006" xmlns:mv="urn:schemas-microsoft-com:mac:vml" xmlns:p="http://schemas.openxmlformats.org/presentationml/2006/main" xmlns:c="http://schemas.openxmlformats.org/drawingml/2006/chart" xmlns:dgm="http://schemas.openxmlformats.org/drawingml/2006/diagram" xmlns:o="urn:schemas-microsoft-com:office:office" xmlns:v="urn:schemas-microsoft-com:vml" xmlns:pvml="urn:schemas-microsoft-com:office:powerpoint" xmlns:com="http://schemas.openxmlformats.org/drawingml/2006/compatibility" xmlns:p14="http://schemas.microsoft.com/office/powerpoint/2010/main" xmlns:p15="http://schemas.microsoft.com/office/powerpoint/2012/main" xmlns:ahyp="http://schemas.microsoft.com/office/drawing/2018/hyperlinkcolor" matchingName="Section title and description">
   <p:cSld name="SECTION_TITLE_AND_DESCRIPTION">
     <p:spTree>
       <p:nvGrpSpPr>
-        <p:cNvPr id="1" name="Shape 35"/>
+        <p:cNvPr id="35" name="Shape 35"/>
         <p:cNvGrpSpPr/>
         <p:nvPr/>
       </p:nvGrpSpPr>
@@ -4035,20 +3923,23 @@
           </a:ln>
         </p:spPr>
         <p:txBody>
-          <a:bodyPr spcFirstLastPara="1" wrap="square" lIns="91425" tIns="91425" rIns="91425" bIns="91425" anchor="ctr" anchorCtr="0">
+          <a:bodyPr anchorCtr="0" anchor="ctr" bIns="91425" lIns="91425" spcFirstLastPara="1" rIns="91425" wrap="square" tIns="91425">
             <a:noAutofit/>
           </a:bodyPr>
           <a:lstStyle/>
           <a:p>
-            <a:pPr marL="0" lvl="0" indent="0" algn="l" rtl="0">
-              <a:spcBef>
-                <a:spcPts val="0"/>
-              </a:spcBef>
-              <a:spcAft>
-                <a:spcPts val="0"/>
-              </a:spcAft>
-              <a:buNone/>
-            </a:pPr>
+            <a:pPr indent="0" lvl="0" marL="0" rtl="0" algn="l">
+              <a:spcBef>
+                <a:spcPts val="0"/>
+              </a:spcBef>
+              <a:spcAft>
+                <a:spcPts val="0"/>
+              </a:spcAft>
+              <a:buNone/>
+            </a:pPr>
+            <a:r>
+              <a:t/>
+            </a:r>
             <a:endParaRPr/>
           </a:p>
         </p:txBody>
@@ -4056,9 +3947,7 @@
       <p:sp>
         <p:nvSpPr>
           <p:cNvPr id="37" name="Google Shape;37;p9"/>
-          <p:cNvSpPr txBox="1">
-            <a:spLocks noGrp="1"/>
-          </p:cNvSpPr>
+          <p:cNvSpPr txBox="1"/>
           <p:nvPr>
             <p:ph type="title"/>
           </p:nvPr>
@@ -4073,7 +3962,7 @@
           </a:prstGeom>
         </p:spPr>
         <p:txBody>
-          <a:bodyPr spcFirstLastPara="1" wrap="square" lIns="91425" tIns="91425" rIns="91425" bIns="91425" anchor="b" anchorCtr="0">
+          <a:bodyPr anchorCtr="0" anchor="b" bIns="91425" lIns="91425" spcFirstLastPara="1" rIns="91425" wrap="square" tIns="91425">
             <a:normAutofit/>
           </a:bodyPr>
           <a:lstStyle>
@@ -4177,19 +4066,15 @@
               <a:defRPr sz="4200"/>
             </a:lvl9pPr>
           </a:lstStyle>
-          <a:p>
-            <a:endParaRPr/>
-          </a:p>
+          <a:p/>
         </p:txBody>
       </p:sp>
       <p:sp>
         <p:nvSpPr>
           <p:cNvPr id="38" name="Google Shape;38;p9"/>
-          <p:cNvSpPr txBox="1">
-            <a:spLocks noGrp="1"/>
-          </p:cNvSpPr>
+          <p:cNvSpPr txBox="1"/>
           <p:nvPr>
-            <p:ph type="subTitle" idx="1"/>
+            <p:ph idx="1" type="subTitle"/>
           </p:nvPr>
         </p:nvSpPr>
         <p:spPr>
@@ -4202,7 +4087,7 @@
           </a:prstGeom>
         </p:spPr>
         <p:txBody>
-          <a:bodyPr spcFirstLastPara="1" wrap="square" lIns="91425" tIns="91425" rIns="91425" bIns="91425" anchor="t" anchorCtr="0">
+          <a:bodyPr anchorCtr="0" anchor="t" bIns="91425" lIns="91425" spcFirstLastPara="1" rIns="91425" wrap="square" tIns="91425">
             <a:normAutofit/>
           </a:bodyPr>
           <a:lstStyle>
@@ -4333,19 +4218,15 @@
               <a:defRPr sz="2100"/>
             </a:lvl9pPr>
           </a:lstStyle>
-          <a:p>
-            <a:endParaRPr/>
-          </a:p>
+          <a:p/>
         </p:txBody>
       </p:sp>
       <p:sp>
         <p:nvSpPr>
           <p:cNvPr id="39" name="Google Shape;39;p9"/>
-          <p:cNvSpPr txBox="1">
-            <a:spLocks noGrp="1"/>
-          </p:cNvSpPr>
+          <p:cNvSpPr txBox="1"/>
           <p:nvPr>
-            <p:ph type="body" idx="2"/>
+            <p:ph idx="2" type="body"/>
           </p:nvPr>
         </p:nvSpPr>
         <p:spPr>
@@ -4358,11 +4239,11 @@
           </a:prstGeom>
         </p:spPr>
         <p:txBody>
-          <a:bodyPr spcFirstLastPara="1" wrap="square" lIns="91425" tIns="91425" rIns="91425" bIns="91425" anchor="ctr" anchorCtr="0">
+          <a:bodyPr anchorCtr="0" anchor="ctr" bIns="91425" lIns="91425" spcFirstLastPara="1" rIns="91425" wrap="square" tIns="91425">
             <a:normAutofit/>
           </a:bodyPr>
           <a:lstStyle>
-            <a:lvl1pPr marL="457200" lvl="0" indent="-342900">
+            <a:lvl1pPr indent="-342900" lvl="0" marL="457200">
               <a:spcBef>
                 <a:spcPts val="0"/>
               </a:spcBef>
@@ -4373,7 +4254,7 @@
               <a:buChar char="●"/>
               <a:defRPr/>
             </a:lvl1pPr>
-            <a:lvl2pPr marL="914400" lvl="1" indent="-317500">
+            <a:lvl2pPr indent="-317500" lvl="1" marL="914400">
               <a:spcBef>
                 <a:spcPts val="0"/>
               </a:spcBef>
@@ -4384,7 +4265,7 @@
               <a:buChar char="○"/>
               <a:defRPr/>
             </a:lvl2pPr>
-            <a:lvl3pPr marL="1371600" lvl="2" indent="-317500">
+            <a:lvl3pPr indent="-317500" lvl="2" marL="1371600">
               <a:spcBef>
                 <a:spcPts val="0"/>
               </a:spcBef>
@@ -4395,7 +4276,7 @@
               <a:buChar char="■"/>
               <a:defRPr/>
             </a:lvl3pPr>
-            <a:lvl4pPr marL="1828800" lvl="3" indent="-317500">
+            <a:lvl4pPr indent="-317500" lvl="3" marL="1828800">
               <a:spcBef>
                 <a:spcPts val="0"/>
               </a:spcBef>
@@ -4406,7 +4287,7 @@
               <a:buChar char="●"/>
               <a:defRPr/>
             </a:lvl4pPr>
-            <a:lvl5pPr marL="2286000" lvl="4" indent="-317500">
+            <a:lvl5pPr indent="-317500" lvl="4" marL="2286000">
               <a:spcBef>
                 <a:spcPts val="0"/>
               </a:spcBef>
@@ -4417,7 +4298,7 @@
               <a:buChar char="○"/>
               <a:defRPr/>
             </a:lvl5pPr>
-            <a:lvl6pPr marL="2743200" lvl="5" indent="-317500">
+            <a:lvl6pPr indent="-317500" lvl="5" marL="2743200">
               <a:spcBef>
                 <a:spcPts val="0"/>
               </a:spcBef>
@@ -4428,7 +4309,7 @@
               <a:buChar char="■"/>
               <a:defRPr/>
             </a:lvl6pPr>
-            <a:lvl7pPr marL="3200400" lvl="6" indent="-317500">
+            <a:lvl7pPr indent="-317500" lvl="6" marL="3200400">
               <a:spcBef>
                 <a:spcPts val="0"/>
               </a:spcBef>
@@ -4439,7 +4320,7 @@
               <a:buChar char="●"/>
               <a:defRPr/>
             </a:lvl7pPr>
-            <a:lvl8pPr marL="3657600" lvl="7" indent="-317500">
+            <a:lvl8pPr indent="-317500" lvl="7" marL="3657600">
               <a:spcBef>
                 <a:spcPts val="0"/>
               </a:spcBef>
@@ -4450,7 +4331,7 @@
               <a:buChar char="○"/>
               <a:defRPr/>
             </a:lvl8pPr>
-            <a:lvl9pPr marL="4114800" lvl="8" indent="-317500">
+            <a:lvl9pPr indent="-317500" lvl="8" marL="4114800">
               <a:spcBef>
                 <a:spcPts val="0"/>
               </a:spcBef>
@@ -4462,19 +4343,15 @@
               <a:defRPr/>
             </a:lvl9pPr>
           </a:lstStyle>
-          <a:p>
-            <a:endParaRPr/>
-          </a:p>
+          <a:p/>
         </p:txBody>
       </p:sp>
       <p:sp>
         <p:nvSpPr>
           <p:cNvPr id="40" name="Google Shape;40;p9"/>
-          <p:cNvSpPr txBox="1">
-            <a:spLocks noGrp="1"/>
-          </p:cNvSpPr>
+          <p:cNvSpPr txBox="1"/>
           <p:nvPr>
-            <p:ph type="sldNum" idx="12"/>
+            <p:ph idx="12" type="sldNum"/>
           </p:nvPr>
         </p:nvSpPr>
         <p:spPr>
@@ -4487,7 +4364,7 @@
           </a:prstGeom>
         </p:spPr>
         <p:txBody>
-          <a:bodyPr spcFirstLastPara="1" wrap="square" lIns="91425" tIns="91425" rIns="91425" bIns="91425" anchor="ctr" anchorCtr="0">
+          <a:bodyPr anchorCtr="0" anchor="ctr" bIns="91425" lIns="91425" spcFirstLastPara="1" rIns="91425" wrap="square" tIns="91425">
             <a:normAutofit/>
           </a:bodyPr>
           <a:lstStyle>
@@ -4529,7 +4406,7 @@
             </a:lvl9pPr>
           </a:lstStyle>
           <a:p>
-            <a:pPr marL="0" lvl="0" indent="0" algn="r" rtl="0">
+            <a:pPr indent="0" lvl="0" marL="0" rtl="0" algn="r">
               <a:spcBef>
                 <a:spcPts val="0"/>
               </a:spcBef>
@@ -4555,11 +4432,11 @@
 </file>
 
 <file path=ppt/slideLayouts/slideLayout9.xml><?xml version="1.0" encoding="utf-8"?>
-<p:sldLayout xmlns:a="http://schemas.openxmlformats.org/drawingml/2006/main" xmlns:r="http://schemas.openxmlformats.org/officeDocument/2006/relationships" xmlns:p="http://schemas.openxmlformats.org/presentationml/2006/main" matchingName="Caption">
+<p:sldLayout xmlns:a="http://schemas.openxmlformats.org/drawingml/2006/main" xmlns:r="http://schemas.openxmlformats.org/officeDocument/2006/relationships" xmlns:mc="http://schemas.openxmlformats.org/markup-compatibility/2006" xmlns:mv="urn:schemas-microsoft-com:mac:vml" xmlns:p="http://schemas.openxmlformats.org/presentationml/2006/main" xmlns:c="http://schemas.openxmlformats.org/drawingml/2006/chart" xmlns:dgm="http://schemas.openxmlformats.org/drawingml/2006/diagram" xmlns:o="urn:schemas-microsoft-com:office:office" xmlns:v="urn:schemas-microsoft-com:vml" xmlns:pvml="urn:schemas-microsoft-com:office:powerpoint" xmlns:com="http://schemas.openxmlformats.org/drawingml/2006/compatibility" xmlns:p14="http://schemas.microsoft.com/office/powerpoint/2010/main" xmlns:p15="http://schemas.microsoft.com/office/powerpoint/2012/main" xmlns:ahyp="http://schemas.microsoft.com/office/drawing/2018/hyperlinkcolor" matchingName="Caption">
   <p:cSld name="CAPTION_ONLY">
     <p:spTree>
       <p:nvGrpSpPr>
-        <p:cNvPr id="1" name="Shape 41"/>
+        <p:cNvPr id="41" name="Shape 41"/>
         <p:cNvGrpSpPr/>
         <p:nvPr/>
       </p:nvGrpSpPr>
@@ -4574,11 +4451,9 @@
       <p:sp>
         <p:nvSpPr>
           <p:cNvPr id="42" name="Google Shape;42;p10"/>
-          <p:cNvSpPr txBox="1">
-            <a:spLocks noGrp="1"/>
-          </p:cNvSpPr>
+          <p:cNvSpPr txBox="1"/>
           <p:nvPr>
-            <p:ph type="body" idx="1"/>
+            <p:ph idx="1" type="body"/>
           </p:nvPr>
         </p:nvSpPr>
         <p:spPr>
@@ -4591,11 +4466,11 @@
           </a:prstGeom>
         </p:spPr>
         <p:txBody>
-          <a:bodyPr spcFirstLastPara="1" wrap="square" lIns="91425" tIns="91425" rIns="91425" bIns="91425" anchor="ctr" anchorCtr="0">
+          <a:bodyPr anchorCtr="0" anchor="ctr" bIns="91425" lIns="91425" spcFirstLastPara="1" rIns="91425" wrap="square" tIns="91425">
             <a:normAutofit/>
           </a:bodyPr>
           <a:lstStyle>
-            <a:lvl1pPr marL="457200" lvl="0" indent="-228600">
+            <a:lvl1pPr indent="-228600" lvl="0" marL="457200">
               <a:lnSpc>
                 <a:spcPct val="100000"/>
               </a:lnSpc>
@@ -4610,19 +4485,15 @@
               <a:defRPr/>
             </a:lvl1pPr>
           </a:lstStyle>
-          <a:p>
-            <a:endParaRPr/>
-          </a:p>
+          <a:p/>
         </p:txBody>
       </p:sp>
       <p:sp>
         <p:nvSpPr>
           <p:cNvPr id="43" name="Google Shape;43;p10"/>
-          <p:cNvSpPr txBox="1">
-            <a:spLocks noGrp="1"/>
-          </p:cNvSpPr>
+          <p:cNvSpPr txBox="1"/>
           <p:nvPr>
-            <p:ph type="sldNum" idx="12"/>
+            <p:ph idx="12" type="sldNum"/>
           </p:nvPr>
         </p:nvSpPr>
         <p:spPr>
@@ -4635,7 +4506,7 @@
           </a:prstGeom>
         </p:spPr>
         <p:txBody>
-          <a:bodyPr spcFirstLastPara="1" wrap="square" lIns="91425" tIns="91425" rIns="91425" bIns="91425" anchor="ctr" anchorCtr="0">
+          <a:bodyPr anchorCtr="0" anchor="ctr" bIns="91425" lIns="91425" spcFirstLastPara="1" rIns="91425" wrap="square" tIns="91425">
             <a:normAutofit/>
           </a:bodyPr>
           <a:lstStyle>
@@ -4677,7 +4548,7 @@
             </a:lvl9pPr>
           </a:lstStyle>
           <a:p>
-            <a:pPr marL="0" lvl="0" indent="0" algn="r" rtl="0">
+            <a:pPr indent="0" lvl="0" marL="0" rtl="0" algn="r">
               <a:spcBef>
                 <a:spcPts val="0"/>
               </a:spcBef>
@@ -4703,19 +4574,18 @@
 </file>
 
 <file path=ppt/slideMasters/slideMaster1.xml><?xml version="1.0" encoding="utf-8"?>
-<p:sldMaster xmlns:a="http://schemas.openxmlformats.org/drawingml/2006/main" xmlns:r="http://schemas.openxmlformats.org/officeDocument/2006/relationships" xmlns:p="http://schemas.openxmlformats.org/presentationml/2006/main">
+<p:sldMaster xmlns:a="http://schemas.openxmlformats.org/drawingml/2006/main" xmlns:r="http://schemas.openxmlformats.org/officeDocument/2006/relationships" xmlns:mc="http://schemas.openxmlformats.org/markup-compatibility/2006" xmlns:mv="urn:schemas-microsoft-com:mac:vml" xmlns:p="http://schemas.openxmlformats.org/presentationml/2006/main" xmlns:c="http://schemas.openxmlformats.org/drawingml/2006/chart" xmlns:dgm="http://schemas.openxmlformats.org/drawingml/2006/diagram" xmlns:o="urn:schemas-microsoft-com:office:office" xmlns:v="urn:schemas-microsoft-com:vml" xmlns:pvml="urn:schemas-microsoft-com:office:powerpoint" xmlns:com="http://schemas.openxmlformats.org/drawingml/2006/compatibility" xmlns:p14="http://schemas.microsoft.com/office/powerpoint/2010/main" xmlns:p15="http://schemas.microsoft.com/office/powerpoint/2012/main" xmlns:ahyp="http://schemas.microsoft.com/office/drawing/2018/hyperlinkcolor">
   <p:cSld name="simple-light-2">
     <p:bg>
       <p:bgPr>
         <a:solidFill>
           <a:schemeClr val="lt1"/>
         </a:solidFill>
-        <a:effectLst/>
       </p:bgPr>
     </p:bg>
     <p:spTree>
       <p:nvGrpSpPr>
-        <p:cNvPr id="1" name="Shape 5"/>
+        <p:cNvPr id="5" name="Shape 5"/>
         <p:cNvGrpSpPr/>
         <p:nvPr/>
       </p:nvGrpSpPr>
@@ -4730,9 +4600,7 @@
       <p:sp>
         <p:nvSpPr>
           <p:cNvPr id="6" name="Google Shape;6;p1"/>
-          <p:cNvSpPr txBox="1">
-            <a:spLocks noGrp="1"/>
-          </p:cNvSpPr>
+          <p:cNvSpPr txBox="1"/>
           <p:nvPr>
             <p:ph type="title"/>
           </p:nvPr>
@@ -4751,7 +4619,7 @@
           </a:ln>
         </p:spPr>
         <p:txBody>
-          <a:bodyPr spcFirstLastPara="1" wrap="square" lIns="91425" tIns="91425" rIns="91425" bIns="91425" anchor="t" anchorCtr="0">
+          <a:bodyPr anchorCtr="0" anchor="t" bIns="91425" lIns="91425" spcFirstLastPara="1" rIns="91425" wrap="square" tIns="91425">
             <a:normAutofit/>
           </a:bodyPr>
           <a:lstStyle>
@@ -4918,19 +4786,15 @@
               </a:defRPr>
             </a:lvl9pPr>
           </a:lstStyle>
-          <a:p>
-            <a:endParaRPr/>
-          </a:p>
+          <a:p/>
         </p:txBody>
       </p:sp>
       <p:sp>
         <p:nvSpPr>
           <p:cNvPr id="7" name="Google Shape;7;p1"/>
-          <p:cNvSpPr txBox="1">
-            <a:spLocks noGrp="1"/>
-          </p:cNvSpPr>
+          <p:cNvSpPr txBox="1"/>
           <p:nvPr>
-            <p:ph type="body" idx="1"/>
+            <p:ph idx="1" type="body"/>
           </p:nvPr>
         </p:nvSpPr>
         <p:spPr>
@@ -4947,11 +4811,11 @@
           </a:ln>
         </p:spPr>
         <p:txBody>
-          <a:bodyPr spcFirstLastPara="1" wrap="square" lIns="91425" tIns="91425" rIns="91425" bIns="91425" anchor="t" anchorCtr="0">
+          <a:bodyPr anchorCtr="0" anchor="t" bIns="91425" lIns="91425" spcFirstLastPara="1" rIns="91425" wrap="square" tIns="91425">
             <a:normAutofit/>
           </a:bodyPr>
           <a:lstStyle>
-            <a:lvl1pPr marL="457200" lvl="0" indent="-342900">
+            <a:lvl1pPr indent="-342900" lvl="0" marL="457200">
               <a:lnSpc>
                 <a:spcPct val="115000"/>
               </a:lnSpc>
@@ -4972,7 +4836,7 @@
                 </a:solidFill>
               </a:defRPr>
             </a:lvl1pPr>
-            <a:lvl2pPr marL="914400" lvl="1" indent="-317500">
+            <a:lvl2pPr indent="-317500" lvl="1" marL="914400">
               <a:lnSpc>
                 <a:spcPct val="115000"/>
               </a:lnSpc>
@@ -4993,7 +4857,7 @@
                 </a:solidFill>
               </a:defRPr>
             </a:lvl2pPr>
-            <a:lvl3pPr marL="1371600" lvl="2" indent="-317500">
+            <a:lvl3pPr indent="-317500" lvl="2" marL="1371600">
               <a:lnSpc>
                 <a:spcPct val="115000"/>
               </a:lnSpc>
@@ -5014,7 +4878,7 @@
                 </a:solidFill>
               </a:defRPr>
             </a:lvl3pPr>
-            <a:lvl4pPr marL="1828800" lvl="3" indent="-317500">
+            <a:lvl4pPr indent="-317500" lvl="3" marL="1828800">
               <a:lnSpc>
                 <a:spcPct val="115000"/>
               </a:lnSpc>
@@ -5035,7 +4899,7 @@
                 </a:solidFill>
               </a:defRPr>
             </a:lvl4pPr>
-            <a:lvl5pPr marL="2286000" lvl="4" indent="-317500">
+            <a:lvl5pPr indent="-317500" lvl="4" marL="2286000">
               <a:lnSpc>
                 <a:spcPct val="115000"/>
               </a:lnSpc>
@@ -5056,7 +4920,7 @@
                 </a:solidFill>
               </a:defRPr>
             </a:lvl5pPr>
-            <a:lvl6pPr marL="2743200" lvl="5" indent="-317500">
+            <a:lvl6pPr indent="-317500" lvl="5" marL="2743200">
               <a:lnSpc>
                 <a:spcPct val="115000"/>
               </a:lnSpc>
@@ -5077,7 +4941,7 @@
                 </a:solidFill>
               </a:defRPr>
             </a:lvl6pPr>
-            <a:lvl7pPr marL="3200400" lvl="6" indent="-317500">
+            <a:lvl7pPr indent="-317500" lvl="6" marL="3200400">
               <a:lnSpc>
                 <a:spcPct val="115000"/>
               </a:lnSpc>
@@ -5098,7 +4962,7 @@
                 </a:solidFill>
               </a:defRPr>
             </a:lvl7pPr>
-            <a:lvl8pPr marL="3657600" lvl="7" indent="-317500">
+            <a:lvl8pPr indent="-317500" lvl="7" marL="3657600">
               <a:lnSpc>
                 <a:spcPct val="115000"/>
               </a:lnSpc>
@@ -5119,7 +4983,7 @@
                 </a:solidFill>
               </a:defRPr>
             </a:lvl8pPr>
-            <a:lvl9pPr marL="4114800" lvl="8" indent="-317500">
+            <a:lvl9pPr indent="-317500" lvl="8" marL="4114800">
               <a:lnSpc>
                 <a:spcPct val="115000"/>
               </a:lnSpc>
@@ -5141,19 +5005,15 @@
               </a:defRPr>
             </a:lvl9pPr>
           </a:lstStyle>
-          <a:p>
-            <a:endParaRPr/>
-          </a:p>
+          <a:p/>
         </p:txBody>
       </p:sp>
       <p:sp>
         <p:nvSpPr>
           <p:cNvPr id="8" name="Google Shape;8;p1"/>
-          <p:cNvSpPr txBox="1">
-            <a:spLocks noGrp="1"/>
-          </p:cNvSpPr>
+          <p:cNvSpPr txBox="1"/>
           <p:nvPr>
-            <p:ph type="sldNum" idx="12"/>
+            <p:ph idx="12" type="sldNum"/>
           </p:nvPr>
         </p:nvSpPr>
         <p:spPr>
@@ -5170,7 +5030,7 @@
           </a:ln>
         </p:spPr>
         <p:txBody>
-          <a:bodyPr spcFirstLastPara="1" wrap="square" lIns="91425" tIns="91425" rIns="91425" bIns="91425" anchor="ctr" anchorCtr="0">
+          <a:bodyPr anchorCtr="0" anchor="ctr" bIns="91425" lIns="91425" spcFirstLastPara="1" rIns="91425" wrap="square" tIns="91425">
             <a:normAutofit/>
           </a:bodyPr>
           <a:lstStyle>
@@ -5248,7 +5108,7 @@
             </a:lvl9pPr>
           </a:lstStyle>
           <a:p>
-            <a:pPr marL="0" lvl="0" indent="0" algn="r" rtl="0">
+            <a:pPr indent="0" lvl="0" marL="0" rtl="0" algn="r">
               <a:spcBef>
                 <a:spcPts val="0"/>
               </a:spcBef>
@@ -5267,7 +5127,7 @@
       </p:sp>
     </p:spTree>
   </p:cSld>
-  <p:clrMap bg1="lt1" tx1="dk1" bg2="dk2" tx2="lt2" accent1="accent1" accent2="accent2" accent3="accent3" accent4="accent4" accent5="accent5" accent6="accent6" hlink="hlink" folHlink="folHlink"/>
+  <p:clrMap accent1="accent1" accent2="accent2" accent3="accent3" accent4="accent4" accent5="accent5" accent6="accent6" bg1="lt1" bg2="dk2" tx1="dk1" tx2="lt2" folHlink="folHlink" hlink="hlink"/>
   <p:sldLayoutIdLst>
     <p:sldLayoutId id="2147483648" r:id="rId1"/>
     <p:sldLayoutId id="2147483649" r:id="rId2"/>
@@ -5281,10 +5141,10 @@
     <p:sldLayoutId id="2147483657" r:id="rId10"/>
     <p:sldLayoutId id="2147483658" r:id="rId11"/>
   </p:sldLayoutIdLst>
-  <p:hf sldNum="0" hdr="0" ftr="0" dt="0"/>
+  <p:hf dt="0" ftr="0" hdr="0" sldNum="0"/>
   <p:txStyles>
     <p:titleStyle>
-      <a:defPPr marR="0" lvl="0" algn="l" rtl="0">
+      <a:defPPr lvl="0" marR="0" rtl="0" algn="l">
         <a:lnSpc>
           <a:spcPct val="100000"/>
         </a:lnSpc>
@@ -5295,7 +5155,7 @@
           <a:spcPts val="0"/>
         </a:spcAft>
       </a:defPPr>
-      <a:lvl1pPr marR="0" lvl="0" algn="l" rtl="0">
+      <a:lvl1pPr lvl="0" marR="0" rtl="0" algn="l">
         <a:lnSpc>
           <a:spcPct val="100000"/>
         </a:lnSpc>
@@ -5309,7 +5169,7 @@
           <a:srgbClr val="000000"/>
         </a:buClr>
         <a:buFont typeface="Arial"/>
-        <a:defRPr sz="1400" b="0" i="0" u="none" strike="noStrike" cap="none">
+        <a:defRPr b="0" i="0" sz="1400" u="none" cap="none" strike="noStrike">
           <a:solidFill>
             <a:srgbClr val="000000"/>
           </a:solidFill>
@@ -5319,7 +5179,7 @@
           <a:sym typeface="Arial"/>
         </a:defRPr>
       </a:lvl1pPr>
-      <a:lvl2pPr marR="0" lvl="1" algn="l" rtl="0">
+      <a:lvl2pPr lvl="1" marR="0" rtl="0" algn="l">
         <a:lnSpc>
           <a:spcPct val="100000"/>
         </a:lnSpc>
@@ -5333,7 +5193,7 @@
           <a:srgbClr val="000000"/>
         </a:buClr>
         <a:buFont typeface="Arial"/>
-        <a:defRPr sz="1400" b="0" i="0" u="none" strike="noStrike" cap="none">
+        <a:defRPr b="0" i="0" sz="1400" u="none" cap="none" strike="noStrike">
           <a:solidFill>
             <a:srgbClr val="000000"/>
           </a:solidFill>
@@ -5343,7 +5203,7 @@
           <a:sym typeface="Arial"/>
         </a:defRPr>
       </a:lvl2pPr>
-      <a:lvl3pPr marR="0" lvl="2" algn="l" rtl="0">
+      <a:lvl3pPr lvl="2" marR="0" rtl="0" algn="l">
         <a:lnSpc>
           <a:spcPct val="100000"/>
         </a:lnSpc>
@@ -5357,7 +5217,7 @@
           <a:srgbClr val="000000"/>
         </a:buClr>
         <a:buFont typeface="Arial"/>
-        <a:defRPr sz="1400" b="0" i="0" u="none" strike="noStrike" cap="none">
+        <a:defRPr b="0" i="0" sz="1400" u="none" cap="none" strike="noStrike">
           <a:solidFill>
             <a:srgbClr val="000000"/>
           </a:solidFill>
@@ -5367,7 +5227,7 @@
           <a:sym typeface="Arial"/>
         </a:defRPr>
       </a:lvl3pPr>
-      <a:lvl4pPr marR="0" lvl="3" algn="l" rtl="0">
+      <a:lvl4pPr lvl="3" marR="0" rtl="0" algn="l">
         <a:lnSpc>
           <a:spcPct val="100000"/>
         </a:lnSpc>
@@ -5381,7 +5241,7 @@
           <a:srgbClr val="000000"/>
         </a:buClr>
         <a:buFont typeface="Arial"/>
-        <a:defRPr sz="1400" b="0" i="0" u="none" strike="noStrike" cap="none">
+        <a:defRPr b="0" i="0" sz="1400" u="none" cap="none" strike="noStrike">
           <a:solidFill>
             <a:srgbClr val="000000"/>
           </a:solidFill>
@@ -5391,7 +5251,7 @@
           <a:sym typeface="Arial"/>
         </a:defRPr>
       </a:lvl4pPr>
-      <a:lvl5pPr marR="0" lvl="4" algn="l" rtl="0">
+      <a:lvl5pPr lvl="4" marR="0" rtl="0" algn="l">
         <a:lnSpc>
           <a:spcPct val="100000"/>
         </a:lnSpc>
@@ -5405,7 +5265,7 @@
           <a:srgbClr val="000000"/>
         </a:buClr>
         <a:buFont typeface="Arial"/>
-        <a:defRPr sz="1400" b="0" i="0" u="none" strike="noStrike" cap="none">
+        <a:defRPr b="0" i="0" sz="1400" u="none" cap="none" strike="noStrike">
           <a:solidFill>
             <a:srgbClr val="000000"/>
           </a:solidFill>
@@ -5415,7 +5275,7 @@
           <a:sym typeface="Arial"/>
         </a:defRPr>
       </a:lvl5pPr>
-      <a:lvl6pPr marR="0" lvl="5" algn="l" rtl="0">
+      <a:lvl6pPr lvl="5" marR="0" rtl="0" algn="l">
         <a:lnSpc>
           <a:spcPct val="100000"/>
         </a:lnSpc>
@@ -5429,7 +5289,7 @@
           <a:srgbClr val="000000"/>
         </a:buClr>
         <a:buFont typeface="Arial"/>
-        <a:defRPr sz="1400" b="0" i="0" u="none" strike="noStrike" cap="none">
+        <a:defRPr b="0" i="0" sz="1400" u="none" cap="none" strike="noStrike">
           <a:solidFill>
             <a:srgbClr val="000000"/>
           </a:solidFill>
@@ -5439,7 +5299,7 @@
           <a:sym typeface="Arial"/>
         </a:defRPr>
       </a:lvl6pPr>
-      <a:lvl7pPr marR="0" lvl="6" algn="l" rtl="0">
+      <a:lvl7pPr lvl="6" marR="0" rtl="0" algn="l">
         <a:lnSpc>
           <a:spcPct val="100000"/>
         </a:lnSpc>
@@ -5453,7 +5313,7 @@
           <a:srgbClr val="000000"/>
         </a:buClr>
         <a:buFont typeface="Arial"/>
-        <a:defRPr sz="1400" b="0" i="0" u="none" strike="noStrike" cap="none">
+        <a:defRPr b="0" i="0" sz="1400" u="none" cap="none" strike="noStrike">
           <a:solidFill>
             <a:srgbClr val="000000"/>
           </a:solidFill>
@@ -5463,7 +5323,7 @@
           <a:sym typeface="Arial"/>
         </a:defRPr>
       </a:lvl7pPr>
-      <a:lvl8pPr marR="0" lvl="7" algn="l" rtl="0">
+      <a:lvl8pPr lvl="7" marR="0" rtl="0" algn="l">
         <a:lnSpc>
           <a:spcPct val="100000"/>
         </a:lnSpc>
@@ -5477,7 +5337,7 @@
           <a:srgbClr val="000000"/>
         </a:buClr>
         <a:buFont typeface="Arial"/>
-        <a:defRPr sz="1400" b="0" i="0" u="none" strike="noStrike" cap="none">
+        <a:defRPr b="0" i="0" sz="1400" u="none" cap="none" strike="noStrike">
           <a:solidFill>
             <a:srgbClr val="000000"/>
           </a:solidFill>
@@ -5487,7 +5347,7 @@
           <a:sym typeface="Arial"/>
         </a:defRPr>
       </a:lvl8pPr>
-      <a:lvl9pPr marR="0" lvl="8" algn="l" rtl="0">
+      <a:lvl9pPr lvl="8" marR="0" rtl="0" algn="l">
         <a:lnSpc>
           <a:spcPct val="100000"/>
         </a:lnSpc>
@@ -5501,7 +5361,7 @@
           <a:srgbClr val="000000"/>
         </a:buClr>
         <a:buFont typeface="Arial"/>
-        <a:defRPr sz="1400" b="0" i="0" u="none" strike="noStrike" cap="none">
+        <a:defRPr b="0" i="0" sz="1400" u="none" cap="none" strike="noStrike">
           <a:solidFill>
             <a:srgbClr val="000000"/>
           </a:solidFill>
@@ -5513,7 +5373,7 @@
       </a:lvl9pPr>
     </p:titleStyle>
     <p:bodyStyle>
-      <a:defPPr marR="0" lvl="0" algn="l" rtl="0">
+      <a:defPPr lvl="0" marR="0" rtl="0" algn="l">
         <a:lnSpc>
           <a:spcPct val="100000"/>
         </a:lnSpc>
@@ -5524,7 +5384,7 @@
           <a:spcPts val="0"/>
         </a:spcAft>
       </a:defPPr>
-      <a:lvl1pPr marR="0" lvl="0" algn="l" rtl="0">
+      <a:lvl1pPr lvl="0" marR="0" rtl="0" algn="l">
         <a:lnSpc>
           <a:spcPct val="100000"/>
         </a:lnSpc>
@@ -5538,7 +5398,7 @@
           <a:srgbClr val="000000"/>
         </a:buClr>
         <a:buFont typeface="Arial"/>
-        <a:defRPr sz="1400" b="0" i="0" u="none" strike="noStrike" cap="none">
+        <a:defRPr b="0" i="0" sz="1400" u="none" cap="none" strike="noStrike">
           <a:solidFill>
             <a:srgbClr val="000000"/>
           </a:solidFill>
@@ -5548,7 +5408,7 @@
           <a:sym typeface="Arial"/>
         </a:defRPr>
       </a:lvl1pPr>
-      <a:lvl2pPr marR="0" lvl="1" algn="l" rtl="0">
+      <a:lvl2pPr lvl="1" marR="0" rtl="0" algn="l">
         <a:lnSpc>
           <a:spcPct val="100000"/>
         </a:lnSpc>
@@ -5562,7 +5422,7 @@
           <a:srgbClr val="000000"/>
         </a:buClr>
         <a:buFont typeface="Arial"/>
-        <a:defRPr sz="1400" b="0" i="0" u="none" strike="noStrike" cap="none">
+        <a:defRPr b="0" i="0" sz="1400" u="none" cap="none" strike="noStrike">
           <a:solidFill>
             <a:srgbClr val="000000"/>
           </a:solidFill>
@@ -5572,7 +5432,7 @@
           <a:sym typeface="Arial"/>
         </a:defRPr>
       </a:lvl2pPr>
-      <a:lvl3pPr marR="0" lvl="2" algn="l" rtl="0">
+      <a:lvl3pPr lvl="2" marR="0" rtl="0" algn="l">
         <a:lnSpc>
           <a:spcPct val="100000"/>
         </a:lnSpc>
@@ -5586,7 +5446,7 @@
           <a:srgbClr val="000000"/>
         </a:buClr>
         <a:buFont typeface="Arial"/>
-        <a:defRPr sz="1400" b="0" i="0" u="none" strike="noStrike" cap="none">
+        <a:defRPr b="0" i="0" sz="1400" u="none" cap="none" strike="noStrike">
           <a:solidFill>
             <a:srgbClr val="000000"/>
           </a:solidFill>
@@ -5596,7 +5456,7 @@
           <a:sym typeface="Arial"/>
         </a:defRPr>
       </a:lvl3pPr>
-      <a:lvl4pPr marR="0" lvl="3" algn="l" rtl="0">
+      <a:lvl4pPr lvl="3" marR="0" rtl="0" algn="l">
         <a:lnSpc>
           <a:spcPct val="100000"/>
         </a:lnSpc>
@@ -5610,7 +5470,7 @@
           <a:srgbClr val="000000"/>
         </a:buClr>
         <a:buFont typeface="Arial"/>
-        <a:defRPr sz="1400" b="0" i="0" u="none" strike="noStrike" cap="none">
+        <a:defRPr b="0" i="0" sz="1400" u="none" cap="none" strike="noStrike">
           <a:solidFill>
             <a:srgbClr val="000000"/>
           </a:solidFill>
@@ -5620,7 +5480,7 @@
           <a:sym typeface="Arial"/>
         </a:defRPr>
       </a:lvl4pPr>
-      <a:lvl5pPr marR="0" lvl="4" algn="l" rtl="0">
+      <a:lvl5pPr lvl="4" marR="0" rtl="0" algn="l">
         <a:lnSpc>
           <a:spcPct val="100000"/>
         </a:lnSpc>
@@ -5634,7 +5494,7 @@
           <a:srgbClr val="000000"/>
         </a:buClr>
         <a:buFont typeface="Arial"/>
-        <a:defRPr sz="1400" b="0" i="0" u="none" strike="noStrike" cap="none">
+        <a:defRPr b="0" i="0" sz="1400" u="none" cap="none" strike="noStrike">
           <a:solidFill>
             <a:srgbClr val="000000"/>
           </a:solidFill>
@@ -5644,7 +5504,7 @@
           <a:sym typeface="Arial"/>
         </a:defRPr>
       </a:lvl5pPr>
-      <a:lvl6pPr marR="0" lvl="5" algn="l" rtl="0">
+      <a:lvl6pPr lvl="5" marR="0" rtl="0" algn="l">
         <a:lnSpc>
           <a:spcPct val="100000"/>
         </a:lnSpc>
@@ -5658,7 +5518,7 @@
           <a:srgbClr val="000000"/>
         </a:buClr>
         <a:buFont typeface="Arial"/>
-        <a:defRPr sz="1400" b="0" i="0" u="none" strike="noStrike" cap="none">
+        <a:defRPr b="0" i="0" sz="1400" u="none" cap="none" strike="noStrike">
           <a:solidFill>
             <a:srgbClr val="000000"/>
           </a:solidFill>
@@ -5668,7 +5528,7 @@
           <a:sym typeface="Arial"/>
         </a:defRPr>
       </a:lvl6pPr>
-      <a:lvl7pPr marR="0" lvl="6" algn="l" rtl="0">
+      <a:lvl7pPr lvl="6" marR="0" rtl="0" algn="l">
         <a:lnSpc>
           <a:spcPct val="100000"/>
         </a:lnSpc>
@@ -5682,7 +5542,7 @@
           <a:srgbClr val="000000"/>
         </a:buClr>
         <a:buFont typeface="Arial"/>
-        <a:defRPr sz="1400" b="0" i="0" u="none" strike="noStrike" cap="none">
+        <a:defRPr b="0" i="0" sz="1400" u="none" cap="none" strike="noStrike">
           <a:solidFill>
             <a:srgbClr val="000000"/>
           </a:solidFill>
@@ -5692,7 +5552,7 @@
           <a:sym typeface="Arial"/>
         </a:defRPr>
       </a:lvl7pPr>
-      <a:lvl8pPr marR="0" lvl="7" algn="l" rtl="0">
+      <a:lvl8pPr lvl="7" marR="0" rtl="0" algn="l">
         <a:lnSpc>
           <a:spcPct val="100000"/>
         </a:lnSpc>
@@ -5706,7 +5566,7 @@
           <a:srgbClr val="000000"/>
         </a:buClr>
         <a:buFont typeface="Arial"/>
-        <a:defRPr sz="1400" b="0" i="0" u="none" strike="noStrike" cap="none">
+        <a:defRPr b="0" i="0" sz="1400" u="none" cap="none" strike="noStrike">
           <a:solidFill>
             <a:srgbClr val="000000"/>
           </a:solidFill>
@@ -5716,7 +5576,7 @@
           <a:sym typeface="Arial"/>
         </a:defRPr>
       </a:lvl8pPr>
-      <a:lvl9pPr marR="0" lvl="8" algn="l" rtl="0">
+      <a:lvl9pPr lvl="8" marR="0" rtl="0" algn="l">
         <a:lnSpc>
           <a:spcPct val="100000"/>
         </a:lnSpc>
@@ -5730,7 +5590,7 @@
           <a:srgbClr val="000000"/>
         </a:buClr>
         <a:buFont typeface="Arial"/>
-        <a:defRPr sz="1400" b="0" i="0" u="none" strike="noStrike" cap="none">
+        <a:defRPr b="0" i="0" sz="1400" u="none" cap="none" strike="noStrike">
           <a:solidFill>
             <a:srgbClr val="000000"/>
           </a:solidFill>
@@ -5742,7 +5602,7 @@
       </a:lvl9pPr>
     </p:bodyStyle>
     <p:otherStyle>
-      <a:defPPr marR="0" lvl="0" algn="l" rtl="0">
+      <a:defPPr lvl="0" marR="0" rtl="0" algn="l">
         <a:lnSpc>
           <a:spcPct val="100000"/>
         </a:lnSpc>
@@ -5753,7 +5613,7 @@
           <a:spcPts val="0"/>
         </a:spcAft>
       </a:defPPr>
-      <a:lvl1pPr marR="0" lvl="0" algn="l" rtl="0">
+      <a:lvl1pPr lvl="0" marR="0" rtl="0" algn="l">
         <a:lnSpc>
           <a:spcPct val="100000"/>
         </a:lnSpc>
@@ -5767,7 +5627,7 @@
           <a:srgbClr val="000000"/>
         </a:buClr>
         <a:buFont typeface="Arial"/>
-        <a:defRPr sz="1400" b="0" i="0" u="none" strike="noStrike" cap="none">
+        <a:defRPr b="0" i="0" sz="1400" u="none" cap="none" strike="noStrike">
           <a:solidFill>
             <a:srgbClr val="000000"/>
           </a:solidFill>
@@ -5777,7 +5637,7 @@
           <a:sym typeface="Arial"/>
         </a:defRPr>
       </a:lvl1pPr>
-      <a:lvl2pPr marR="0" lvl="1" algn="l" rtl="0">
+      <a:lvl2pPr lvl="1" marR="0" rtl="0" algn="l">
         <a:lnSpc>
           <a:spcPct val="100000"/>
         </a:lnSpc>
@@ -5791,7 +5651,7 @@
           <a:srgbClr val="000000"/>
         </a:buClr>
         <a:buFont typeface="Arial"/>
-        <a:defRPr sz="1400" b="0" i="0" u="none" strike="noStrike" cap="none">
+        <a:defRPr b="0" i="0" sz="1400" u="none" cap="none" strike="noStrike">
           <a:solidFill>
             <a:srgbClr val="000000"/>
           </a:solidFill>
@@ -5801,7 +5661,7 @@
           <a:sym typeface="Arial"/>
         </a:defRPr>
       </a:lvl2pPr>
-      <a:lvl3pPr marR="0" lvl="2" algn="l" rtl="0">
+      <a:lvl3pPr lvl="2" marR="0" rtl="0" algn="l">
         <a:lnSpc>
           <a:spcPct val="100000"/>
         </a:lnSpc>
@@ -5815,7 +5675,7 @@
           <a:srgbClr val="000000"/>
         </a:buClr>
         <a:buFont typeface="Arial"/>
-        <a:defRPr sz="1400" b="0" i="0" u="none" strike="noStrike" cap="none">
+        <a:defRPr b="0" i="0" sz="1400" u="none" cap="none" strike="noStrike">
           <a:solidFill>
             <a:srgbClr val="000000"/>
           </a:solidFill>
@@ -5825,7 +5685,7 @@
           <a:sym typeface="Arial"/>
         </a:defRPr>
       </a:lvl3pPr>
-      <a:lvl4pPr marR="0" lvl="3" algn="l" rtl="0">
+      <a:lvl4pPr lvl="3" marR="0" rtl="0" algn="l">
         <a:lnSpc>
           <a:spcPct val="100000"/>
         </a:lnSpc>
@@ -5839,7 +5699,7 @@
           <a:srgbClr val="000000"/>
         </a:buClr>
         <a:buFont typeface="Arial"/>
-        <a:defRPr sz="1400" b="0" i="0" u="none" strike="noStrike" cap="none">
+        <a:defRPr b="0" i="0" sz="1400" u="none" cap="none" strike="noStrike">
           <a:solidFill>
             <a:srgbClr val="000000"/>
           </a:solidFill>
@@ -5849,7 +5709,7 @@
           <a:sym typeface="Arial"/>
         </a:defRPr>
       </a:lvl4pPr>
-      <a:lvl5pPr marR="0" lvl="4" algn="l" rtl="0">
+      <a:lvl5pPr lvl="4" marR="0" rtl="0" algn="l">
         <a:lnSpc>
           <a:spcPct val="100000"/>
         </a:lnSpc>
@@ -5863,7 +5723,7 @@
           <a:srgbClr val="000000"/>
         </a:buClr>
         <a:buFont typeface="Arial"/>
-        <a:defRPr sz="1400" b="0" i="0" u="none" strike="noStrike" cap="none">
+        <a:defRPr b="0" i="0" sz="1400" u="none" cap="none" strike="noStrike">
           <a:solidFill>
             <a:srgbClr val="000000"/>
           </a:solidFill>
@@ -5873,7 +5733,7 @@
           <a:sym typeface="Arial"/>
         </a:defRPr>
       </a:lvl5pPr>
-      <a:lvl6pPr marR="0" lvl="5" algn="l" rtl="0">
+      <a:lvl6pPr lvl="5" marR="0" rtl="0" algn="l">
         <a:lnSpc>
           <a:spcPct val="100000"/>
         </a:lnSpc>
@@ -5887,7 +5747,7 @@
           <a:srgbClr val="000000"/>
         </a:buClr>
         <a:buFont typeface="Arial"/>
-        <a:defRPr sz="1400" b="0" i="0" u="none" strike="noStrike" cap="none">
+        <a:defRPr b="0" i="0" sz="1400" u="none" cap="none" strike="noStrike">
           <a:solidFill>
             <a:srgbClr val="000000"/>
           </a:solidFill>
@@ -5897,7 +5757,7 @@
           <a:sym typeface="Arial"/>
         </a:defRPr>
       </a:lvl6pPr>
-      <a:lvl7pPr marR="0" lvl="6" algn="l" rtl="0">
+      <a:lvl7pPr lvl="6" marR="0" rtl="0" algn="l">
         <a:lnSpc>
           <a:spcPct val="100000"/>
         </a:lnSpc>
@@ -5911,7 +5771,7 @@
           <a:srgbClr val="000000"/>
         </a:buClr>
         <a:buFont typeface="Arial"/>
-        <a:defRPr sz="1400" b="0" i="0" u="none" strike="noStrike" cap="none">
+        <a:defRPr b="0" i="0" sz="1400" u="none" cap="none" strike="noStrike">
           <a:solidFill>
             <a:srgbClr val="000000"/>
           </a:solidFill>
@@ -5921,7 +5781,7 @@
           <a:sym typeface="Arial"/>
         </a:defRPr>
       </a:lvl7pPr>
-      <a:lvl8pPr marR="0" lvl="7" algn="l" rtl="0">
+      <a:lvl8pPr lvl="7" marR="0" rtl="0" algn="l">
         <a:lnSpc>
           <a:spcPct val="100000"/>
         </a:lnSpc>
@@ -5935,7 +5795,7 @@
           <a:srgbClr val="000000"/>
         </a:buClr>
         <a:buFont typeface="Arial"/>
-        <a:defRPr sz="1400" b="0" i="0" u="none" strike="noStrike" cap="none">
+        <a:defRPr b="0" i="0" sz="1400" u="none" cap="none" strike="noStrike">
           <a:solidFill>
             <a:srgbClr val="000000"/>
           </a:solidFill>
@@ -5945,7 +5805,7 @@
           <a:sym typeface="Arial"/>
         </a:defRPr>
       </a:lvl8pPr>
-      <a:lvl9pPr marR="0" lvl="8" algn="l" rtl="0">
+      <a:lvl9pPr lvl="8" marR="0" rtl="0" algn="l">
         <a:lnSpc>
           <a:spcPct val="100000"/>
         </a:lnSpc>
@@ -5959,7 +5819,7 @@
           <a:srgbClr val="000000"/>
         </a:buClr>
         <a:buFont typeface="Arial"/>
-        <a:defRPr sz="1400" b="0" i="0" u="none" strike="noStrike" cap="none">
+        <a:defRPr b="0" i="0" sz="1400" u="none" cap="none" strike="noStrike">
           <a:solidFill>
             <a:srgbClr val="000000"/>
           </a:solidFill>
@@ -5975,11 +5835,11 @@
 </file>
 
 <file path=ppt/slides/slide1.xml><?xml version="1.0" encoding="utf-8"?>
-<p:sld xmlns:a="http://schemas.openxmlformats.org/drawingml/2006/main" xmlns:r="http://schemas.openxmlformats.org/officeDocument/2006/relationships" xmlns:p="http://schemas.openxmlformats.org/presentationml/2006/main">
+<p:sld xmlns:a="http://schemas.openxmlformats.org/drawingml/2006/main" xmlns:r="http://schemas.openxmlformats.org/officeDocument/2006/relationships" xmlns:mc="http://schemas.openxmlformats.org/markup-compatibility/2006" xmlns:mv="urn:schemas-microsoft-com:mac:vml" xmlns:p="http://schemas.openxmlformats.org/presentationml/2006/main" xmlns:c="http://schemas.openxmlformats.org/drawingml/2006/chart" xmlns:dgm="http://schemas.openxmlformats.org/drawingml/2006/diagram" xmlns:o="urn:schemas-microsoft-com:office:office" xmlns:v="urn:schemas-microsoft-com:vml" xmlns:pvml="urn:schemas-microsoft-com:office:powerpoint" xmlns:com="http://schemas.openxmlformats.org/drawingml/2006/compatibility" xmlns:p14="http://schemas.microsoft.com/office/powerpoint/2010/main" xmlns:p15="http://schemas.microsoft.com/office/powerpoint/2012/main" xmlns:ahyp="http://schemas.microsoft.com/office/drawing/2018/hyperlinkcolor">
   <p:cSld>
     <p:spTree>
       <p:nvGrpSpPr>
-        <p:cNvPr id="1" name="Shape 53"/>
+        <p:cNvPr id="53" name="Shape 53"/>
         <p:cNvGrpSpPr/>
         <p:nvPr/>
       </p:nvGrpSpPr>
@@ -6000,7 +5860,7 @@
         <p:spPr>
           <a:xfrm>
             <a:off x="346050" y="1125150"/>
-            <a:ext cx="1194300" cy="1317750"/>
+            <a:ext cx="1194300" cy="1249200"/>
           </a:xfrm>
           <a:prstGeom prst="rect">
             <a:avLst/>
@@ -6008,84 +5868,96 @@
           <a:solidFill>
             <a:schemeClr val="lt2"/>
           </a:solidFill>
-          <a:ln w="9525" cap="flat" cmpd="sng">
+          <a:ln cap="flat" cmpd="sng" w="9525">
             <a:solidFill>
               <a:schemeClr val="dk2"/>
             </a:solidFill>
             <a:prstDash val="solid"/>
             <a:round/>
-            <a:headEnd type="none" w="sm" len="sm"/>
-            <a:tailEnd type="none" w="sm" len="sm"/>
+            <a:headEnd len="sm" w="sm" type="none"/>
+            <a:tailEnd len="sm" w="sm" type="none"/>
           </a:ln>
         </p:spPr>
         <p:txBody>
-          <a:bodyPr spcFirstLastPara="1" wrap="square" lIns="91425" tIns="91425" rIns="91425" bIns="91425" anchor="ctr" anchorCtr="0">
+          <a:bodyPr anchorCtr="0" anchor="ctr" bIns="91425" lIns="91425" spcFirstLastPara="1" rIns="91425" wrap="square" tIns="91425">
             <a:noAutofit/>
           </a:bodyPr>
           <a:lstStyle/>
           <a:p>
-            <a:pPr marL="0" lvl="0" indent="0" algn="ctr" rtl="0">
-              <a:spcBef>
-                <a:spcPts val="0"/>
-              </a:spcBef>
-              <a:spcAft>
-                <a:spcPts val="0"/>
-              </a:spcAft>
-              <a:buNone/>
-            </a:pPr>
-            <a:endParaRPr lang="en-US" altLang="ko" dirty="0" smtClean="0"/>
-          </a:p>
-          <a:p>
-            <a:pPr marL="0" lvl="0" indent="0" algn="ctr" rtl="0">
-              <a:spcBef>
-                <a:spcPts val="0"/>
-              </a:spcBef>
-              <a:spcAft>
-                <a:spcPts val="0"/>
-              </a:spcAft>
-              <a:buNone/>
-            </a:pPr>
-            <a:endParaRPr lang="en-US" altLang="ko" dirty="0"/>
-          </a:p>
-          <a:p>
-            <a:pPr marL="0" lvl="0" indent="0" algn="ctr" rtl="0">
-              <a:spcBef>
-                <a:spcPts val="0"/>
-              </a:spcBef>
-              <a:spcAft>
-                <a:spcPts val="0"/>
-              </a:spcAft>
-              <a:buNone/>
-            </a:pPr>
-            <a:endParaRPr lang="en-US" altLang="ko" dirty="0" smtClean="0"/>
-          </a:p>
-          <a:p>
-            <a:pPr marL="0" lvl="0" indent="0" algn="ctr" rtl="0">
-              <a:spcBef>
-                <a:spcPts val="0"/>
-              </a:spcBef>
-              <a:spcAft>
-                <a:spcPts val="0"/>
-              </a:spcAft>
-              <a:buNone/>
-            </a:pPr>
-            <a:endParaRPr lang="en-US" altLang="ko" dirty="0"/>
-          </a:p>
-          <a:p>
-            <a:pPr marL="0" lvl="0" indent="0" algn="ctr" rtl="0">
-              <a:spcBef>
-                <a:spcPts val="0"/>
-              </a:spcBef>
-              <a:spcAft>
-                <a:spcPts val="0"/>
-              </a:spcAft>
-              <a:buNone/>
-            </a:pPr>
-            <a:r>
-              <a:rPr lang="ko" dirty="0" smtClean="0"/>
+            <a:pPr indent="0" lvl="0" marL="0" rtl="0" algn="ctr">
+              <a:spcBef>
+                <a:spcPts val="0"/>
+              </a:spcBef>
+              <a:spcAft>
+                <a:spcPts val="0"/>
+              </a:spcAft>
+              <a:buNone/>
+            </a:pPr>
+            <a:r>
+              <a:t/>
+            </a:r>
+            <a:endParaRPr/>
+          </a:p>
+          <a:p>
+            <a:pPr indent="0" lvl="0" marL="0" rtl="0" algn="ctr">
+              <a:spcBef>
+                <a:spcPts val="0"/>
+              </a:spcBef>
+              <a:spcAft>
+                <a:spcPts val="0"/>
+              </a:spcAft>
+              <a:buNone/>
+            </a:pPr>
+            <a:r>
+              <a:t/>
+            </a:r>
+            <a:endParaRPr/>
+          </a:p>
+          <a:p>
+            <a:pPr indent="0" lvl="0" marL="0" rtl="0" algn="ctr">
+              <a:spcBef>
+                <a:spcPts val="0"/>
+              </a:spcBef>
+              <a:spcAft>
+                <a:spcPts val="0"/>
+              </a:spcAft>
+              <a:buNone/>
+            </a:pPr>
+            <a:r>
+              <a:t/>
+            </a:r>
+            <a:endParaRPr/>
+          </a:p>
+          <a:p>
+            <a:pPr indent="0" lvl="0" marL="0" rtl="0" algn="ctr">
+              <a:spcBef>
+                <a:spcPts val="0"/>
+              </a:spcBef>
+              <a:spcAft>
+                <a:spcPts val="0"/>
+              </a:spcAft>
+              <a:buNone/>
+            </a:pPr>
+            <a:r>
+              <a:t/>
+            </a:r>
+            <a:endParaRPr/>
+          </a:p>
+          <a:p>
+            <a:pPr indent="0" lvl="0" marL="0" rtl="0" algn="ctr">
+              <a:spcBef>
+                <a:spcPts val="0"/>
+              </a:spcBef>
+              <a:spcAft>
+                <a:spcPts val="0"/>
+              </a:spcAft>
+              <a:buNone/>
+            </a:pPr>
+            <a:r>
+              <a:rPr lang="ko"/>
               <a:t>리스트</a:t>
             </a:r>
-            <a:endParaRPr dirty="0"/>
+            <a:endParaRPr/>
           </a:p>
         </p:txBody>
       </p:sp>
@@ -6106,31 +5978,34 @@
           <a:solidFill>
             <a:schemeClr val="lt2"/>
           </a:solidFill>
-          <a:ln w="9525" cap="flat" cmpd="sng">
+          <a:ln cap="flat" cmpd="sng" w="9525">
             <a:solidFill>
               <a:schemeClr val="dk2"/>
             </a:solidFill>
             <a:prstDash val="solid"/>
             <a:round/>
-            <a:headEnd type="none" w="sm" len="sm"/>
-            <a:tailEnd type="none" w="sm" len="sm"/>
+            <a:headEnd len="sm" w="sm" type="none"/>
+            <a:tailEnd len="sm" w="sm" type="none"/>
           </a:ln>
         </p:spPr>
         <p:txBody>
-          <a:bodyPr spcFirstLastPara="1" wrap="square" lIns="91425" tIns="91425" rIns="91425" bIns="91425" anchor="ctr" anchorCtr="0">
+          <a:bodyPr anchorCtr="0" anchor="ctr" bIns="91425" lIns="91425" spcFirstLastPara="1" rIns="91425" wrap="square" tIns="91425">
             <a:noAutofit/>
           </a:bodyPr>
           <a:lstStyle/>
           <a:p>
-            <a:pPr marL="0" lvl="0" indent="0" algn="ctr" rtl="0">
-              <a:spcBef>
-                <a:spcPts val="0"/>
-              </a:spcBef>
-              <a:spcAft>
-                <a:spcPts val="0"/>
-              </a:spcAft>
-              <a:buNone/>
-            </a:pPr>
+            <a:pPr indent="0" lvl="0" marL="0" rtl="0" algn="ctr">
+              <a:spcBef>
+                <a:spcPts val="0"/>
+              </a:spcBef>
+              <a:spcAft>
+                <a:spcPts val="0"/>
+              </a:spcAft>
+              <a:buNone/>
+            </a:pPr>
+            <a:r>
+              <a:t/>
+            </a:r>
             <a:endParaRPr/>
           </a:p>
         </p:txBody>
@@ -6155,12 +6030,12 @@
           </a:ln>
         </p:spPr>
         <p:txBody>
-          <a:bodyPr spcFirstLastPara="1" wrap="square" lIns="91425" tIns="91425" rIns="91425" bIns="91425" anchor="t" anchorCtr="0">
+          <a:bodyPr anchorCtr="0" anchor="t" bIns="91425" lIns="91425" spcFirstLastPara="1" rIns="91425" wrap="square" tIns="91425">
             <a:spAutoFit/>
           </a:bodyPr>
           <a:lstStyle/>
           <a:p>
-            <a:pPr marL="0" lvl="0" indent="0" algn="l" rtl="0">
+            <a:pPr indent="0" lvl="0" marL="0" rtl="0" algn="l">
               <a:spcBef>
                 <a:spcPts val="0"/>
               </a:spcBef>
@@ -6194,23 +6069,23 @@
           <a:solidFill>
             <a:schemeClr val="lt2"/>
           </a:solidFill>
-          <a:ln w="9525" cap="flat" cmpd="sng">
+          <a:ln cap="flat" cmpd="sng" w="9525">
             <a:solidFill>
               <a:schemeClr val="dk2"/>
             </a:solidFill>
             <a:prstDash val="solid"/>
             <a:round/>
-            <a:headEnd type="none" w="sm" len="sm"/>
-            <a:tailEnd type="none" w="sm" len="sm"/>
+            <a:headEnd len="sm" w="sm" type="none"/>
+            <a:tailEnd len="sm" w="sm" type="none"/>
           </a:ln>
         </p:spPr>
         <p:txBody>
-          <a:bodyPr spcFirstLastPara="1" wrap="square" lIns="91425" tIns="91425" rIns="91425" bIns="91425" anchor="ctr" anchorCtr="0">
+          <a:bodyPr anchorCtr="0" anchor="ctr" bIns="91425" lIns="91425" spcFirstLastPara="1" rIns="91425" wrap="square" tIns="91425">
             <a:noAutofit/>
           </a:bodyPr>
           <a:lstStyle/>
           <a:p>
-            <a:pPr marL="0" lvl="0" indent="0" algn="ctr" rtl="0">
+            <a:pPr indent="0" lvl="0" marL="0" rtl="0" algn="ctr">
               <a:spcBef>
                 <a:spcPts val="0"/>
               </a:spcBef>
@@ -6244,23 +6119,23 @@
           <a:solidFill>
             <a:srgbClr val="9FC5E8"/>
           </a:solidFill>
-          <a:ln w="9525" cap="flat" cmpd="sng">
+          <a:ln cap="flat" cmpd="sng" w="9525">
             <a:solidFill>
               <a:schemeClr val="dk2"/>
             </a:solidFill>
             <a:prstDash val="solid"/>
             <a:round/>
-            <a:headEnd type="none" w="sm" len="sm"/>
-            <a:tailEnd type="none" w="sm" len="sm"/>
+            <a:headEnd len="sm" w="sm" type="none"/>
+            <a:tailEnd len="sm" w="sm" type="none"/>
           </a:ln>
         </p:spPr>
         <p:txBody>
-          <a:bodyPr spcFirstLastPara="1" wrap="square" lIns="91425" tIns="91425" rIns="91425" bIns="91425" anchor="ctr" anchorCtr="0">
+          <a:bodyPr anchorCtr="0" anchor="ctr" bIns="91425" lIns="91425" spcFirstLastPara="1" rIns="91425" wrap="square" tIns="91425">
             <a:noAutofit/>
           </a:bodyPr>
           <a:lstStyle/>
           <a:p>
-            <a:pPr marL="0" lvl="0" indent="0" algn="l" rtl="0">
+            <a:pPr indent="0" lvl="0" marL="0" rtl="0" algn="l">
               <a:spcBef>
                 <a:spcPts val="0"/>
               </a:spcBef>
@@ -6294,23 +6169,23 @@
           <a:solidFill>
             <a:srgbClr val="F4CCCC"/>
           </a:solidFill>
-          <a:ln w="9525" cap="flat" cmpd="sng">
+          <a:ln cap="flat" cmpd="sng" w="9525">
             <a:solidFill>
               <a:schemeClr val="dk2"/>
             </a:solidFill>
             <a:prstDash val="solid"/>
             <a:round/>
-            <a:headEnd type="none" w="sm" len="sm"/>
-            <a:tailEnd type="none" w="sm" len="sm"/>
+            <a:headEnd len="sm" w="sm" type="none"/>
+            <a:tailEnd len="sm" w="sm" type="none"/>
           </a:ln>
         </p:spPr>
         <p:txBody>
-          <a:bodyPr spcFirstLastPara="1" wrap="square" lIns="91425" tIns="91425" rIns="91425" bIns="91425" anchor="ctr" anchorCtr="0">
+          <a:bodyPr anchorCtr="0" anchor="ctr" bIns="91425" lIns="91425" spcFirstLastPara="1" rIns="91425" wrap="square" tIns="91425">
             <a:noAutofit/>
           </a:bodyPr>
           <a:lstStyle/>
           <a:p>
-            <a:pPr marL="0" lvl="0" indent="0" algn="l" rtl="0">
+            <a:pPr indent="0" lvl="0" marL="0" rtl="0" algn="l">
               <a:spcBef>
                 <a:spcPts val="0"/>
               </a:spcBef>
@@ -6342,14 +6217,14 @@
             <a:avLst/>
           </a:prstGeom>
           <a:noFill/>
-          <a:ln w="9525" cap="flat" cmpd="sng">
+          <a:ln cap="flat" cmpd="sng" w="9525">
             <a:solidFill>
               <a:schemeClr val="dk2"/>
             </a:solidFill>
             <a:prstDash val="solid"/>
             <a:round/>
-            <a:headEnd type="none" w="med" len="med"/>
-            <a:tailEnd type="triangle" w="med" len="med"/>
+            <a:headEnd len="med" w="med" type="none"/>
+            <a:tailEnd len="med" w="med" type="triangle"/>
           </a:ln>
         </p:spPr>
       </p:cxnSp>
@@ -6370,14 +6245,14 @@
             <a:avLst/>
           </a:prstGeom>
           <a:noFill/>
-          <a:ln w="9525" cap="flat" cmpd="sng">
+          <a:ln cap="flat" cmpd="sng" w="9525">
             <a:solidFill>
               <a:schemeClr val="dk2"/>
             </a:solidFill>
             <a:prstDash val="solid"/>
             <a:round/>
-            <a:headEnd type="none" w="med" len="med"/>
-            <a:tailEnd type="triangle" w="med" len="med"/>
+            <a:headEnd len="med" w="med" type="none"/>
+            <a:tailEnd len="med" w="med" type="triangle"/>
           </a:ln>
         </p:spPr>
       </p:cxnSp>
@@ -6389,8 +6264,8 @@
         </p:nvSpPr>
         <p:spPr>
           <a:xfrm>
-            <a:off x="2221050" y="1125150"/>
-            <a:ext cx="1578000" cy="654000"/>
+            <a:off x="2096850" y="1125150"/>
+            <a:ext cx="1702200" cy="654000"/>
           </a:xfrm>
           <a:prstGeom prst="rect">
             <a:avLst/>
@@ -6398,23 +6273,23 @@
           <a:solidFill>
             <a:srgbClr val="9FC5E8"/>
           </a:solidFill>
-          <a:ln w="9525" cap="flat" cmpd="sng">
+          <a:ln cap="flat" cmpd="sng" w="9525">
             <a:solidFill>
               <a:schemeClr val="dk2"/>
             </a:solidFill>
             <a:prstDash val="solid"/>
             <a:round/>
-            <a:headEnd type="none" w="sm" len="sm"/>
-            <a:tailEnd type="none" w="sm" len="sm"/>
+            <a:headEnd len="sm" w="sm" type="none"/>
+            <a:tailEnd len="sm" w="sm" type="none"/>
           </a:ln>
         </p:spPr>
         <p:txBody>
-          <a:bodyPr spcFirstLastPara="1" wrap="square" lIns="91425" tIns="91425" rIns="91425" bIns="91425" anchor="ctr" anchorCtr="0">
+          <a:bodyPr anchorCtr="0" anchor="ctr" bIns="91425" lIns="91425" spcFirstLastPara="1" rIns="91425" wrap="square" tIns="91425">
             <a:noAutofit/>
           </a:bodyPr>
           <a:lstStyle/>
           <a:p>
-            <a:pPr marL="0" lvl="0" indent="0" algn="l" rtl="0">
+            <a:pPr indent="0" lvl="0" marL="0" rtl="0" algn="l">
               <a:spcBef>
                 <a:spcPts val="0"/>
               </a:spcBef>
@@ -6430,7 +6305,7 @@
             <a:endParaRPr/>
           </a:p>
           <a:p>
-            <a:pPr marL="0" lvl="0" indent="0" algn="l" rtl="0">
+            <a:pPr indent="0" lvl="0" marL="0" rtl="0" algn="l">
               <a:spcBef>
                 <a:spcPts val="0"/>
               </a:spcBef>
@@ -6441,7 +6316,7 @@
             </a:pPr>
             <a:r>
               <a:rPr lang="ko"/>
-              <a:t>action == delete</a:t>
+              <a:t>id = 3 &lt;- 이 넘어옴</a:t>
             </a:r>
             <a:endParaRPr/>
           </a:p>
@@ -6464,23 +6339,23 @@
           <a:solidFill>
             <a:srgbClr val="F4CCCC"/>
           </a:solidFill>
-          <a:ln w="9525" cap="flat" cmpd="sng">
+          <a:ln cap="flat" cmpd="sng" w="9525">
             <a:solidFill>
               <a:schemeClr val="dk2"/>
             </a:solidFill>
             <a:prstDash val="solid"/>
             <a:round/>
-            <a:headEnd type="none" w="sm" len="sm"/>
-            <a:tailEnd type="none" w="sm" len="sm"/>
+            <a:headEnd len="sm" w="sm" type="none"/>
+            <a:tailEnd len="sm" w="sm" type="none"/>
           </a:ln>
         </p:spPr>
         <p:txBody>
-          <a:bodyPr spcFirstLastPara="1" wrap="square" lIns="91425" tIns="91425" rIns="91425" bIns="91425" anchor="ctr" anchorCtr="0">
+          <a:bodyPr anchorCtr="0" anchor="ctr" bIns="91425" lIns="91425" spcFirstLastPara="1" rIns="91425" wrap="square" tIns="91425">
             <a:noAutofit/>
           </a:bodyPr>
           <a:lstStyle/>
           <a:p>
-            <a:pPr marL="0" lvl="0" indent="0" algn="l" rtl="0">
+            <a:pPr indent="0" lvl="0" marL="0" rtl="0" algn="l">
               <a:spcBef>
                 <a:spcPts val="0"/>
               </a:spcBef>
@@ -6496,19 +6371,22 @@
             <a:endParaRPr/>
           </a:p>
           <a:p>
-            <a:pPr marL="0" lvl="0" indent="0" algn="l" rtl="0">
-              <a:spcBef>
-                <a:spcPts val="0"/>
-              </a:spcBef>
-              <a:spcAft>
-                <a:spcPts val="0"/>
-              </a:spcAft>
-              <a:buNone/>
-            </a:pPr>
+            <a:pPr indent="0" lvl="0" marL="0" rtl="0" algn="l">
+              <a:spcBef>
+                <a:spcPts val="0"/>
+              </a:spcBef>
+              <a:spcAft>
+                <a:spcPts val="0"/>
+              </a:spcAft>
+              <a:buNone/>
+            </a:pPr>
+            <a:r>
+              <a:t/>
+            </a:r>
             <a:endParaRPr/>
           </a:p>
           <a:p>
-            <a:pPr marL="0" lvl="0" indent="0" algn="l" rtl="0">
+            <a:pPr indent="0" lvl="0" marL="0" rtl="0" algn="l">
               <a:spcBef>
                 <a:spcPts val="0"/>
               </a:spcBef>
@@ -6545,12 +6423,12 @@
           </a:ln>
         </p:spPr>
         <p:txBody>
-          <a:bodyPr spcFirstLastPara="1" wrap="square" lIns="91425" tIns="91425" rIns="91425" bIns="91425" anchor="t" anchorCtr="0">
+          <a:bodyPr anchorCtr="0" anchor="t" bIns="91425" lIns="91425" spcFirstLastPara="1" rIns="91425" wrap="square" tIns="91425">
             <a:noAutofit/>
           </a:bodyPr>
           <a:lstStyle/>
           <a:p>
-            <a:pPr marL="457200" lvl="0" indent="-317500" algn="l" rtl="0">
+            <a:pPr indent="-317500" lvl="0" marL="457200" rtl="0" algn="l">
               <a:spcBef>
                 <a:spcPts val="0"/>
               </a:spcBef>
@@ -6588,12 +6466,12 @@
           </a:ln>
         </p:spPr>
         <p:txBody>
-          <a:bodyPr spcFirstLastPara="1" wrap="square" lIns="91425" tIns="91425" rIns="91425" bIns="91425" anchor="t" anchorCtr="0">
+          <a:bodyPr anchorCtr="0" anchor="t" bIns="91425" lIns="91425" spcFirstLastPara="1" rIns="91425" wrap="square" tIns="91425">
             <a:noAutofit/>
           </a:bodyPr>
           <a:lstStyle/>
           <a:p>
-            <a:pPr marL="0" lvl="0" indent="0" algn="l" rtl="0">
+            <a:pPr indent="0" lvl="0" marL="0" rtl="0" algn="l">
               <a:lnSpc>
                 <a:spcPct val="120000"/>
               </a:lnSpc>
@@ -6638,23 +6516,23 @@
           <a:solidFill>
             <a:schemeClr val="lt2"/>
           </a:solidFill>
-          <a:ln w="9525" cap="flat" cmpd="sng">
+          <a:ln cap="flat" cmpd="sng" w="9525">
             <a:solidFill>
               <a:schemeClr val="dk2"/>
             </a:solidFill>
             <a:prstDash val="solid"/>
             <a:round/>
-            <a:headEnd type="none" w="sm" len="sm"/>
-            <a:tailEnd type="none" w="sm" len="sm"/>
+            <a:headEnd len="sm" w="sm" type="none"/>
+            <a:tailEnd len="sm" w="sm" type="none"/>
           </a:ln>
         </p:spPr>
         <p:txBody>
-          <a:bodyPr spcFirstLastPara="1" wrap="square" lIns="91425" tIns="91425" rIns="91425" bIns="91425" anchor="ctr" anchorCtr="0">
+          <a:bodyPr anchorCtr="0" anchor="ctr" bIns="91425" lIns="91425" spcFirstLastPara="1" rIns="91425" wrap="square" tIns="91425">
             <a:noAutofit/>
           </a:bodyPr>
           <a:lstStyle/>
           <a:p>
-            <a:pPr marL="0" lvl="0" indent="0" algn="l" rtl="0">
+            <a:pPr indent="0" lvl="0" marL="0" rtl="0" algn="l">
               <a:spcBef>
                 <a:spcPts val="0"/>
               </a:spcBef>
@@ -6670,7 +6548,7 @@
             <a:endParaRPr/>
           </a:p>
           <a:p>
-            <a:pPr marL="0" lvl="0" indent="0" algn="l" rtl="0">
+            <a:pPr indent="0" lvl="0" marL="0" rtl="0" algn="l">
               <a:spcBef>
                 <a:spcPts val="0"/>
               </a:spcBef>
@@ -6700,81 +6578,76 @@
           </a:xfrm>
           <a:prstGeom prst="roundRect">
             <a:avLst>
-              <a:gd name="adj" fmla="val 16667"/>
+              <a:gd fmla="val 16667" name="adj"/>
             </a:avLst>
           </a:prstGeom>
           <a:solidFill>
             <a:schemeClr val="lt2"/>
           </a:solidFill>
-          <a:ln w="9525" cap="flat" cmpd="sng">
+          <a:ln cap="flat" cmpd="sng" w="9525">
             <a:solidFill>
               <a:schemeClr val="dk2"/>
             </a:solidFill>
             <a:prstDash val="solid"/>
             <a:round/>
-            <a:headEnd type="none" w="sm" len="sm"/>
-            <a:tailEnd type="none" w="sm" len="sm"/>
+            <a:headEnd len="sm" w="sm" type="none"/>
+            <a:tailEnd len="sm" w="sm" type="none"/>
           </a:ln>
         </p:spPr>
         <p:txBody>
-          <a:bodyPr spcFirstLastPara="1" wrap="square" lIns="91425" tIns="91425" rIns="91425" bIns="91425" anchor="ctr" anchorCtr="0">
+          <a:bodyPr anchorCtr="0" anchor="ctr" bIns="91425" lIns="91425" spcFirstLastPara="1" rIns="91425" wrap="square" tIns="91425">
             <a:noAutofit/>
           </a:bodyPr>
           <a:lstStyle/>
           <a:p>
-            <a:pPr marL="0" lvl="0" indent="0" algn="l" rtl="0">
-              <a:spcBef>
-                <a:spcPts val="0"/>
-              </a:spcBef>
-              <a:spcAft>
-                <a:spcPts val="0"/>
-              </a:spcAft>
-              <a:buNone/>
-            </a:pPr>
-            <a:r>
-              <a:rPr lang="ko" dirty="0"/>
+            <a:pPr indent="0" lvl="0" marL="0" rtl="0" algn="l">
+              <a:spcBef>
+                <a:spcPts val="0"/>
+              </a:spcBef>
+              <a:spcAft>
+                <a:spcPts val="0"/>
+              </a:spcAft>
+              <a:buNone/>
+            </a:pPr>
+            <a:r>
+              <a:rPr lang="ko"/>
               <a:t>controller.java</a:t>
             </a:r>
-            <a:endParaRPr dirty="0"/>
-          </a:p>
-          <a:p>
-            <a:pPr marL="0" lvl="0" indent="0" algn="l" rtl="0">
-              <a:spcBef>
-                <a:spcPts val="0"/>
-              </a:spcBef>
-              <a:spcAft>
-                <a:spcPts val="0"/>
-              </a:spcAft>
-              <a:buNone/>
-            </a:pPr>
-            <a:endParaRPr dirty="0"/>
-          </a:p>
-          <a:p>
-            <a:pPr marL="0" lvl="0" indent="0" algn="l" rtl="0">
-              <a:spcBef>
-                <a:spcPts val="0"/>
-              </a:spcBef>
-              <a:spcAft>
-                <a:spcPts val="0"/>
-              </a:spcAft>
-              <a:buNone/>
-            </a:pPr>
-            <a:r>
-              <a:rPr lang="en-US" altLang="ko-KR" dirty="0" smtClean="0"/>
-              <a:t>if(</a:t>
-            </a:r>
-            <a:r>
-              <a:rPr lang="ko" dirty="0" smtClean="0"/>
-              <a:t>action </a:t>
-            </a:r>
-            <a:r>
-              <a:rPr lang="ko" dirty="0"/>
-              <a:t>==</a:t>
-            </a:r>
-            <a:endParaRPr dirty="0"/>
-          </a:p>
-          <a:p>
-            <a:pPr marL="0" lvl="0" indent="0" algn="l" rtl="0">
+            <a:endParaRPr/>
+          </a:p>
+          <a:p>
+            <a:pPr indent="0" lvl="0" marL="0" rtl="0" algn="l">
+              <a:spcBef>
+                <a:spcPts val="0"/>
+              </a:spcBef>
+              <a:spcAft>
+                <a:spcPts val="0"/>
+              </a:spcAft>
+              <a:buNone/>
+            </a:pPr>
+            <a:r>
+              <a:t/>
+            </a:r>
+            <a:endParaRPr/>
+          </a:p>
+          <a:p>
+            <a:pPr indent="0" lvl="0" marL="0" rtl="0" algn="l">
+              <a:spcBef>
+                <a:spcPts val="0"/>
+              </a:spcBef>
+              <a:spcAft>
+                <a:spcPts val="0"/>
+              </a:spcAft>
+              <a:buNone/>
+            </a:pPr>
+            <a:r>
+              <a:rPr lang="ko"/>
+              <a:t>if(action ==</a:t>
+            </a:r>
+            <a:endParaRPr/>
+          </a:p>
+          <a:p>
+            <a:pPr indent="0" lvl="0" marL="0" rtl="0" algn="l">
               <a:spcBef>
                 <a:spcPts val="0"/>
               </a:spcBef>
@@ -6789,54 +6662,29 @@
               <a:buNone/>
             </a:pPr>
             <a:r>
-              <a:rPr lang="en-US" altLang="ko" dirty="0" smtClean="0">
+              <a:rPr lang="ko">
                 <a:solidFill>
                   <a:schemeClr val="dk1"/>
                 </a:solidFill>
               </a:rPr>
-              <a:t>d</a:t>
-            </a:r>
-            <a:r>
-              <a:rPr lang="ko" dirty="0" smtClean="0">
-                <a:solidFill>
-                  <a:schemeClr val="dk1"/>
-                </a:solidFill>
-              </a:rPr>
-              <a:t>elete</a:t>
-            </a:r>
-            <a:r>
-              <a:rPr lang="en-US" altLang="ko" dirty="0" smtClean="0">
-                <a:solidFill>
-                  <a:schemeClr val="dk1"/>
-                </a:solidFill>
-              </a:rPr>
-              <a:t>)</a:t>
-            </a:r>
-            <a:endParaRPr dirty="0"/>
-          </a:p>
-          <a:p>
-            <a:pPr marL="0" lvl="0" indent="0" algn="l" rtl="0">
-              <a:spcBef>
-                <a:spcPts val="0"/>
-              </a:spcBef>
-              <a:spcAft>
-                <a:spcPts val="0"/>
-              </a:spcAft>
-              <a:buNone/>
-            </a:pPr>
-            <a:endParaRPr dirty="0"/>
-          </a:p>
-          <a:p>
-            <a:pPr marL="0" lvl="0" indent="0" algn="l" rtl="0">
-              <a:spcBef>
-                <a:spcPts val="0"/>
-              </a:spcBef>
-              <a:spcAft>
-                <a:spcPts val="0"/>
-              </a:spcAft>
-              <a:buNone/>
-            </a:pPr>
-            <a:endParaRPr dirty="0"/>
+              <a:t>delete)</a:t>
+            </a:r>
+            <a:endParaRPr/>
+          </a:p>
+          <a:p>
+            <a:pPr indent="0" lvl="0" marL="0" rtl="0" algn="l">
+              <a:spcBef>
+                <a:spcPts val="0"/>
+              </a:spcBef>
+              <a:spcAft>
+                <a:spcPts val="0"/>
+              </a:spcAft>
+              <a:buNone/>
+            </a:pPr>
+            <a:r>
+              <a:t/>
+            </a:r>
+            <a:endParaRPr/>
           </a:p>
         </p:txBody>
       </p:sp>
@@ -6853,29 +6701,29 @@
           </a:xfrm>
           <a:prstGeom prst="roundRect">
             <a:avLst>
-              <a:gd name="adj" fmla="val 16667"/>
+              <a:gd fmla="val 16667" name="adj"/>
             </a:avLst>
           </a:prstGeom>
           <a:solidFill>
             <a:schemeClr val="lt2"/>
           </a:solidFill>
-          <a:ln w="9525" cap="flat" cmpd="sng">
+          <a:ln cap="flat" cmpd="sng" w="9525">
             <a:solidFill>
               <a:schemeClr val="dk2"/>
             </a:solidFill>
             <a:prstDash val="solid"/>
             <a:round/>
-            <a:headEnd type="none" w="sm" len="sm"/>
-            <a:tailEnd type="none" w="sm" len="sm"/>
+            <a:headEnd len="sm" w="sm" type="none"/>
+            <a:tailEnd len="sm" w="sm" type="none"/>
           </a:ln>
         </p:spPr>
         <p:txBody>
-          <a:bodyPr spcFirstLastPara="1" wrap="square" lIns="91425" tIns="91425" rIns="91425" bIns="91425" anchor="ctr" anchorCtr="0">
+          <a:bodyPr anchorCtr="0" anchor="ctr" bIns="91425" lIns="91425" spcFirstLastPara="1" rIns="91425" wrap="square" tIns="91425">
             <a:noAutofit/>
           </a:bodyPr>
           <a:lstStyle/>
           <a:p>
-            <a:pPr marL="0" lvl="0" indent="0" algn="l" rtl="0">
+            <a:pPr indent="0" lvl="0" marL="0" rtl="0" algn="l">
               <a:spcBef>
                 <a:spcPts val="0"/>
               </a:spcBef>
@@ -6891,31 +6739,37 @@
             <a:endParaRPr/>
           </a:p>
           <a:p>
-            <a:pPr marL="0" lvl="0" indent="0" algn="l" rtl="0">
-              <a:spcBef>
-                <a:spcPts val="0"/>
-              </a:spcBef>
-              <a:spcAft>
-                <a:spcPts val="0"/>
-              </a:spcAft>
-              <a:buNone/>
-            </a:pPr>
+            <a:pPr indent="0" lvl="0" marL="0" rtl="0" algn="l">
+              <a:spcBef>
+                <a:spcPts val="0"/>
+              </a:spcBef>
+              <a:spcAft>
+                <a:spcPts val="0"/>
+              </a:spcAft>
+              <a:buNone/>
+            </a:pPr>
+            <a:r>
+              <a:t/>
+            </a:r>
             <a:endParaRPr/>
           </a:p>
           <a:p>
-            <a:pPr marL="0" lvl="0" indent="0" algn="l" rtl="0">
-              <a:spcBef>
-                <a:spcPts val="0"/>
-              </a:spcBef>
-              <a:spcAft>
-                <a:spcPts val="0"/>
-              </a:spcAft>
-              <a:buNone/>
-            </a:pPr>
+            <a:pPr indent="0" lvl="0" marL="0" rtl="0" algn="l">
+              <a:spcBef>
+                <a:spcPts val="0"/>
+              </a:spcBef>
+              <a:spcAft>
+                <a:spcPts val="0"/>
+              </a:spcAft>
+              <a:buNone/>
+            </a:pPr>
+            <a:r>
+              <a:t/>
+            </a:r>
             <a:endParaRPr/>
           </a:p>
           <a:p>
-            <a:pPr marL="0" lvl="0" indent="0" algn="l" rtl="0">
+            <a:pPr indent="0" lvl="0" marL="0" rtl="0" algn="l">
               <a:spcBef>
                 <a:spcPts val="0"/>
               </a:spcBef>
@@ -6931,15 +6785,18 @@
             <a:endParaRPr sz="1200"/>
           </a:p>
           <a:p>
-            <a:pPr marL="0" lvl="0" indent="0" algn="l" rtl="0">
-              <a:spcBef>
-                <a:spcPts val="0"/>
-              </a:spcBef>
-              <a:spcAft>
-                <a:spcPts val="0"/>
-              </a:spcAft>
-              <a:buNone/>
-            </a:pPr>
+            <a:pPr indent="0" lvl="0" marL="0" rtl="0" algn="l">
+              <a:spcBef>
+                <a:spcPts val="0"/>
+              </a:spcBef>
+              <a:spcAft>
+                <a:spcPts val="0"/>
+              </a:spcAft>
+              <a:buNone/>
+            </a:pPr>
+            <a:r>
+              <a:t/>
+            </a:r>
             <a:endParaRPr/>
           </a:p>
         </p:txBody>
@@ -6951,7 +6808,7 @@
           <p:nvPr/>
         </p:nvCxnSpPr>
         <p:spPr>
-          <a:xfrm rot="10800000" flipH="1">
+          <a:xfrm flipH="1" rot="10800000">
             <a:off x="6820175" y="1999575"/>
             <a:ext cx="518700" cy="10800"/>
           </a:xfrm>
@@ -6959,14 +6816,14 @@
             <a:avLst/>
           </a:prstGeom>
           <a:noFill/>
-          <a:ln w="9525" cap="flat" cmpd="sng">
+          <a:ln cap="flat" cmpd="sng" w="9525">
             <a:solidFill>
               <a:schemeClr val="dk2"/>
             </a:solidFill>
             <a:prstDash val="solid"/>
             <a:round/>
-            <a:headEnd type="none" w="med" len="med"/>
-            <a:tailEnd type="triangle" w="med" len="med"/>
+            <a:headEnd len="med" w="med" type="none"/>
+            <a:tailEnd len="med" w="med" type="triangle"/>
           </a:ln>
         </p:spPr>
       </p:cxnSp>
@@ -6985,14 +6842,14 @@
             <a:avLst/>
           </a:prstGeom>
           <a:noFill/>
-          <a:ln w="9525" cap="flat" cmpd="sng">
+          <a:ln cap="flat" cmpd="sng" w="9525">
             <a:solidFill>
               <a:schemeClr val="dk2"/>
             </a:solidFill>
             <a:prstDash val="solid"/>
             <a:round/>
-            <a:headEnd type="none" w="med" len="med"/>
-            <a:tailEnd type="triangle" w="med" len="med"/>
+            <a:headEnd len="med" w="med" type="none"/>
+            <a:tailEnd len="med" w="med" type="triangle"/>
           </a:ln>
         </p:spPr>
       </p:cxnSp>
@@ -7011,14 +6868,14 @@
             <a:avLst/>
           </a:prstGeom>
           <a:noFill/>
-          <a:ln w="9525" cap="flat" cmpd="sng">
+          <a:ln cap="flat" cmpd="sng" w="9525">
             <a:solidFill>
               <a:schemeClr val="dk2"/>
             </a:solidFill>
             <a:prstDash val="solid"/>
             <a:round/>
-            <a:headEnd type="none" w="med" len="med"/>
-            <a:tailEnd type="triangle" w="med" len="med"/>
+            <a:headEnd len="med" w="med" type="none"/>
+            <a:tailEnd len="med" w="med" type="triangle"/>
           </a:ln>
         </p:spPr>
       </p:cxnSp>
@@ -7037,14 +6894,14 @@
             <a:avLst/>
           </a:prstGeom>
           <a:noFill/>
-          <a:ln w="9525" cap="flat" cmpd="sng">
+          <a:ln cap="flat" cmpd="sng" w="9525">
             <a:solidFill>
               <a:schemeClr val="dk2"/>
             </a:solidFill>
             <a:prstDash val="solid"/>
             <a:round/>
-            <a:headEnd type="none" w="med" len="med"/>
-            <a:tailEnd type="triangle" w="med" len="med"/>
+            <a:headEnd len="med" w="med" type="none"/>
+            <a:tailEnd len="med" w="med" type="triangle"/>
           </a:ln>
         </p:spPr>
       </p:cxnSp>
@@ -7068,12 +6925,12 @@
           </a:ln>
         </p:spPr>
         <p:txBody>
-          <a:bodyPr spcFirstLastPara="1" wrap="square" lIns="91425" tIns="91425" rIns="91425" bIns="91425" anchor="t" anchorCtr="0">
+          <a:bodyPr anchorCtr="0" anchor="t" bIns="91425" lIns="91425" spcFirstLastPara="1" rIns="91425" wrap="square" tIns="91425">
             <a:noAutofit/>
           </a:bodyPr>
           <a:lstStyle/>
           <a:p>
-            <a:pPr marL="0" lvl="0" indent="0" algn="l" rtl="0">
+            <a:pPr indent="0" lvl="0" marL="0" rtl="0" algn="l">
               <a:lnSpc>
                 <a:spcPct val="120000"/>
               </a:lnSpc>
@@ -7114,149 +6971,161 @@
           <a:solidFill>
             <a:srgbClr val="D9EAD3"/>
           </a:solidFill>
-          <a:ln w="9525" cap="flat" cmpd="sng">
+          <a:ln cap="flat" cmpd="sng" w="9525">
             <a:solidFill>
               <a:schemeClr val="dk1"/>
             </a:solidFill>
             <a:prstDash val="solid"/>
             <a:round/>
-            <a:headEnd type="none" w="sm" len="sm"/>
-            <a:tailEnd type="none" w="sm" len="sm"/>
+            <a:headEnd len="sm" w="sm" type="none"/>
+            <a:tailEnd len="sm" w="sm" type="none"/>
           </a:ln>
         </p:spPr>
         <p:txBody>
-          <a:bodyPr spcFirstLastPara="1" wrap="square" lIns="91425" tIns="91425" rIns="91425" bIns="91425" anchor="t" anchorCtr="0">
+          <a:bodyPr anchorCtr="0" anchor="t" bIns="91425" lIns="91425" spcFirstLastPara="1" rIns="91425" wrap="square" tIns="91425">
             <a:noAutofit/>
           </a:bodyPr>
           <a:lstStyle/>
           <a:p>
-            <a:pPr marL="0" lvl="0" indent="0" algn="l" rtl="0">
-              <a:spcBef>
-                <a:spcPts val="0"/>
-              </a:spcBef>
-              <a:spcAft>
-                <a:spcPts val="0"/>
-              </a:spcAft>
-              <a:buNone/>
-            </a:pPr>
-            <a:r>
-              <a:rPr lang="ko" sz="1300" dirty="0"/>
+            <a:pPr indent="0" lvl="0" marL="0" rtl="0" algn="l">
+              <a:spcBef>
+                <a:spcPts val="0"/>
+              </a:spcBef>
+              <a:spcAft>
+                <a:spcPts val="0"/>
+              </a:spcAft>
+              <a:buNone/>
+            </a:pPr>
+            <a:r>
+              <a:rPr lang="ko" sz="1300"/>
               <a:t>넘어온 id값을</a:t>
             </a:r>
-            <a:endParaRPr sz="1300" dirty="0"/>
-          </a:p>
-          <a:p>
-            <a:pPr marL="0" lvl="0" indent="0" algn="l" rtl="0">
-              <a:spcBef>
-                <a:spcPts val="0"/>
-              </a:spcBef>
-              <a:spcAft>
-                <a:spcPts val="0"/>
-              </a:spcAft>
-              <a:buNone/>
-            </a:pPr>
-            <a:r>
-              <a:rPr lang="ko" sz="1200" dirty="0">
+            <a:endParaRPr sz="1300"/>
+          </a:p>
+          <a:p>
+            <a:pPr indent="0" lvl="0" marL="0" rtl="0" algn="l">
+              <a:spcBef>
+                <a:spcPts val="0"/>
+              </a:spcBef>
+              <a:spcAft>
+                <a:spcPts val="0"/>
+              </a:spcAft>
+              <a:buNone/>
+            </a:pPr>
+            <a:r>
+              <a:rPr lang="ko" sz="1200">
                 <a:solidFill>
                   <a:schemeClr val="dk1"/>
                 </a:solidFill>
               </a:rPr>
               <a:t>personDelete() 의 파라미터로 사용</a:t>
             </a:r>
-            <a:endParaRPr sz="1300" dirty="0"/>
-          </a:p>
-          <a:p>
-            <a:pPr marL="0" lvl="0" indent="0" algn="l" rtl="0">
-              <a:spcBef>
-                <a:spcPts val="0"/>
-              </a:spcBef>
-              <a:spcAft>
-                <a:spcPts val="0"/>
-              </a:spcAft>
-              <a:buNone/>
-            </a:pPr>
-            <a:endParaRPr sz="1300" dirty="0"/>
-          </a:p>
-          <a:p>
-            <a:pPr marL="0" lvl="0" indent="0" algn="l" rtl="0">
-              <a:spcBef>
-                <a:spcPts val="0"/>
-              </a:spcBef>
-              <a:spcAft>
-                <a:spcPts val="0"/>
-              </a:spcAft>
-              <a:buNone/>
-            </a:pPr>
-            <a:r>
-              <a:rPr lang="ko" sz="1300" dirty="0"/>
+            <a:endParaRPr sz="1300"/>
+          </a:p>
+          <a:p>
+            <a:pPr indent="0" lvl="0" marL="0" rtl="0" algn="l">
+              <a:spcBef>
+                <a:spcPts val="0"/>
+              </a:spcBef>
+              <a:spcAft>
+                <a:spcPts val="0"/>
+              </a:spcAft>
+              <a:buNone/>
+            </a:pPr>
+            <a:r>
+              <a:t/>
+            </a:r>
+            <a:endParaRPr sz="1300"/>
+          </a:p>
+          <a:p>
+            <a:pPr indent="0" lvl="0" marL="0" rtl="0" algn="l">
+              <a:spcBef>
+                <a:spcPts val="0"/>
+              </a:spcBef>
+              <a:spcAft>
+                <a:spcPts val="0"/>
+              </a:spcAft>
+              <a:buNone/>
+            </a:pPr>
+            <a:r>
+              <a:rPr lang="ko" sz="1300"/>
               <a:t>response.sendRedirect(사이트</a:t>
             </a:r>
-            <a:endParaRPr sz="1300" dirty="0"/>
-          </a:p>
-          <a:p>
-            <a:pPr marL="0" lvl="0" indent="0" algn="l" rtl="0">
-              <a:spcBef>
-                <a:spcPts val="0"/>
-              </a:spcBef>
-              <a:spcAft>
-                <a:spcPts val="0"/>
-              </a:spcAft>
-              <a:buNone/>
-            </a:pPr>
-            <a:r>
-              <a:rPr lang="ko" sz="1300" dirty="0"/>
+            <a:endParaRPr sz="1300"/>
+          </a:p>
+          <a:p>
+            <a:pPr indent="0" lvl="0" marL="0" rtl="0" algn="l">
+              <a:spcBef>
+                <a:spcPts val="0"/>
+              </a:spcBef>
+              <a:spcAft>
+                <a:spcPts val="0"/>
+              </a:spcAft>
+              <a:buNone/>
+            </a:pPr>
+            <a:r>
+              <a:rPr lang="ko" sz="1300"/>
               <a:t>주소)</a:t>
             </a:r>
-            <a:endParaRPr sz="1300" dirty="0"/>
-          </a:p>
-          <a:p>
-            <a:pPr marL="0" lvl="0" indent="0" algn="l" rtl="0">
-              <a:spcBef>
-                <a:spcPts val="0"/>
-              </a:spcBef>
-              <a:spcAft>
-                <a:spcPts val="0"/>
-              </a:spcAft>
-              <a:buNone/>
-            </a:pPr>
-            <a:endParaRPr sz="1300" dirty="0"/>
-          </a:p>
-          <a:p>
-            <a:pPr marL="0" lvl="0" indent="0" algn="l" rtl="0">
-              <a:spcBef>
-                <a:spcPts val="0"/>
-              </a:spcBef>
-              <a:spcAft>
-                <a:spcPts val="0"/>
-              </a:spcAft>
-              <a:buNone/>
-            </a:pPr>
-            <a:endParaRPr sz="1300" dirty="0"/>
-          </a:p>
-          <a:p>
-            <a:pPr marL="0" lvl="0" indent="0" algn="l" rtl="0">
-              <a:spcBef>
-                <a:spcPts val="0"/>
-              </a:spcBef>
-              <a:spcAft>
-                <a:spcPts val="0"/>
-              </a:spcAft>
-              <a:buNone/>
-            </a:pPr>
-            <a:endParaRPr sz="1300" dirty="0"/>
+            <a:endParaRPr sz="1300"/>
+          </a:p>
+          <a:p>
+            <a:pPr indent="0" lvl="0" marL="0" rtl="0" algn="l">
+              <a:spcBef>
+                <a:spcPts val="0"/>
+              </a:spcBef>
+              <a:spcAft>
+                <a:spcPts val="0"/>
+              </a:spcAft>
+              <a:buNone/>
+            </a:pPr>
+            <a:r>
+              <a:t/>
+            </a:r>
+            <a:endParaRPr sz="1300"/>
+          </a:p>
+          <a:p>
+            <a:pPr indent="0" lvl="0" marL="0" rtl="0" algn="l">
+              <a:spcBef>
+                <a:spcPts val="0"/>
+              </a:spcBef>
+              <a:spcAft>
+                <a:spcPts val="0"/>
+              </a:spcAft>
+              <a:buNone/>
+            </a:pPr>
+            <a:r>
+              <a:t/>
+            </a:r>
+            <a:endParaRPr sz="1300"/>
+          </a:p>
+          <a:p>
+            <a:pPr indent="0" lvl="0" marL="0" rtl="0" algn="l">
+              <a:spcBef>
+                <a:spcPts val="0"/>
+              </a:spcBef>
+              <a:spcAft>
+                <a:spcPts val="0"/>
+              </a:spcAft>
+              <a:buNone/>
+            </a:pPr>
+            <a:r>
+              <a:t/>
+            </a:r>
+            <a:endParaRPr sz="1300"/>
           </a:p>
         </p:txBody>
       </p:sp>
       <p:sp>
         <p:nvSpPr>
-          <p:cNvPr id="23" name="Google Shape;54;p13"/>
+          <p:cNvPr id="76" name="Google Shape;76;p13"/>
           <p:cNvSpPr/>
           <p:nvPr/>
         </p:nvSpPr>
         <p:spPr>
           <a:xfrm>
-            <a:off x="302550" y="2919813"/>
-            <a:ext cx="1194300" cy="1317750"/>
+            <a:off x="280550" y="3026375"/>
+            <a:ext cx="1194300" cy="1249200"/>
           </a:xfrm>
           <a:prstGeom prst="rect">
             <a:avLst/>
@@ -7264,56 +7133,113 @@
           <a:solidFill>
             <a:schemeClr val="lt2"/>
           </a:solidFill>
-          <a:ln w="9525" cap="flat" cmpd="sng">
+          <a:ln cap="flat" cmpd="sng" w="9525">
             <a:solidFill>
               <a:schemeClr val="dk2"/>
             </a:solidFill>
             <a:prstDash val="solid"/>
             <a:round/>
-            <a:headEnd type="none" w="sm" len="sm"/>
-            <a:tailEnd type="none" w="sm" len="sm"/>
+            <a:headEnd len="sm" w="sm" type="none"/>
+            <a:tailEnd len="sm" w="sm" type="none"/>
           </a:ln>
         </p:spPr>
         <p:txBody>
-          <a:bodyPr spcFirstLastPara="1" wrap="square" lIns="91425" tIns="91425" rIns="91425" bIns="91425" anchor="ctr" anchorCtr="0">
+          <a:bodyPr anchorCtr="0" anchor="ctr" bIns="91425" lIns="91425" spcFirstLastPara="1" rIns="91425" wrap="square" tIns="91425">
             <a:noAutofit/>
           </a:bodyPr>
           <a:lstStyle/>
           <a:p>
-            <a:pPr marL="0" lvl="0" indent="0" algn="ctr" rtl="0">
-              <a:spcBef>
-                <a:spcPts val="0"/>
-              </a:spcBef>
-              <a:spcAft>
-                <a:spcPts val="0"/>
-              </a:spcAft>
-              <a:buNone/>
-            </a:pPr>
-            <a:r>
-              <a:rPr lang="en-US" altLang="ko" dirty="0" smtClean="0"/>
-              <a:t>redirect </a:t>
-            </a:r>
-            <a:r>
-              <a:rPr lang="ko-KR" altLang="en-US" dirty="0" smtClean="0"/>
-              <a:t>된</a:t>
-            </a:r>
-            <a:endParaRPr lang="en-US" altLang="ko" dirty="0"/>
-          </a:p>
-          <a:p>
-            <a:pPr marL="0" lvl="0" indent="0" algn="ctr" rtl="0">
-              <a:spcBef>
-                <a:spcPts val="0"/>
-              </a:spcBef>
-              <a:spcAft>
-                <a:spcPts val="0"/>
-              </a:spcAft>
-              <a:buNone/>
-            </a:pPr>
-            <a:r>
-              <a:rPr lang="ko" dirty="0" smtClean="0"/>
+            <a:pPr indent="0" lvl="0" marL="0" rtl="0" algn="ctr">
+              <a:spcBef>
+                <a:spcPts val="0"/>
+              </a:spcBef>
+              <a:spcAft>
+                <a:spcPts val="0"/>
+              </a:spcAft>
+              <a:buClr>
+                <a:schemeClr val="dk1"/>
+              </a:buClr>
+              <a:buSzPts val="1100"/>
+              <a:buFont typeface="Arial"/>
+              <a:buNone/>
+            </a:pPr>
+            <a:r>
+              <a:rPr lang="ko">
+                <a:solidFill>
+                  <a:schemeClr val="dk1"/>
+                </a:solidFill>
+              </a:rPr>
+              <a:t>redirect 된</a:t>
+            </a:r>
+            <a:endParaRPr/>
+          </a:p>
+          <a:p>
+            <a:pPr indent="0" lvl="0" marL="0" rtl="0" algn="ctr">
+              <a:spcBef>
+                <a:spcPts val="0"/>
+              </a:spcBef>
+              <a:spcAft>
+                <a:spcPts val="0"/>
+              </a:spcAft>
+              <a:buNone/>
+            </a:pPr>
+            <a:r>
+              <a:rPr lang="ko"/>
               <a:t>리스트</a:t>
             </a:r>
-            <a:endParaRPr dirty="0"/>
+            <a:endParaRPr/>
+          </a:p>
+        </p:txBody>
+      </p:sp>
+      <p:sp>
+        <p:nvSpPr>
+          <p:cNvPr id="77" name="Google Shape;77;p13"/>
+          <p:cNvSpPr txBox="1"/>
+          <p:nvPr/>
+        </p:nvSpPr>
+        <p:spPr>
+          <a:xfrm>
+            <a:off x="6820275" y="1580400"/>
+            <a:ext cx="518700" cy="338700"/>
+          </a:xfrm>
+          <a:prstGeom prst="rect">
+            <a:avLst/>
+          </a:prstGeom>
+          <a:noFill/>
+          <a:ln cap="flat" cmpd="sng" w="9525">
+            <a:solidFill>
+              <a:schemeClr val="dk1"/>
+            </a:solidFill>
+            <a:prstDash val="solid"/>
+            <a:round/>
+            <a:headEnd len="sm" w="sm" type="none"/>
+            <a:tailEnd len="sm" w="sm" type="none"/>
+          </a:ln>
+        </p:spPr>
+        <p:txBody>
+          <a:bodyPr anchorCtr="0" anchor="t" bIns="91425" lIns="91425" spcFirstLastPara="1" rIns="91425" wrap="square" tIns="91425">
+            <a:spAutoFit/>
+          </a:bodyPr>
+          <a:lstStyle/>
+          <a:p>
+            <a:pPr indent="0" lvl="0" marL="0" rtl="0" algn="l">
+              <a:spcBef>
+                <a:spcPts val="0"/>
+              </a:spcBef>
+              <a:spcAft>
+                <a:spcPts val="0"/>
+              </a:spcAft>
+              <a:buNone/>
+            </a:pPr>
+            <a:r>
+              <a:rPr lang="ko" sz="1000">
+                <a:solidFill>
+                  <a:schemeClr val="dk1"/>
+                </a:solidFill>
+              </a:rPr>
+              <a:t>id = 3</a:t>
+            </a:r>
+            <a:endParaRPr sz="1000"/>
           </a:p>
         </p:txBody>
       </p:sp>
@@ -7326,11 +7252,11 @@
 </file>
 
 <file path=ppt/slides/slide2.xml><?xml version="1.0" encoding="utf-8"?>
-<p:sld xmlns:a="http://schemas.openxmlformats.org/drawingml/2006/main" xmlns:r="http://schemas.openxmlformats.org/officeDocument/2006/relationships" xmlns:p="http://schemas.openxmlformats.org/presentationml/2006/main">
+<p:sld xmlns:a="http://schemas.openxmlformats.org/drawingml/2006/main" xmlns:r="http://schemas.openxmlformats.org/officeDocument/2006/relationships" xmlns:mc="http://schemas.openxmlformats.org/markup-compatibility/2006" xmlns:mv="urn:schemas-microsoft-com:mac:vml" xmlns:p="http://schemas.openxmlformats.org/presentationml/2006/main" xmlns:c="http://schemas.openxmlformats.org/drawingml/2006/chart" xmlns:dgm="http://schemas.openxmlformats.org/drawingml/2006/diagram" xmlns:o="urn:schemas-microsoft-com:office:office" xmlns:v="urn:schemas-microsoft-com:vml" xmlns:pvml="urn:schemas-microsoft-com:office:powerpoint" xmlns:com="http://schemas.openxmlformats.org/drawingml/2006/compatibility" xmlns:p14="http://schemas.microsoft.com/office/powerpoint/2010/main" xmlns:p15="http://schemas.microsoft.com/office/powerpoint/2012/main" xmlns:ahyp="http://schemas.microsoft.com/office/drawing/2018/hyperlinkcolor">
   <p:cSld>
     <p:spTree>
       <p:nvGrpSpPr>
-        <p:cNvPr id="1" name="Shape 79"/>
+        <p:cNvPr id="81" name="Shape 81"/>
         <p:cNvGrpSpPr/>
         <p:nvPr/>
       </p:nvGrpSpPr>
@@ -7344,13 +7270,13 @@
       </p:grpSpPr>
       <p:sp>
         <p:nvSpPr>
-          <p:cNvPr id="80" name="Google Shape;80;p14"/>
+          <p:cNvPr id="82" name="Google Shape;82;p14"/>
           <p:cNvSpPr/>
           <p:nvPr/>
         </p:nvSpPr>
         <p:spPr>
           <a:xfrm>
-            <a:off x="346050" y="1125150"/>
+            <a:off x="340625" y="812250"/>
             <a:ext cx="1194300" cy="1144500"/>
           </a:xfrm>
           <a:prstGeom prst="rect">
@@ -7359,71 +7285,83 @@
           <a:solidFill>
             <a:schemeClr val="lt2"/>
           </a:solidFill>
-          <a:ln w="9525" cap="flat" cmpd="sng">
+          <a:ln cap="flat" cmpd="sng" w="9525">
             <a:solidFill>
               <a:schemeClr val="dk2"/>
             </a:solidFill>
             <a:prstDash val="solid"/>
             <a:round/>
-            <a:headEnd type="none" w="sm" len="sm"/>
-            <a:tailEnd type="none" w="sm" len="sm"/>
+            <a:headEnd len="sm" w="sm" type="none"/>
+            <a:tailEnd len="sm" w="sm" type="none"/>
           </a:ln>
         </p:spPr>
         <p:txBody>
-          <a:bodyPr spcFirstLastPara="1" wrap="square" lIns="91425" tIns="91425" rIns="91425" bIns="91425" anchor="ctr" anchorCtr="0">
+          <a:bodyPr anchorCtr="0" anchor="ctr" bIns="91425" lIns="91425" spcFirstLastPara="1" rIns="91425" wrap="square" tIns="91425">
             <a:noAutofit/>
           </a:bodyPr>
           <a:lstStyle/>
           <a:p>
-            <a:pPr marL="0" lvl="0" indent="0" algn="ctr" rtl="0">
-              <a:spcBef>
-                <a:spcPts val="0"/>
-              </a:spcBef>
-              <a:spcAft>
-                <a:spcPts val="0"/>
-              </a:spcAft>
-              <a:buNone/>
-            </a:pPr>
+            <a:pPr indent="0" lvl="0" marL="0" rtl="0" algn="ctr">
+              <a:spcBef>
+                <a:spcPts val="0"/>
+              </a:spcBef>
+              <a:spcAft>
+                <a:spcPts val="0"/>
+              </a:spcAft>
+              <a:buNone/>
+            </a:pPr>
+            <a:r>
+              <a:t/>
+            </a:r>
             <a:endParaRPr/>
           </a:p>
           <a:p>
-            <a:pPr marL="0" lvl="0" indent="0" algn="ctr" rtl="0">
-              <a:spcBef>
-                <a:spcPts val="0"/>
-              </a:spcBef>
-              <a:spcAft>
-                <a:spcPts val="0"/>
-              </a:spcAft>
-              <a:buNone/>
-            </a:pPr>
+            <a:pPr indent="0" lvl="0" marL="0" rtl="0" algn="ctr">
+              <a:spcBef>
+                <a:spcPts val="0"/>
+              </a:spcBef>
+              <a:spcAft>
+                <a:spcPts val="0"/>
+              </a:spcAft>
+              <a:buNone/>
+            </a:pPr>
+            <a:r>
+              <a:t/>
+            </a:r>
             <a:endParaRPr/>
           </a:p>
           <a:p>
-            <a:pPr marL="0" lvl="0" indent="0" algn="ctr" rtl="0">
-              <a:spcBef>
-                <a:spcPts val="0"/>
-              </a:spcBef>
-              <a:spcAft>
-                <a:spcPts val="0"/>
-              </a:spcAft>
-              <a:buNone/>
-            </a:pPr>
+            <a:pPr indent="0" lvl="0" marL="0" rtl="0" algn="ctr">
+              <a:spcBef>
+                <a:spcPts val="0"/>
+              </a:spcBef>
+              <a:spcAft>
+                <a:spcPts val="0"/>
+              </a:spcAft>
+              <a:buNone/>
+            </a:pPr>
+            <a:r>
+              <a:t/>
+            </a:r>
             <a:endParaRPr/>
           </a:p>
           <a:p>
-            <a:pPr marL="0" lvl="0" indent="0" algn="ctr" rtl="0">
-              <a:spcBef>
-                <a:spcPts val="0"/>
-              </a:spcBef>
-              <a:spcAft>
-                <a:spcPts val="0"/>
-              </a:spcAft>
-              <a:buNone/>
-            </a:pPr>
+            <a:pPr indent="0" lvl="0" marL="0" rtl="0" algn="ctr">
+              <a:spcBef>
+                <a:spcPts val="0"/>
+              </a:spcBef>
+              <a:spcAft>
+                <a:spcPts val="0"/>
+              </a:spcAft>
+              <a:buNone/>
+            </a:pPr>
+            <a:r>
+              <a:t/>
+            </a:r>
             <a:endParaRPr/>
           </a:p>
           <a:p>
-            <a:pPr marL="0" lvl="0" indent="0" algn="ctr" rtl="0">
+            <a:pPr indent="0" lvl="0" marL="0" rtl="0" algn="ctr">
               <a:spcBef>
                 <a:spcPts val="0"/>
               </a:spcBef>
@@ -7435,94 +7373,6 @@
             <a:r>
               <a:rPr lang="ko"/>
               <a:t>리스트</a:t>
-            </a:r>
-            <a:endParaRPr/>
-          </a:p>
-        </p:txBody>
-      </p:sp>
-      <p:sp>
-        <p:nvSpPr>
-          <p:cNvPr id="81" name="Google Shape;81;p14"/>
-          <p:cNvSpPr/>
-          <p:nvPr/>
-        </p:nvSpPr>
-        <p:spPr>
-          <a:xfrm>
-            <a:off x="4101750" y="1059225"/>
-            <a:ext cx="4988100" cy="3491100"/>
-          </a:xfrm>
-          <a:prstGeom prst="rect">
-            <a:avLst/>
-          </a:prstGeom>
-          <a:solidFill>
-            <a:schemeClr val="lt2"/>
-          </a:solidFill>
-          <a:ln w="9525" cap="flat" cmpd="sng">
-            <a:solidFill>
-              <a:schemeClr val="dk2"/>
-            </a:solidFill>
-            <a:prstDash val="solid"/>
-            <a:round/>
-            <a:headEnd type="none" w="sm" len="sm"/>
-            <a:tailEnd type="none" w="sm" len="sm"/>
-          </a:ln>
-        </p:spPr>
-        <p:txBody>
-          <a:bodyPr spcFirstLastPara="1" wrap="square" lIns="91425" tIns="91425" rIns="91425" bIns="91425" anchor="ctr" anchorCtr="0">
-            <a:noAutofit/>
-          </a:bodyPr>
-          <a:lstStyle/>
-          <a:p>
-            <a:pPr marL="0" lvl="0" indent="0" algn="ctr" rtl="0">
-              <a:spcBef>
-                <a:spcPts val="0"/>
-              </a:spcBef>
-              <a:spcAft>
-                <a:spcPts val="0"/>
-              </a:spcAft>
-              <a:buNone/>
-            </a:pPr>
-            <a:endParaRPr/>
-          </a:p>
-        </p:txBody>
-      </p:sp>
-      <p:sp>
-        <p:nvSpPr>
-          <p:cNvPr id="82" name="Google Shape;82;p14"/>
-          <p:cNvSpPr txBox="1"/>
-          <p:nvPr/>
-        </p:nvSpPr>
-        <p:spPr>
-          <a:xfrm>
-            <a:off x="7960650" y="724950"/>
-            <a:ext cx="907800" cy="400200"/>
-          </a:xfrm>
-          <a:prstGeom prst="rect">
-            <a:avLst/>
-          </a:prstGeom>
-          <a:noFill/>
-          <a:ln>
-            <a:noFill/>
-          </a:ln>
-        </p:spPr>
-        <p:txBody>
-          <a:bodyPr spcFirstLastPara="1" wrap="square" lIns="91425" tIns="91425" rIns="91425" bIns="91425" anchor="t" anchorCtr="0">
-            <a:spAutoFit/>
-          </a:bodyPr>
-          <a:lstStyle/>
-          <a:p>
-            <a:pPr marL="0" lvl="0" indent="0" algn="l" rtl="0">
-              <a:spcBef>
-                <a:spcPts val="0"/>
-              </a:spcBef>
-              <a:spcAft>
-                <a:spcPts val="0"/>
-              </a:spcAft>
-              <a:buNone/>
-            </a:pPr>
-            <a:r>
-              <a:rPr lang="ko"/>
-              <a:t>Tomcat</a:t>
             </a:r>
             <a:endParaRPr/>
           </a:p>
@@ -7536,43 +7386,42 @@
         </p:nvSpPr>
         <p:spPr>
           <a:xfrm>
-            <a:off x="4263850" y="1681800"/>
-            <a:ext cx="962100" cy="508800"/>
+            <a:off x="4096325" y="746325"/>
+            <a:ext cx="4988100" cy="3491100"/>
           </a:xfrm>
           <a:prstGeom prst="rect">
             <a:avLst/>
           </a:prstGeom>
           <a:solidFill>
-            <a:srgbClr val="9FC5E8"/>
+            <a:schemeClr val="lt2"/>
           </a:solidFill>
-          <a:ln w="9525" cap="flat" cmpd="sng">
+          <a:ln cap="flat" cmpd="sng" w="9525">
             <a:solidFill>
               <a:schemeClr val="dk2"/>
             </a:solidFill>
             <a:prstDash val="solid"/>
             <a:round/>
-            <a:headEnd type="none" w="sm" len="sm"/>
-            <a:tailEnd type="none" w="sm" len="sm"/>
+            <a:headEnd len="sm" w="sm" type="none"/>
+            <a:tailEnd len="sm" w="sm" type="none"/>
           </a:ln>
         </p:spPr>
         <p:txBody>
-          <a:bodyPr spcFirstLastPara="1" wrap="square" lIns="91425" tIns="91425" rIns="91425" bIns="91425" anchor="ctr" anchorCtr="0">
+          <a:bodyPr anchorCtr="0" anchor="ctr" bIns="91425" lIns="91425" spcFirstLastPara="1" rIns="91425" wrap="square" tIns="91425">
             <a:noAutofit/>
           </a:bodyPr>
           <a:lstStyle/>
           <a:p>
-            <a:pPr marL="0" lvl="0" indent="0" algn="l" rtl="0">
-              <a:spcBef>
-                <a:spcPts val="0"/>
-              </a:spcBef>
-              <a:spcAft>
-                <a:spcPts val="0"/>
-              </a:spcAft>
-              <a:buNone/>
-            </a:pPr>
-            <a:r>
-              <a:rPr lang="ko"/>
-              <a:t>request</a:t>
+            <a:pPr indent="0" lvl="0" marL="0" rtl="0" algn="ctr">
+              <a:spcBef>
+                <a:spcPts val="0"/>
+              </a:spcBef>
+              <a:spcAft>
+                <a:spcPts val="0"/>
+              </a:spcAft>
+              <a:buNone/>
+            </a:pPr>
+            <a:r>
+              <a:t/>
             </a:r>
             <a:endParaRPr/>
           </a:p>
@@ -7581,278 +7430,13 @@
       <p:sp>
         <p:nvSpPr>
           <p:cNvPr id="84" name="Google Shape;84;p14"/>
-          <p:cNvSpPr/>
-          <p:nvPr/>
-        </p:nvSpPr>
-        <p:spPr>
-          <a:xfrm>
-            <a:off x="4274725" y="3007175"/>
-            <a:ext cx="962100" cy="508800"/>
-          </a:xfrm>
-          <a:prstGeom prst="rect">
-            <a:avLst/>
-          </a:prstGeom>
-          <a:solidFill>
-            <a:srgbClr val="F4CCCC"/>
-          </a:solidFill>
-          <a:ln w="9525" cap="flat" cmpd="sng">
-            <a:solidFill>
-              <a:schemeClr val="dk2"/>
-            </a:solidFill>
-            <a:prstDash val="solid"/>
-            <a:round/>
-            <a:headEnd type="none" w="sm" len="sm"/>
-            <a:tailEnd type="none" w="sm" len="sm"/>
-          </a:ln>
-        </p:spPr>
-        <p:txBody>
-          <a:bodyPr spcFirstLastPara="1" wrap="square" lIns="91425" tIns="91425" rIns="91425" bIns="91425" anchor="ctr" anchorCtr="0">
-            <a:noAutofit/>
-          </a:bodyPr>
-          <a:lstStyle/>
-          <a:p>
-            <a:pPr marL="0" lvl="0" indent="0" algn="l" rtl="0">
-              <a:spcBef>
-                <a:spcPts val="0"/>
-              </a:spcBef>
-              <a:spcAft>
-                <a:spcPts val="0"/>
-              </a:spcAft>
-              <a:buNone/>
-            </a:pPr>
-            <a:r>
-              <a:rPr lang="ko"/>
-              <a:t>response</a:t>
-            </a:r>
-            <a:endParaRPr/>
-          </a:p>
-        </p:txBody>
-      </p:sp>
-      <p:cxnSp>
-        <p:nvCxnSpPr>
-          <p:cNvPr id="85" name="Google Shape;85;p14"/>
-          <p:cNvCxnSpPr/>
-          <p:nvPr/>
-        </p:nvCxnSpPr>
-        <p:spPr>
-          <a:xfrm>
-            <a:off x="1540275" y="1681800"/>
-            <a:ext cx="2534400" cy="317700"/>
-          </a:xfrm>
-          <a:prstGeom prst="straightConnector1">
-            <a:avLst/>
-          </a:prstGeom>
-          <a:noFill/>
-          <a:ln w="9525" cap="flat" cmpd="sng">
-            <a:solidFill>
-              <a:schemeClr val="dk2"/>
-            </a:solidFill>
-            <a:prstDash val="solid"/>
-            <a:round/>
-            <a:headEnd type="none" w="med" len="med"/>
-            <a:tailEnd type="triangle" w="med" len="med"/>
-          </a:ln>
-        </p:spPr>
-      </p:cxnSp>
-      <p:cxnSp>
-        <p:nvCxnSpPr>
-          <p:cNvPr id="86" name="Google Shape;86;p14"/>
-          <p:cNvCxnSpPr>
-            <a:endCxn id="87" idx="3"/>
-          </p:cNvCxnSpPr>
-          <p:nvPr/>
-        </p:nvCxnSpPr>
-        <p:spPr>
-          <a:xfrm flipH="1">
-            <a:off x="1518550" y="3264175"/>
-            <a:ext cx="2599500" cy="448800"/>
-          </a:xfrm>
-          <a:prstGeom prst="straightConnector1">
-            <a:avLst/>
-          </a:prstGeom>
-          <a:noFill/>
-          <a:ln w="9525" cap="flat" cmpd="sng">
-            <a:solidFill>
-              <a:schemeClr val="dk2"/>
-            </a:solidFill>
-            <a:prstDash val="solid"/>
-            <a:round/>
-            <a:headEnd type="none" w="med" len="med"/>
-            <a:tailEnd type="triangle" w="med" len="med"/>
-          </a:ln>
-        </p:spPr>
-      </p:cxnSp>
-      <p:sp>
-        <p:nvSpPr>
-          <p:cNvPr id="88" name="Google Shape;88;p14"/>
-          <p:cNvSpPr/>
-          <p:nvPr/>
-        </p:nvSpPr>
-        <p:spPr>
-          <a:xfrm>
-            <a:off x="2166725" y="1103700"/>
-            <a:ext cx="1729500" cy="789000"/>
-          </a:xfrm>
-          <a:prstGeom prst="rect">
-            <a:avLst/>
-          </a:prstGeom>
-          <a:solidFill>
-            <a:srgbClr val="9FC5E8"/>
-          </a:solidFill>
-          <a:ln w="9525" cap="flat" cmpd="sng">
-            <a:solidFill>
-              <a:schemeClr val="dk2"/>
-            </a:solidFill>
-            <a:prstDash val="solid"/>
-            <a:round/>
-            <a:headEnd type="none" w="sm" len="sm"/>
-            <a:tailEnd type="none" w="sm" len="sm"/>
-          </a:ln>
-        </p:spPr>
-        <p:txBody>
-          <a:bodyPr spcFirstLastPara="1" wrap="square" lIns="91425" tIns="91425" rIns="91425" bIns="91425" anchor="ctr" anchorCtr="0">
-            <a:noAutofit/>
-          </a:bodyPr>
-          <a:lstStyle/>
-          <a:p>
-            <a:pPr marL="0" lvl="0" indent="0" algn="l" rtl="0">
-              <a:spcBef>
-                <a:spcPts val="0"/>
-              </a:spcBef>
-              <a:spcAft>
-                <a:spcPts val="0"/>
-              </a:spcAft>
-              <a:buNone/>
-            </a:pPr>
-            <a:r>
-              <a:rPr lang="ko"/>
-              <a:t>request</a:t>
-            </a:r>
-            <a:endParaRPr/>
-          </a:p>
-          <a:p>
-            <a:pPr marL="0" lvl="0" indent="0" algn="l" rtl="0">
-              <a:spcBef>
-                <a:spcPts val="0"/>
-              </a:spcBef>
-              <a:spcAft>
-                <a:spcPts val="0"/>
-              </a:spcAft>
-              <a:buNone/>
-            </a:pPr>
-            <a:r>
-              <a:rPr lang="ko"/>
-              <a:t>action == </a:t>
-            </a:r>
-            <a:r>
-              <a:rPr lang="ko" sz="1100">
-                <a:solidFill>
-                  <a:schemeClr val="dk1"/>
-                </a:solidFill>
-              </a:rPr>
-              <a:t>updateform</a:t>
-            </a:r>
-            <a:endParaRPr/>
-          </a:p>
-        </p:txBody>
-      </p:sp>
-      <p:sp>
-        <p:nvSpPr>
-          <p:cNvPr id="89" name="Google Shape;89;p14"/>
-          <p:cNvSpPr/>
-          <p:nvPr/>
-        </p:nvSpPr>
-        <p:spPr>
-          <a:xfrm>
-            <a:off x="2318225" y="3515975"/>
-            <a:ext cx="1578000" cy="902700"/>
-          </a:xfrm>
-          <a:prstGeom prst="rect">
-            <a:avLst/>
-          </a:prstGeom>
-          <a:solidFill>
-            <a:srgbClr val="F4CCCC"/>
-          </a:solidFill>
-          <a:ln w="9525" cap="flat" cmpd="sng">
-            <a:solidFill>
-              <a:schemeClr val="dk2"/>
-            </a:solidFill>
-            <a:prstDash val="solid"/>
-            <a:round/>
-            <a:headEnd type="none" w="sm" len="sm"/>
-            <a:tailEnd type="none" w="sm" len="sm"/>
-          </a:ln>
-        </p:spPr>
-        <p:txBody>
-          <a:bodyPr spcFirstLastPara="1" wrap="square" lIns="91425" tIns="91425" rIns="91425" bIns="91425" anchor="ctr" anchorCtr="0">
-            <a:noAutofit/>
-          </a:bodyPr>
-          <a:lstStyle/>
-          <a:p>
-            <a:pPr marL="0" lvl="0" indent="0" algn="l" rtl="0">
-              <a:spcBef>
-                <a:spcPts val="0"/>
-              </a:spcBef>
-              <a:spcAft>
-                <a:spcPts val="0"/>
-              </a:spcAft>
-              <a:buNone/>
-            </a:pPr>
-            <a:r>
-              <a:rPr lang="ko"/>
-              <a:t>response</a:t>
-            </a:r>
-            <a:endParaRPr/>
-          </a:p>
-          <a:p>
-            <a:pPr marL="0" lvl="0" indent="0" algn="l" rtl="0">
-              <a:spcBef>
-                <a:spcPts val="0"/>
-              </a:spcBef>
-              <a:spcAft>
-                <a:spcPts val="0"/>
-              </a:spcAft>
-              <a:buNone/>
-            </a:pPr>
-            <a:endParaRPr/>
-          </a:p>
-          <a:p>
-            <a:pPr marL="0" lvl="0" indent="0" algn="l" rtl="0">
-              <a:spcBef>
-                <a:spcPts val="0"/>
-              </a:spcBef>
-              <a:spcAft>
-                <a:spcPts val="0"/>
-              </a:spcAft>
-              <a:buClr>
-                <a:schemeClr val="dk1"/>
-              </a:buClr>
-              <a:buSzPts val="1100"/>
-              <a:buFont typeface="Arial"/>
-              <a:buNone/>
-            </a:pPr>
-            <a:r>
-              <a:rPr lang="ko" sz="1200">
-                <a:solidFill>
-                  <a:schemeClr val="dk1"/>
-                </a:solidFill>
-              </a:rPr>
-              <a:t>updateform.jsp</a:t>
-            </a:r>
-            <a:endParaRPr/>
-          </a:p>
-        </p:txBody>
-      </p:sp>
-      <p:sp>
-        <p:nvSpPr>
-          <p:cNvPr id="90" name="Google Shape;90;p14"/>
           <p:cNvSpPr txBox="1"/>
           <p:nvPr/>
         </p:nvSpPr>
         <p:spPr>
           <a:xfrm>
-            <a:off x="0" y="0"/>
-            <a:ext cx="1891500" cy="400200"/>
+            <a:off x="8495650" y="378750"/>
+            <a:ext cx="907800" cy="400200"/>
           </a:xfrm>
           <a:prstGeom prst="rect">
             <a:avLst/>
@@ -7863,24 +7447,335 @@
           </a:ln>
         </p:spPr>
         <p:txBody>
-          <a:bodyPr spcFirstLastPara="1" wrap="square" lIns="91425" tIns="91425" rIns="91425" bIns="91425" anchor="t" anchorCtr="0">
+          <a:bodyPr anchorCtr="0" anchor="t" bIns="91425" lIns="91425" spcFirstLastPara="1" rIns="91425" wrap="square" tIns="91425">
+            <a:spAutoFit/>
+          </a:bodyPr>
+          <a:lstStyle/>
+          <a:p>
+            <a:pPr indent="0" lvl="0" marL="0" rtl="0" algn="l">
+              <a:spcBef>
+                <a:spcPts val="0"/>
+              </a:spcBef>
+              <a:spcAft>
+                <a:spcPts val="0"/>
+              </a:spcAft>
+              <a:buNone/>
+            </a:pPr>
+            <a:r>
+              <a:rPr lang="ko"/>
+              <a:t>Tomcat</a:t>
+            </a:r>
+            <a:endParaRPr/>
+          </a:p>
+        </p:txBody>
+      </p:sp>
+      <p:sp>
+        <p:nvSpPr>
+          <p:cNvPr id="85" name="Google Shape;85;p14"/>
+          <p:cNvSpPr/>
+          <p:nvPr/>
+        </p:nvSpPr>
+        <p:spPr>
+          <a:xfrm>
+            <a:off x="4258425" y="1368900"/>
+            <a:ext cx="962100" cy="508800"/>
+          </a:xfrm>
+          <a:prstGeom prst="rect">
+            <a:avLst/>
+          </a:prstGeom>
+          <a:solidFill>
+            <a:srgbClr val="9FC5E8"/>
+          </a:solidFill>
+          <a:ln cap="flat" cmpd="sng" w="9525">
+            <a:solidFill>
+              <a:schemeClr val="dk2"/>
+            </a:solidFill>
+            <a:prstDash val="solid"/>
+            <a:round/>
+            <a:headEnd len="sm" w="sm" type="none"/>
+            <a:tailEnd len="sm" w="sm" type="none"/>
+          </a:ln>
+        </p:spPr>
+        <p:txBody>
+          <a:bodyPr anchorCtr="0" anchor="ctr" bIns="91425" lIns="91425" spcFirstLastPara="1" rIns="91425" wrap="square" tIns="91425">
             <a:noAutofit/>
           </a:bodyPr>
           <a:lstStyle/>
           <a:p>
-            <a:pPr marL="457200" lvl="0" indent="-317500" algn="l" rtl="0">
-              <a:spcBef>
-                <a:spcPts val="0"/>
-              </a:spcBef>
-              <a:spcAft>
-                <a:spcPts val="0"/>
-              </a:spcAft>
-              <a:buSzPts val="1400"/>
-              <a:buChar char="●"/>
+            <a:pPr indent="0" lvl="0" marL="0" rtl="0" algn="l">
+              <a:spcBef>
+                <a:spcPts val="0"/>
+              </a:spcBef>
+              <a:spcAft>
+                <a:spcPts val="0"/>
+              </a:spcAft>
+              <a:buNone/>
             </a:pPr>
             <a:r>
               <a:rPr lang="ko"/>
-              <a:t>updateForm</a:t>
+              <a:t>request</a:t>
+            </a:r>
+            <a:endParaRPr/>
+          </a:p>
+        </p:txBody>
+      </p:sp>
+      <p:sp>
+        <p:nvSpPr>
+          <p:cNvPr id="86" name="Google Shape;86;p14"/>
+          <p:cNvSpPr/>
+          <p:nvPr/>
+        </p:nvSpPr>
+        <p:spPr>
+          <a:xfrm>
+            <a:off x="4269300" y="2694275"/>
+            <a:ext cx="962100" cy="508800"/>
+          </a:xfrm>
+          <a:prstGeom prst="rect">
+            <a:avLst/>
+          </a:prstGeom>
+          <a:solidFill>
+            <a:srgbClr val="F4CCCC"/>
+          </a:solidFill>
+          <a:ln cap="flat" cmpd="sng" w="9525">
+            <a:solidFill>
+              <a:schemeClr val="dk2"/>
+            </a:solidFill>
+            <a:prstDash val="solid"/>
+            <a:round/>
+            <a:headEnd len="sm" w="sm" type="none"/>
+            <a:tailEnd len="sm" w="sm" type="none"/>
+          </a:ln>
+        </p:spPr>
+        <p:txBody>
+          <a:bodyPr anchorCtr="0" anchor="ctr" bIns="91425" lIns="91425" spcFirstLastPara="1" rIns="91425" wrap="square" tIns="91425">
+            <a:noAutofit/>
+          </a:bodyPr>
+          <a:lstStyle/>
+          <a:p>
+            <a:pPr indent="0" lvl="0" marL="0" rtl="0" algn="l">
+              <a:spcBef>
+                <a:spcPts val="0"/>
+              </a:spcBef>
+              <a:spcAft>
+                <a:spcPts val="0"/>
+              </a:spcAft>
+              <a:buNone/>
+            </a:pPr>
+            <a:r>
+              <a:rPr lang="ko"/>
+              <a:t>response</a:t>
+            </a:r>
+            <a:endParaRPr/>
+          </a:p>
+        </p:txBody>
+      </p:sp>
+      <p:cxnSp>
+        <p:nvCxnSpPr>
+          <p:cNvPr id="87" name="Google Shape;87;p14"/>
+          <p:cNvCxnSpPr/>
+          <p:nvPr/>
+        </p:nvCxnSpPr>
+        <p:spPr>
+          <a:xfrm>
+            <a:off x="1534850" y="1368900"/>
+            <a:ext cx="2534400" cy="317700"/>
+          </a:xfrm>
+          <a:prstGeom prst="straightConnector1">
+            <a:avLst/>
+          </a:prstGeom>
+          <a:noFill/>
+          <a:ln cap="flat" cmpd="sng" w="9525">
+            <a:solidFill>
+              <a:schemeClr val="dk2"/>
+            </a:solidFill>
+            <a:prstDash val="solid"/>
+            <a:round/>
+            <a:headEnd len="med" w="med" type="none"/>
+            <a:tailEnd len="med" w="med" type="triangle"/>
+          </a:ln>
+        </p:spPr>
+      </p:cxnSp>
+      <p:cxnSp>
+        <p:nvCxnSpPr>
+          <p:cNvPr id="88" name="Google Shape;88;p14"/>
+          <p:cNvCxnSpPr/>
+          <p:nvPr/>
+        </p:nvCxnSpPr>
+        <p:spPr>
+          <a:xfrm flipH="1">
+            <a:off x="1513125" y="2951275"/>
+            <a:ext cx="2599500" cy="448800"/>
+          </a:xfrm>
+          <a:prstGeom prst="straightConnector1">
+            <a:avLst/>
+          </a:prstGeom>
+          <a:noFill/>
+          <a:ln cap="flat" cmpd="sng" w="9525">
+            <a:solidFill>
+              <a:schemeClr val="dk2"/>
+            </a:solidFill>
+            <a:prstDash val="solid"/>
+            <a:round/>
+            <a:headEnd len="med" w="med" type="none"/>
+            <a:tailEnd len="med" w="med" type="triangle"/>
+          </a:ln>
+        </p:spPr>
+      </p:cxnSp>
+      <p:sp>
+        <p:nvSpPr>
+          <p:cNvPr id="89" name="Google Shape;89;p14"/>
+          <p:cNvSpPr/>
+          <p:nvPr/>
+        </p:nvSpPr>
+        <p:spPr>
+          <a:xfrm>
+            <a:off x="2161300" y="790800"/>
+            <a:ext cx="1729500" cy="789000"/>
+          </a:xfrm>
+          <a:prstGeom prst="rect">
+            <a:avLst/>
+          </a:prstGeom>
+          <a:solidFill>
+            <a:srgbClr val="9FC5E8"/>
+          </a:solidFill>
+          <a:ln cap="flat" cmpd="sng" w="9525">
+            <a:solidFill>
+              <a:schemeClr val="dk2"/>
+            </a:solidFill>
+            <a:prstDash val="solid"/>
+            <a:round/>
+            <a:headEnd len="sm" w="sm" type="none"/>
+            <a:tailEnd len="sm" w="sm" type="none"/>
+          </a:ln>
+        </p:spPr>
+        <p:txBody>
+          <a:bodyPr anchorCtr="0" anchor="ctr" bIns="91425" lIns="91425" spcFirstLastPara="1" rIns="91425" wrap="square" tIns="91425">
+            <a:noAutofit/>
+          </a:bodyPr>
+          <a:lstStyle/>
+          <a:p>
+            <a:pPr indent="0" lvl="0" marL="0" rtl="0" algn="l">
+              <a:spcBef>
+                <a:spcPts val="0"/>
+              </a:spcBef>
+              <a:spcAft>
+                <a:spcPts val="0"/>
+              </a:spcAft>
+              <a:buNone/>
+            </a:pPr>
+            <a:r>
+              <a:rPr lang="ko"/>
+              <a:t>request</a:t>
+            </a:r>
+            <a:endParaRPr/>
+          </a:p>
+          <a:p>
+            <a:pPr indent="0" lvl="0" marL="0" rtl="0" algn="l">
+              <a:spcBef>
+                <a:spcPts val="0"/>
+              </a:spcBef>
+              <a:spcAft>
+                <a:spcPts val="0"/>
+              </a:spcAft>
+              <a:buNone/>
+            </a:pPr>
+            <a:r>
+              <a:rPr lang="ko"/>
+              <a:t>id = 3 &lt;- 이 넘어옴</a:t>
+            </a:r>
+            <a:endParaRPr sz="1100">
+              <a:solidFill>
+                <a:schemeClr val="dk1"/>
+              </a:solidFill>
+            </a:endParaRPr>
+          </a:p>
+        </p:txBody>
+      </p:sp>
+      <p:sp>
+        <p:nvSpPr>
+          <p:cNvPr id="90" name="Google Shape;90;p14"/>
+          <p:cNvSpPr/>
+          <p:nvPr/>
+        </p:nvSpPr>
+        <p:spPr>
+          <a:xfrm>
+            <a:off x="2312800" y="3203075"/>
+            <a:ext cx="1578000" cy="902700"/>
+          </a:xfrm>
+          <a:prstGeom prst="rect">
+            <a:avLst/>
+          </a:prstGeom>
+          <a:solidFill>
+            <a:srgbClr val="F4CCCC"/>
+          </a:solidFill>
+          <a:ln cap="flat" cmpd="sng" w="9525">
+            <a:solidFill>
+              <a:schemeClr val="dk2"/>
+            </a:solidFill>
+            <a:prstDash val="solid"/>
+            <a:round/>
+            <a:headEnd len="sm" w="sm" type="none"/>
+            <a:tailEnd len="sm" w="sm" type="none"/>
+          </a:ln>
+        </p:spPr>
+        <p:txBody>
+          <a:bodyPr anchorCtr="0" anchor="ctr" bIns="91425" lIns="91425" spcFirstLastPara="1" rIns="91425" wrap="square" tIns="91425">
+            <a:noAutofit/>
+          </a:bodyPr>
+          <a:lstStyle/>
+          <a:p>
+            <a:pPr indent="0" lvl="0" marL="0" rtl="0" algn="l">
+              <a:spcBef>
+                <a:spcPts val="0"/>
+              </a:spcBef>
+              <a:spcAft>
+                <a:spcPts val="0"/>
+              </a:spcAft>
+              <a:buNone/>
+            </a:pPr>
+            <a:r>
+              <a:rPr lang="ko"/>
+              <a:t>response</a:t>
+            </a:r>
+            <a:endParaRPr/>
+          </a:p>
+          <a:p>
+            <a:pPr indent="0" lvl="0" marL="0" rtl="0" algn="l">
+              <a:spcBef>
+                <a:spcPts val="0"/>
+              </a:spcBef>
+              <a:spcAft>
+                <a:spcPts val="0"/>
+              </a:spcAft>
+              <a:buNone/>
+            </a:pPr>
+            <a:r>
+              <a:t/>
+            </a:r>
+            <a:endParaRPr/>
+          </a:p>
+          <a:p>
+            <a:pPr indent="0" lvl="0" marL="0" rtl="0" algn="l">
+              <a:spcBef>
+                <a:spcPts val="0"/>
+              </a:spcBef>
+              <a:spcAft>
+                <a:spcPts val="0"/>
+              </a:spcAft>
+              <a:buClr>
+                <a:schemeClr val="dk1"/>
+              </a:buClr>
+              <a:buSzPts val="1100"/>
+              <a:buFont typeface="Arial"/>
+              <a:buNone/>
+            </a:pPr>
+            <a:r>
+              <a:rPr lang="ko" sz="1200">
+                <a:solidFill>
+                  <a:schemeClr val="dk1"/>
+                </a:solidFill>
+              </a:rPr>
+              <a:t>updateform.jsp</a:t>
             </a:r>
             <a:endParaRPr/>
           </a:p>
@@ -7894,8 +7789,8 @@
         </p:nvSpPr>
         <p:spPr>
           <a:xfrm>
-            <a:off x="65000" y="713100"/>
-            <a:ext cx="5912100" cy="357300"/>
+            <a:off x="0" y="0"/>
+            <a:ext cx="1891500" cy="400200"/>
           </a:xfrm>
           <a:prstGeom prst="rect">
             <a:avLst/>
@@ -7906,12 +7801,55 @@
           </a:ln>
         </p:spPr>
         <p:txBody>
-          <a:bodyPr spcFirstLastPara="1" wrap="square" lIns="91425" tIns="91425" rIns="91425" bIns="91425" anchor="t" anchorCtr="0">
+          <a:bodyPr anchorCtr="0" anchor="t" bIns="91425" lIns="91425" spcFirstLastPara="1" rIns="91425" wrap="square" tIns="91425">
             <a:noAutofit/>
           </a:bodyPr>
           <a:lstStyle/>
           <a:p>
-            <a:pPr marL="0" lvl="0" indent="0" algn="l" rtl="0">
+            <a:pPr indent="-317500" lvl="0" marL="457200" rtl="0" algn="l">
+              <a:spcBef>
+                <a:spcPts val="0"/>
+              </a:spcBef>
+              <a:spcAft>
+                <a:spcPts val="0"/>
+              </a:spcAft>
+              <a:buSzPts val="1400"/>
+              <a:buChar char="●"/>
+            </a:pPr>
+            <a:r>
+              <a:rPr lang="ko"/>
+              <a:t>updateForm</a:t>
+            </a:r>
+            <a:endParaRPr/>
+          </a:p>
+        </p:txBody>
+      </p:sp>
+      <p:sp>
+        <p:nvSpPr>
+          <p:cNvPr id="92" name="Google Shape;92;p14"/>
+          <p:cNvSpPr txBox="1"/>
+          <p:nvPr/>
+        </p:nvSpPr>
+        <p:spPr>
+          <a:xfrm>
+            <a:off x="59575" y="400200"/>
+            <a:ext cx="5912100" cy="357300"/>
+          </a:xfrm>
+          <a:prstGeom prst="rect">
+            <a:avLst/>
+          </a:prstGeom>
+          <a:noFill/>
+          <a:ln>
+            <a:noFill/>
+          </a:ln>
+        </p:spPr>
+        <p:txBody>
+          <a:bodyPr anchorCtr="0" anchor="t" bIns="91425" lIns="91425" spcFirstLastPara="1" rIns="91425" wrap="square" tIns="91425">
+            <a:noAutofit/>
+          </a:bodyPr>
+          <a:lstStyle/>
+          <a:p>
+            <a:pPr indent="0" lvl="0" marL="0" rtl="0" algn="l">
               <a:lnSpc>
                 <a:spcPct val="120000"/>
               </a:lnSpc>
@@ -7934,72 +7872,6 @@
                 </a:solidFill>
               </a:rPr>
               <a:t> 놈</a:t>
-            </a:r>
-            <a:endParaRPr/>
-          </a:p>
-        </p:txBody>
-      </p:sp>
-      <p:sp>
-        <p:nvSpPr>
-          <p:cNvPr id="92" name="Google Shape;92;p14"/>
-          <p:cNvSpPr/>
-          <p:nvPr/>
-        </p:nvSpPr>
-        <p:spPr>
-          <a:xfrm>
-            <a:off x="680925" y="1383300"/>
-            <a:ext cx="788700" cy="508800"/>
-          </a:xfrm>
-          <a:prstGeom prst="rect">
-            <a:avLst/>
-          </a:prstGeom>
-          <a:solidFill>
-            <a:schemeClr val="lt2"/>
-          </a:solidFill>
-          <a:ln w="9525" cap="flat" cmpd="sng">
-            <a:solidFill>
-              <a:schemeClr val="dk2"/>
-            </a:solidFill>
-            <a:prstDash val="solid"/>
-            <a:round/>
-            <a:headEnd type="none" w="sm" len="sm"/>
-            <a:tailEnd type="none" w="sm" len="sm"/>
-          </a:ln>
-        </p:spPr>
-        <p:txBody>
-          <a:bodyPr spcFirstLastPara="1" wrap="square" lIns="91425" tIns="91425" rIns="91425" bIns="91425" anchor="ctr" anchorCtr="0">
-            <a:noAutofit/>
-          </a:bodyPr>
-          <a:lstStyle/>
-          <a:p>
-            <a:pPr marL="0" lvl="0" indent="0" algn="l" rtl="0">
-              <a:spcBef>
-                <a:spcPts val="0"/>
-              </a:spcBef>
-              <a:spcAft>
-                <a:spcPts val="0"/>
-              </a:spcAft>
-              <a:buNone/>
-            </a:pPr>
-            <a:r>
-              <a:rPr lang="ko"/>
-              <a:t>[수정]</a:t>
-            </a:r>
-            <a:endParaRPr/>
-          </a:p>
-          <a:p>
-            <a:pPr marL="0" lvl="0" indent="0" algn="l" rtl="0">
-              <a:spcBef>
-                <a:spcPts val="0"/>
-              </a:spcBef>
-              <a:spcAft>
-                <a:spcPts val="0"/>
-              </a:spcAft>
-              <a:buNone/>
-            </a:pPr>
-            <a:r>
-              <a:rPr lang="ko"/>
-              <a:t>a 태그</a:t>
             </a:r>
             <a:endParaRPr/>
           </a:p>
@@ -8013,107 +7885,61 @@
         </p:nvSpPr>
         <p:spPr>
           <a:xfrm>
-            <a:off x="5415125" y="1125150"/>
-            <a:ext cx="1729500" cy="1144500"/>
-          </a:xfrm>
-          <a:prstGeom prst="roundRect">
-            <a:avLst>
-              <a:gd name="adj" fmla="val 16667"/>
-            </a:avLst>
+            <a:off x="675500" y="1070400"/>
+            <a:ext cx="788700" cy="508800"/>
+          </a:xfrm>
+          <a:prstGeom prst="rect">
+            <a:avLst/>
           </a:prstGeom>
           <a:solidFill>
             <a:schemeClr val="lt2"/>
           </a:solidFill>
-          <a:ln w="9525" cap="flat" cmpd="sng">
+          <a:ln cap="flat" cmpd="sng" w="9525">
             <a:solidFill>
               <a:schemeClr val="dk2"/>
             </a:solidFill>
             <a:prstDash val="solid"/>
             <a:round/>
-            <a:headEnd type="none" w="sm" len="sm"/>
-            <a:tailEnd type="none" w="sm" len="sm"/>
+            <a:headEnd len="sm" w="sm" type="none"/>
+            <a:tailEnd len="sm" w="sm" type="none"/>
           </a:ln>
         </p:spPr>
         <p:txBody>
-          <a:bodyPr spcFirstLastPara="1" wrap="square" lIns="91425" tIns="91425" rIns="91425" bIns="91425" anchor="ctr" anchorCtr="0">
+          <a:bodyPr anchorCtr="0" anchor="ctr" bIns="91425" lIns="91425" spcFirstLastPara="1" rIns="91425" wrap="square" tIns="91425">
             <a:noAutofit/>
           </a:bodyPr>
           <a:lstStyle/>
           <a:p>
-            <a:pPr marL="0" lvl="0" indent="0" algn="l" rtl="0">
-              <a:spcBef>
-                <a:spcPts val="0"/>
-              </a:spcBef>
-              <a:spcAft>
-                <a:spcPts val="0"/>
-              </a:spcAft>
-              <a:buNone/>
-            </a:pPr>
-            <a:r>
-              <a:rPr lang="ko" dirty="0"/>
-              <a:t>controller.java</a:t>
-            </a:r>
-            <a:endParaRPr dirty="0"/>
-          </a:p>
-          <a:p>
-            <a:pPr marL="0" lvl="0" indent="0" algn="l" rtl="0">
-              <a:spcBef>
-                <a:spcPts val="0"/>
-              </a:spcBef>
-              <a:spcAft>
-                <a:spcPts val="0"/>
-              </a:spcAft>
-              <a:buNone/>
-            </a:pPr>
-            <a:endParaRPr dirty="0"/>
-          </a:p>
-          <a:p>
-            <a:pPr marL="0" lvl="0" indent="0" algn="l" rtl="0">
-              <a:spcBef>
-                <a:spcPts val="0"/>
-              </a:spcBef>
-              <a:spcAft>
-                <a:spcPts val="0"/>
-              </a:spcAft>
-              <a:buNone/>
-            </a:pPr>
-            <a:r>
-              <a:rPr lang="en-US" altLang="ko" dirty="0" smtClean="0"/>
-              <a:t>if(</a:t>
-            </a:r>
-            <a:r>
-              <a:rPr lang="ko" dirty="0" smtClean="0"/>
-              <a:t>action </a:t>
-            </a:r>
-            <a:r>
-              <a:rPr lang="ko" dirty="0"/>
-              <a:t>==</a:t>
-            </a:r>
-            <a:endParaRPr dirty="0"/>
-          </a:p>
-          <a:p>
-            <a:pPr marL="0" lvl="0" indent="0" algn="l" rtl="0">
-              <a:spcBef>
-                <a:spcPts val="0"/>
-              </a:spcBef>
-              <a:spcAft>
-                <a:spcPts val="0"/>
-              </a:spcAft>
-              <a:buNone/>
-            </a:pPr>
-            <a:r>
-              <a:rPr lang="en-US" altLang="ko" dirty="0" smtClean="0"/>
-              <a:t>u</a:t>
-            </a:r>
-            <a:r>
-              <a:rPr lang="ko" dirty="0" smtClean="0"/>
-              <a:t>pdateform</a:t>
-            </a:r>
-            <a:r>
-              <a:rPr lang="en-US" altLang="ko" dirty="0" smtClean="0"/>
-              <a:t>)</a:t>
-            </a:r>
-            <a:endParaRPr dirty="0"/>
+            <a:pPr indent="0" lvl="0" marL="0" rtl="0" algn="l">
+              <a:spcBef>
+                <a:spcPts val="0"/>
+              </a:spcBef>
+              <a:spcAft>
+                <a:spcPts val="0"/>
+              </a:spcAft>
+              <a:buNone/>
+            </a:pPr>
+            <a:r>
+              <a:rPr lang="ko"/>
+              <a:t>[수정]</a:t>
+            </a:r>
+            <a:endParaRPr/>
+          </a:p>
+          <a:p>
+            <a:pPr indent="0" lvl="0" marL="0" rtl="0" algn="l">
+              <a:spcBef>
+                <a:spcPts val="0"/>
+              </a:spcBef>
+              <a:spcAft>
+                <a:spcPts val="0"/>
+              </a:spcAft>
+              <a:buNone/>
+            </a:pPr>
+            <a:r>
+              <a:rPr lang="ko"/>
+              <a:t>a 태그</a:t>
+            </a:r>
+            <a:endParaRPr/>
           </a:p>
         </p:txBody>
       </p:sp>
@@ -8125,144 +7951,249 @@
         </p:nvSpPr>
         <p:spPr>
           <a:xfrm>
-            <a:off x="5409800" y="3321000"/>
+            <a:off x="5409700" y="812250"/>
             <a:ext cx="1729500" cy="1144500"/>
           </a:xfrm>
           <a:prstGeom prst="roundRect">
             <a:avLst>
-              <a:gd name="adj" fmla="val 16667"/>
+              <a:gd fmla="val 16667" name="adj"/>
             </a:avLst>
           </a:prstGeom>
           <a:solidFill>
             <a:schemeClr val="lt2"/>
           </a:solidFill>
-          <a:ln w="9525" cap="flat" cmpd="sng">
+          <a:ln cap="flat" cmpd="sng" w="9525">
             <a:solidFill>
               <a:schemeClr val="dk2"/>
             </a:solidFill>
             <a:prstDash val="solid"/>
             <a:round/>
-            <a:headEnd type="none" w="sm" len="sm"/>
-            <a:tailEnd type="none" w="sm" len="sm"/>
+            <a:headEnd len="sm" w="sm" type="none"/>
+            <a:tailEnd len="sm" w="sm" type="none"/>
           </a:ln>
         </p:spPr>
         <p:txBody>
-          <a:bodyPr spcFirstLastPara="1" wrap="square" lIns="91425" tIns="91425" rIns="91425" bIns="91425" anchor="ctr" anchorCtr="0">
+          <a:bodyPr anchorCtr="0" anchor="ctr" bIns="91425" lIns="91425" spcFirstLastPara="1" rIns="91425" wrap="square" tIns="91425">
             <a:noAutofit/>
           </a:bodyPr>
           <a:lstStyle/>
           <a:p>
-            <a:pPr marL="0" lvl="0" indent="0" algn="l" rtl="0">
-              <a:spcBef>
-                <a:spcPts val="0"/>
-              </a:spcBef>
-              <a:spcAft>
-                <a:spcPts val="0"/>
-              </a:spcAft>
-              <a:buNone/>
-            </a:pPr>
-            <a:r>
-              <a:rPr lang="ko" sz="1200"/>
-              <a:t>updateform.jsp</a:t>
-            </a:r>
-            <a:endParaRPr sz="1200"/>
-          </a:p>
-          <a:p>
-            <a:pPr marL="0" lvl="0" indent="0" algn="l" rtl="0">
-              <a:spcBef>
-                <a:spcPts val="0"/>
-              </a:spcBef>
-              <a:spcAft>
-                <a:spcPts val="0"/>
-              </a:spcAft>
-              <a:buNone/>
-            </a:pPr>
-            <a:endParaRPr sz="1200"/>
-          </a:p>
-          <a:p>
-            <a:pPr marL="0" lvl="0" indent="0" algn="l" rtl="0">
-              <a:spcBef>
-                <a:spcPts val="0"/>
-              </a:spcBef>
-              <a:spcAft>
-                <a:spcPts val="0"/>
-              </a:spcAft>
-              <a:buNone/>
-            </a:pPr>
-            <a:r>
-              <a:rPr lang="ko" sz="1200"/>
-              <a:t>request.getAttribute()</a:t>
-            </a:r>
-            <a:endParaRPr sz="1200"/>
-          </a:p>
-          <a:p>
-            <a:pPr marL="0" lvl="0" indent="0" algn="l" rtl="0">
-              <a:spcBef>
-                <a:spcPts val="0"/>
-              </a:spcBef>
-              <a:spcAft>
-                <a:spcPts val="0"/>
-              </a:spcAft>
-              <a:buNone/>
-            </a:pPr>
-            <a:endParaRPr sz="1200"/>
-          </a:p>
-          <a:p>
-            <a:pPr marL="0" lvl="0" indent="0" algn="l" rtl="0">
-              <a:spcBef>
-                <a:spcPts val="0"/>
-              </a:spcBef>
-              <a:spcAft>
-                <a:spcPts val="0"/>
-              </a:spcAft>
-              <a:buNone/>
-            </a:pPr>
-            <a:r>
-              <a:rPr lang="ko" sz="1200"/>
-              <a:t>html</a:t>
-            </a:r>
-            <a:endParaRPr sz="1200"/>
+            <a:pPr indent="0" lvl="0" marL="0" rtl="0" algn="l">
+              <a:spcBef>
+                <a:spcPts val="0"/>
+              </a:spcBef>
+              <a:spcAft>
+                <a:spcPts val="0"/>
+              </a:spcAft>
+              <a:buNone/>
+            </a:pPr>
+            <a:r>
+              <a:rPr lang="ko"/>
+              <a:t>controller.java</a:t>
+            </a:r>
+            <a:endParaRPr/>
+          </a:p>
+          <a:p>
+            <a:pPr indent="0" lvl="0" marL="0" rtl="0" algn="l">
+              <a:spcBef>
+                <a:spcPts val="0"/>
+              </a:spcBef>
+              <a:spcAft>
+                <a:spcPts val="0"/>
+              </a:spcAft>
+              <a:buNone/>
+            </a:pPr>
+            <a:r>
+              <a:t/>
+            </a:r>
+            <a:endParaRPr/>
+          </a:p>
+          <a:p>
+            <a:pPr indent="0" lvl="0" marL="0" rtl="0" algn="l">
+              <a:spcBef>
+                <a:spcPts val="0"/>
+              </a:spcBef>
+              <a:spcAft>
+                <a:spcPts val="0"/>
+              </a:spcAft>
+              <a:buNone/>
+            </a:pPr>
+            <a:r>
+              <a:rPr lang="ko"/>
+              <a:t>if(action ==</a:t>
+            </a:r>
+            <a:endParaRPr/>
+          </a:p>
+          <a:p>
+            <a:pPr indent="0" lvl="0" marL="0" rtl="0" algn="l">
+              <a:spcBef>
+                <a:spcPts val="0"/>
+              </a:spcBef>
+              <a:spcAft>
+                <a:spcPts val="0"/>
+              </a:spcAft>
+              <a:buNone/>
+            </a:pPr>
+            <a:r>
+              <a:rPr lang="ko"/>
+              <a:t>updateform)</a:t>
+            </a:r>
+            <a:endParaRPr/>
           </a:p>
         </p:txBody>
       </p:sp>
-      <p:cxnSp>
-        <p:nvCxnSpPr>
+      <p:sp>
+        <p:nvSpPr>
           <p:cNvPr id="95" name="Google Shape;95;p14"/>
-          <p:cNvCxnSpPr>
-            <a:stCxn id="93" idx="2"/>
-            <a:endCxn id="94" idx="0"/>
-          </p:cNvCxnSpPr>
+          <p:cNvSpPr/>
           <p:nvPr/>
-        </p:nvCxnSpPr>
-        <p:spPr>
-          <a:xfrm flipH="1">
-            <a:off x="6274550" y="2269650"/>
-            <a:ext cx="5325" cy="1051350"/>
-          </a:xfrm>
-          <a:prstGeom prst="straightConnector1">
-            <a:avLst/>
+        </p:nvSpPr>
+        <p:spPr>
+          <a:xfrm>
+            <a:off x="5409700" y="2482500"/>
+            <a:ext cx="1729500" cy="1144500"/>
+          </a:xfrm>
+          <a:prstGeom prst="roundRect">
+            <a:avLst>
+              <a:gd fmla="val 16667" name="adj"/>
+            </a:avLst>
           </a:prstGeom>
-          <a:noFill/>
-          <a:ln w="9525" cap="flat" cmpd="sng">
+          <a:solidFill>
+            <a:schemeClr val="lt2"/>
+          </a:solidFill>
+          <a:ln cap="flat" cmpd="sng" w="9525">
             <a:solidFill>
               <a:schemeClr val="dk2"/>
             </a:solidFill>
             <a:prstDash val="solid"/>
             <a:round/>
-            <a:headEnd type="none" w="med" len="med"/>
-            <a:tailEnd type="triangle" w="med" len="med"/>
+            <a:headEnd len="sm" w="sm" type="none"/>
+            <a:tailEnd len="sm" w="sm" type="none"/>
+          </a:ln>
+        </p:spPr>
+        <p:txBody>
+          <a:bodyPr anchorCtr="0" anchor="ctr" bIns="91425" lIns="91425" spcFirstLastPara="1" rIns="91425" wrap="square" tIns="91425">
+            <a:noAutofit/>
+          </a:bodyPr>
+          <a:lstStyle/>
+          <a:p>
+            <a:pPr indent="0" lvl="0" marL="0" rtl="0" algn="l">
+              <a:spcBef>
+                <a:spcPts val="0"/>
+              </a:spcBef>
+              <a:spcAft>
+                <a:spcPts val="0"/>
+              </a:spcAft>
+              <a:buNone/>
+            </a:pPr>
+            <a:r>
+              <a:rPr lang="ko" sz="1200"/>
+              <a:t>updateform.jsp</a:t>
+            </a:r>
+            <a:endParaRPr sz="1200"/>
+          </a:p>
+          <a:p>
+            <a:pPr indent="0" lvl="0" marL="0" rtl="0" algn="l">
+              <a:spcBef>
+                <a:spcPts val="0"/>
+              </a:spcBef>
+              <a:spcAft>
+                <a:spcPts val="0"/>
+              </a:spcAft>
+              <a:buNone/>
+            </a:pPr>
+            <a:r>
+              <a:t/>
+            </a:r>
+            <a:endParaRPr sz="1200"/>
+          </a:p>
+          <a:p>
+            <a:pPr indent="0" lvl="0" marL="0" rtl="0" algn="l">
+              <a:spcBef>
+                <a:spcPts val="0"/>
+              </a:spcBef>
+              <a:spcAft>
+                <a:spcPts val="0"/>
+              </a:spcAft>
+              <a:buNone/>
+            </a:pPr>
+            <a:r>
+              <a:rPr lang="ko" sz="1200"/>
+              <a:t>request.getAttribute()</a:t>
+            </a:r>
+            <a:endParaRPr sz="1200"/>
+          </a:p>
+          <a:p>
+            <a:pPr indent="0" lvl="0" marL="0" rtl="0" algn="l">
+              <a:spcBef>
+                <a:spcPts val="0"/>
+              </a:spcBef>
+              <a:spcAft>
+                <a:spcPts val="0"/>
+              </a:spcAft>
+              <a:buNone/>
+            </a:pPr>
+            <a:r>
+              <a:t/>
+            </a:r>
+            <a:endParaRPr sz="1200"/>
+          </a:p>
+          <a:p>
+            <a:pPr indent="0" lvl="0" marL="0" rtl="0" algn="l">
+              <a:spcBef>
+                <a:spcPts val="0"/>
+              </a:spcBef>
+              <a:spcAft>
+                <a:spcPts val="0"/>
+              </a:spcAft>
+              <a:buNone/>
+            </a:pPr>
+            <a:r>
+              <a:rPr lang="ko" sz="1200"/>
+              <a:t>html</a:t>
+            </a:r>
+            <a:endParaRPr sz="1200"/>
+          </a:p>
+        </p:txBody>
+      </p:sp>
+      <p:cxnSp>
+        <p:nvCxnSpPr>
+          <p:cNvPr id="96" name="Google Shape;96;p14"/>
+          <p:cNvCxnSpPr>
+            <a:stCxn id="94" idx="2"/>
+            <a:endCxn id="95" idx="0"/>
+          </p:cNvCxnSpPr>
+          <p:nvPr/>
+        </p:nvCxnSpPr>
+        <p:spPr>
+          <a:xfrm>
+            <a:off x="6274450" y="1956750"/>
+            <a:ext cx="0" cy="525900"/>
+          </a:xfrm>
+          <a:prstGeom prst="straightConnector1">
+            <a:avLst/>
+          </a:prstGeom>
+          <a:noFill/>
+          <a:ln cap="flat" cmpd="sng" w="9525">
+            <a:solidFill>
+              <a:schemeClr val="dk2"/>
+            </a:solidFill>
+            <a:prstDash val="solid"/>
+            <a:round/>
+            <a:headEnd len="med" w="med" type="none"/>
+            <a:tailEnd len="med" w="med" type="triangle"/>
           </a:ln>
         </p:spPr>
       </p:cxnSp>
       <p:sp>
         <p:nvSpPr>
-          <p:cNvPr id="96" name="Google Shape;96;p14"/>
+          <p:cNvPr id="97" name="Google Shape;97;p14"/>
           <p:cNvSpPr txBox="1"/>
           <p:nvPr/>
         </p:nvSpPr>
         <p:spPr>
           <a:xfrm>
-            <a:off x="7220125" y="1209000"/>
+            <a:off x="7225525" y="2162275"/>
             <a:ext cx="1794300" cy="3256500"/>
           </a:xfrm>
           <a:prstGeom prst="rect">
@@ -8271,23 +8202,23 @@
           <a:solidFill>
             <a:srgbClr val="D9EAD3"/>
           </a:solidFill>
-          <a:ln w="9525" cap="flat" cmpd="sng">
+          <a:ln cap="flat" cmpd="sng" w="9525">
             <a:solidFill>
               <a:schemeClr val="dk1"/>
             </a:solidFill>
             <a:prstDash val="solid"/>
             <a:round/>
-            <a:headEnd type="none" w="sm" len="sm"/>
-            <a:tailEnd type="none" w="sm" len="sm"/>
+            <a:headEnd len="sm" w="sm" type="none"/>
+            <a:tailEnd len="sm" w="sm" type="none"/>
           </a:ln>
         </p:spPr>
         <p:txBody>
-          <a:bodyPr spcFirstLastPara="1" wrap="square" lIns="91425" tIns="91425" rIns="91425" bIns="91425" anchor="t" anchorCtr="0">
+          <a:bodyPr anchorCtr="0" anchor="t" bIns="91425" lIns="91425" spcFirstLastPara="1" rIns="91425" wrap="square" tIns="91425">
             <a:noAutofit/>
           </a:bodyPr>
           <a:lstStyle/>
           <a:p>
-            <a:pPr marL="0" lvl="0" indent="0" algn="l" rtl="0">
+            <a:pPr indent="0" lvl="0" marL="0" rtl="0" algn="l">
               <a:spcBef>
                 <a:spcPts val="0"/>
               </a:spcBef>
@@ -8303,19 +8234,22 @@
             <a:endParaRPr sz="1300"/>
           </a:p>
           <a:p>
-            <a:pPr marL="0" lvl="0" indent="0" algn="l" rtl="0">
-              <a:spcBef>
-                <a:spcPts val="0"/>
-              </a:spcBef>
-              <a:spcAft>
-                <a:spcPts val="0"/>
-              </a:spcAft>
-              <a:buNone/>
-            </a:pPr>
+            <a:pPr indent="0" lvl="0" marL="0" rtl="0" algn="l">
+              <a:spcBef>
+                <a:spcPts val="0"/>
+              </a:spcBef>
+              <a:spcAft>
+                <a:spcPts val="0"/>
+              </a:spcAft>
+              <a:buNone/>
+            </a:pPr>
+            <a:r>
+              <a:t/>
+            </a:r>
             <a:endParaRPr sz="1300"/>
           </a:p>
           <a:p>
-            <a:pPr marL="25400" lvl="0" indent="0" algn="l" rtl="0">
+            <a:pPr indent="0" lvl="0" marL="25400" rtl="0" algn="l">
               <a:lnSpc>
                 <a:spcPct val="115000"/>
               </a:lnSpc>
@@ -8341,7 +8275,7 @@
             <a:endParaRPr sz="1300"/>
           </a:p>
           <a:p>
-            <a:pPr marL="0" lvl="0" indent="0" algn="l" rtl="0">
+            <a:pPr indent="0" lvl="0" marL="0" rtl="0" algn="l">
               <a:spcBef>
                 <a:spcPts val="0"/>
               </a:spcBef>
@@ -8357,19 +8291,22 @@
             <a:endParaRPr sz="1300"/>
           </a:p>
           <a:p>
-            <a:pPr marL="0" lvl="0" indent="0" algn="l" rtl="0">
-              <a:spcBef>
-                <a:spcPts val="0"/>
-              </a:spcBef>
-              <a:spcAft>
-                <a:spcPts val="0"/>
-              </a:spcAft>
-              <a:buNone/>
-            </a:pPr>
+            <a:pPr indent="0" lvl="0" marL="0" rtl="0" algn="l">
+              <a:spcBef>
+                <a:spcPts val="0"/>
+              </a:spcBef>
+              <a:spcAft>
+                <a:spcPts val="0"/>
+              </a:spcAft>
+              <a:buNone/>
+            </a:pPr>
+            <a:r>
+              <a:t/>
+            </a:r>
             <a:endParaRPr sz="1300"/>
           </a:p>
           <a:p>
-            <a:pPr marL="0" lvl="0" indent="0" algn="l" rtl="0">
+            <a:pPr indent="0" lvl="0" marL="0" rtl="0" algn="l">
               <a:spcBef>
                 <a:spcPts val="0"/>
               </a:spcBef>
@@ -8385,7 +8322,7 @@
             <a:endParaRPr sz="1300"/>
           </a:p>
           <a:p>
-            <a:pPr marL="0" lvl="0" indent="0" algn="l" rtl="0">
+            <a:pPr indent="0" lvl="0" marL="0" rtl="0" algn="l">
               <a:spcBef>
                 <a:spcPts val="0"/>
               </a:spcBef>
@@ -8401,7 +8338,7 @@
             <a:endParaRPr sz="1300"/>
           </a:p>
           <a:p>
-            <a:pPr marL="0" lvl="0" indent="0" algn="l" rtl="0">
+            <a:pPr indent="0" lvl="0" marL="0" rtl="0" algn="l">
               <a:spcBef>
                 <a:spcPts val="0"/>
               </a:spcBef>
@@ -8417,7 +8354,7 @@
             <a:endParaRPr sz="1300"/>
           </a:p>
           <a:p>
-            <a:pPr marL="0" lvl="0" indent="0" algn="l" rtl="0">
+            <a:pPr indent="0" lvl="0" marL="0" rtl="0" algn="l">
               <a:spcBef>
                 <a:spcPts val="0"/>
               </a:spcBef>
@@ -8433,7 +8370,7 @@
             <a:endParaRPr sz="1300"/>
           </a:p>
           <a:p>
-            <a:pPr marL="0" lvl="0" indent="0" algn="l" rtl="0">
+            <a:pPr indent="0" lvl="0" marL="0" rtl="0" algn="l">
               <a:spcBef>
                 <a:spcPts val="0"/>
               </a:spcBef>
@@ -8449,7 +8386,7 @@
             <a:endParaRPr sz="1300"/>
           </a:p>
           <a:p>
-            <a:pPr marL="0" lvl="0" indent="0" algn="l" rtl="0">
+            <a:pPr indent="0" lvl="0" marL="0" rtl="0" algn="l">
               <a:spcBef>
                 <a:spcPts val="0"/>
               </a:spcBef>
@@ -8465,7 +8402,7 @@
             <a:endParaRPr sz="1300"/>
           </a:p>
           <a:p>
-            <a:pPr marL="0" lvl="0" indent="0" algn="l" rtl="0">
+            <a:pPr indent="0" lvl="0" marL="0" rtl="0" algn="l">
               <a:spcBef>
                 <a:spcPts val="0"/>
               </a:spcBef>
@@ -8489,7 +8426,7 @@
             </a:endParaRPr>
           </a:p>
           <a:p>
-            <a:pPr marL="0" lvl="0" indent="0" algn="l" rtl="0">
+            <a:pPr indent="0" lvl="0" marL="0" rtl="0" algn="l">
               <a:spcBef>
                 <a:spcPts val="0"/>
               </a:spcBef>
@@ -8516,13 +8453,13 @@
       </p:sp>
       <p:sp>
         <p:nvSpPr>
-          <p:cNvPr id="97" name="Google Shape;97;p14"/>
+          <p:cNvPr id="98" name="Google Shape;98;p14"/>
           <p:cNvSpPr/>
           <p:nvPr/>
         </p:nvSpPr>
         <p:spPr>
           <a:xfrm>
-            <a:off x="183750" y="3124950"/>
+            <a:off x="178325" y="2812050"/>
             <a:ext cx="1329600" cy="1144500"/>
           </a:xfrm>
           <a:prstGeom prst="rect">
@@ -8531,23 +8468,23 @@
           <a:solidFill>
             <a:schemeClr val="lt2"/>
           </a:solidFill>
-          <a:ln w="9525" cap="flat" cmpd="sng">
+          <a:ln cap="flat" cmpd="sng" w="9525">
             <a:solidFill>
               <a:schemeClr val="dk2"/>
             </a:solidFill>
             <a:prstDash val="solid"/>
             <a:round/>
-            <a:headEnd type="none" w="sm" len="sm"/>
-            <a:tailEnd type="none" w="sm" len="sm"/>
+            <a:headEnd len="sm" w="sm" type="none"/>
+            <a:tailEnd len="sm" w="sm" type="none"/>
           </a:ln>
         </p:spPr>
         <p:txBody>
-          <a:bodyPr spcFirstLastPara="1" wrap="square" lIns="91425" tIns="91425" rIns="91425" bIns="91425" anchor="ctr" anchorCtr="0">
+          <a:bodyPr anchorCtr="0" anchor="ctr" bIns="91425" lIns="91425" spcFirstLastPara="1" rIns="91425" wrap="square" tIns="91425">
             <a:noAutofit/>
           </a:bodyPr>
           <a:lstStyle/>
           <a:p>
-            <a:pPr marL="0" lvl="0" indent="0" algn="l" rtl="0">
+            <a:pPr indent="0" lvl="0" marL="0" rtl="0" algn="l">
               <a:spcBef>
                 <a:spcPts val="0"/>
               </a:spcBef>
@@ -8563,7 +8500,7 @@
             <a:endParaRPr sz="1200"/>
           </a:p>
           <a:p>
-            <a:pPr marL="0" lvl="0" indent="0" algn="l" rtl="0">
+            <a:pPr indent="0" lvl="0" marL="0" rtl="0" algn="l">
               <a:spcBef>
                 <a:spcPts val="0"/>
               </a:spcBef>
@@ -8577,36 +8514,336 @@
               <a:t>의 html</a:t>
             </a:r>
             <a:endParaRPr sz="1200"/>
+          </a:p>
+        </p:txBody>
+      </p:sp>
+      <p:pic>
+        <p:nvPicPr>
+          <p:cNvPr id="99" name="Google Shape;99;p14"/>
+          <p:cNvPicPr preferRelativeResize="0"/>
+          <p:nvPr/>
+        </p:nvPicPr>
+        <p:blipFill>
+          <a:blip r:embed="rId3">
+            <a:alphaModFix/>
+          </a:blip>
+          <a:stretch>
+            <a:fillRect/>
+          </a:stretch>
+        </p:blipFill>
+        <p:spPr>
+          <a:xfrm>
+            <a:off x="5054050" y="2015475"/>
+            <a:ext cx="1134167" cy="408300"/>
+          </a:xfrm>
+          <a:prstGeom prst="rect">
+            <a:avLst/>
+          </a:prstGeom>
+          <a:noFill/>
+          <a:ln>
+            <a:noFill/>
+          </a:ln>
+        </p:spPr>
+      </p:pic>
+      <p:sp>
+        <p:nvSpPr>
+          <p:cNvPr id="100" name="Google Shape;100;p14"/>
+          <p:cNvSpPr/>
+          <p:nvPr/>
+        </p:nvSpPr>
+        <p:spPr>
+          <a:xfrm>
+            <a:off x="6380988" y="-336187"/>
+            <a:ext cx="962100" cy="918725"/>
+          </a:xfrm>
+          <a:prstGeom prst="flowChartMagneticDisk">
+            <a:avLst/>
+          </a:prstGeom>
+          <a:solidFill>
+            <a:schemeClr val="lt2"/>
+          </a:solidFill>
+          <a:ln cap="flat" cmpd="sng" w="9525">
+            <a:solidFill>
+              <a:schemeClr val="dk2"/>
+            </a:solidFill>
+            <a:prstDash val="solid"/>
+            <a:round/>
+            <a:headEnd len="sm" w="sm" type="none"/>
+            <a:tailEnd len="sm" w="sm" type="none"/>
+          </a:ln>
+        </p:spPr>
+        <p:txBody>
+          <a:bodyPr anchorCtr="0" anchor="ctr" bIns="91425" lIns="91425" spcFirstLastPara="1" rIns="91425" wrap="square" tIns="91425">
+            <a:noAutofit/>
+          </a:bodyPr>
+          <a:lstStyle/>
+          <a:p>
+            <a:pPr indent="0" lvl="0" marL="0" rtl="0" algn="ctr">
+              <a:spcBef>
+                <a:spcPts val="0"/>
+              </a:spcBef>
+              <a:spcAft>
+                <a:spcPts val="0"/>
+              </a:spcAft>
+              <a:buNone/>
+            </a:pPr>
+            <a:r>
+              <a:rPr lang="ko"/>
+              <a:t>DB</a:t>
+            </a:r>
+            <a:endParaRPr/>
           </a:p>
         </p:txBody>
       </p:sp>
       <p:sp>
         <p:nvSpPr>
-          <p:cNvPr id="4" name="TextBox 3"/>
+          <p:cNvPr id="101" name="Google Shape;101;p14"/>
+          <p:cNvSpPr/>
+          <p:nvPr/>
+        </p:nvSpPr>
+        <p:spPr>
+          <a:xfrm>
+            <a:off x="7679500" y="902725"/>
+            <a:ext cx="1261800" cy="975000"/>
+          </a:xfrm>
+          <a:prstGeom prst="roundRect">
+            <a:avLst>
+              <a:gd fmla="val 16667" name="adj"/>
+            </a:avLst>
+          </a:prstGeom>
+          <a:solidFill>
+            <a:schemeClr val="lt2"/>
+          </a:solidFill>
+          <a:ln cap="flat" cmpd="sng" w="9525">
+            <a:solidFill>
+              <a:schemeClr val="dk2"/>
+            </a:solidFill>
+            <a:prstDash val="solid"/>
+            <a:round/>
+            <a:headEnd len="sm" w="sm" type="none"/>
+            <a:tailEnd len="sm" w="sm" type="none"/>
+          </a:ln>
+        </p:spPr>
+        <p:txBody>
+          <a:bodyPr anchorCtr="0" anchor="ctr" bIns="91425" lIns="91425" spcFirstLastPara="1" rIns="91425" wrap="square" tIns="91425">
+            <a:noAutofit/>
+          </a:bodyPr>
+          <a:lstStyle/>
+          <a:p>
+            <a:pPr indent="0" lvl="0" marL="0" rtl="0" algn="l">
+              <a:spcBef>
+                <a:spcPts val="0"/>
+              </a:spcBef>
+              <a:spcAft>
+                <a:spcPts val="0"/>
+              </a:spcAft>
+              <a:buNone/>
+            </a:pPr>
+            <a:r>
+              <a:rPr lang="ko"/>
+              <a:t>PersonDao</a:t>
+            </a:r>
+            <a:endParaRPr/>
+          </a:p>
+          <a:p>
+            <a:pPr indent="0" lvl="0" marL="0" rtl="0" algn="l">
+              <a:spcBef>
+                <a:spcPts val="0"/>
+              </a:spcBef>
+              <a:spcAft>
+                <a:spcPts val="0"/>
+              </a:spcAft>
+              <a:buNone/>
+            </a:pPr>
+            <a:r>
+              <a:t/>
+            </a:r>
+            <a:endParaRPr/>
+          </a:p>
+          <a:p>
+            <a:pPr indent="0" lvl="0" marL="25400" rtl="0" algn="l">
+              <a:lnSpc>
+                <a:spcPct val="115000"/>
+              </a:lnSpc>
+              <a:spcBef>
+                <a:spcPts val="0"/>
+              </a:spcBef>
+              <a:spcAft>
+                <a:spcPts val="0"/>
+              </a:spcAft>
+              <a:buNone/>
+            </a:pPr>
+            <a:r>
+              <a:rPr lang="ko" sz="1200" u="sng">
+                <a:solidFill>
+                  <a:srgbClr val="66AFF9"/>
+                </a:solidFill>
+                <a:highlight>
+                  <a:srgbClr val="373737"/>
+                </a:highlight>
+              </a:rPr>
+              <a:t>getPerson()</a:t>
+            </a:r>
+            <a:endParaRPr/>
+          </a:p>
+        </p:txBody>
+      </p:sp>
+      <p:cxnSp>
+        <p:nvCxnSpPr>
+          <p:cNvPr id="102" name="Google Shape;102;p14"/>
+          <p:cNvCxnSpPr/>
+          <p:nvPr/>
+        </p:nvCxnSpPr>
+        <p:spPr>
+          <a:xfrm flipH="1" rot="10800000">
+            <a:off x="7149988" y="1220238"/>
+            <a:ext cx="518700" cy="10800"/>
+          </a:xfrm>
+          <a:prstGeom prst="straightConnector1">
+            <a:avLst/>
+          </a:prstGeom>
+          <a:noFill/>
+          <a:ln cap="flat" cmpd="sng" w="9525">
+            <a:solidFill>
+              <a:schemeClr val="dk2"/>
+            </a:solidFill>
+            <a:prstDash val="solid"/>
+            <a:round/>
+            <a:headEnd len="med" w="med" type="none"/>
+            <a:tailEnd len="med" w="med" type="triangle"/>
+          </a:ln>
+        </p:spPr>
+      </p:cxnSp>
+      <p:cxnSp>
+        <p:nvCxnSpPr>
+          <p:cNvPr id="103" name="Google Shape;103;p14"/>
+          <p:cNvCxnSpPr/>
+          <p:nvPr/>
+        </p:nvCxnSpPr>
+        <p:spPr>
+          <a:xfrm rot="10800000">
+            <a:off x="7139188" y="1622163"/>
+            <a:ext cx="540300" cy="0"/>
+          </a:xfrm>
+          <a:prstGeom prst="straightConnector1">
+            <a:avLst/>
+          </a:prstGeom>
+          <a:noFill/>
+          <a:ln cap="flat" cmpd="sng" w="9525">
+            <a:solidFill>
+              <a:schemeClr val="dk2"/>
+            </a:solidFill>
+            <a:prstDash val="solid"/>
+            <a:round/>
+            <a:headEnd len="med" w="med" type="none"/>
+            <a:tailEnd len="med" w="med" type="triangle"/>
+          </a:ln>
+        </p:spPr>
+      </p:cxnSp>
+      <p:cxnSp>
+        <p:nvCxnSpPr>
+          <p:cNvPr id="104" name="Google Shape;104;p14"/>
+          <p:cNvCxnSpPr/>
+          <p:nvPr/>
+        </p:nvCxnSpPr>
+        <p:spPr>
+          <a:xfrm rot="10800000">
+            <a:off x="7343088" y="335863"/>
+            <a:ext cx="659700" cy="517800"/>
+          </a:xfrm>
+          <a:prstGeom prst="straightConnector1">
+            <a:avLst/>
+          </a:prstGeom>
+          <a:noFill/>
+          <a:ln cap="flat" cmpd="sng" w="9525">
+            <a:solidFill>
+              <a:schemeClr val="dk2"/>
+            </a:solidFill>
+            <a:prstDash val="solid"/>
+            <a:round/>
+            <a:headEnd len="med" w="med" type="none"/>
+            <a:tailEnd len="med" w="med" type="triangle"/>
+          </a:ln>
+        </p:spPr>
+      </p:cxnSp>
+      <p:cxnSp>
+        <p:nvCxnSpPr>
+          <p:cNvPr id="105" name="Google Shape;105;p14"/>
+          <p:cNvCxnSpPr>
+            <a:stCxn id="100" idx="4"/>
+            <a:endCxn id="101" idx="0"/>
+          </p:cNvCxnSpPr>
+          <p:nvPr/>
+        </p:nvCxnSpPr>
+        <p:spPr>
+          <a:xfrm>
+            <a:off x="7343088" y="123175"/>
+            <a:ext cx="967200" cy="779400"/>
+          </a:xfrm>
+          <a:prstGeom prst="straightConnector1">
+            <a:avLst/>
+          </a:prstGeom>
+          <a:noFill/>
+          <a:ln cap="flat" cmpd="sng" w="9525">
+            <a:solidFill>
+              <a:schemeClr val="dk2"/>
+            </a:solidFill>
+            <a:prstDash val="solid"/>
+            <a:round/>
+            <a:headEnd len="med" w="med" type="none"/>
+            <a:tailEnd len="med" w="med" type="triangle"/>
+          </a:ln>
+        </p:spPr>
+      </p:cxnSp>
+      <p:sp>
+        <p:nvSpPr>
+          <p:cNvPr id="106" name="Google Shape;106;p14"/>
           <p:cNvSpPr txBox="1"/>
           <p:nvPr/>
         </p:nvSpPr>
         <p:spPr>
           <a:xfrm>
-            <a:off x="5288613" y="2603925"/>
-            <a:ext cx="1048600" cy="307777"/>
+            <a:off x="7150000" y="853675"/>
+            <a:ext cx="518700" cy="338700"/>
           </a:xfrm>
           <a:prstGeom prst="rect">
             <a:avLst/>
           </a:prstGeom>
           <a:noFill/>
+          <a:ln cap="flat" cmpd="sng" w="9525">
+            <a:solidFill>
+              <a:schemeClr val="dk1"/>
+            </a:solidFill>
+            <a:prstDash val="solid"/>
+            <a:round/>
+            <a:headEnd len="sm" w="sm" type="none"/>
+            <a:tailEnd len="sm" w="sm" type="none"/>
+          </a:ln>
         </p:spPr>
         <p:txBody>
-          <a:bodyPr wrap="square" rtlCol="0">
+          <a:bodyPr anchorCtr="0" anchor="t" bIns="91425" lIns="91425" spcFirstLastPara="1" rIns="91425" wrap="square" tIns="91425">
             <a:spAutoFit/>
           </a:bodyPr>
           <a:lstStyle/>
           <a:p>
-            <a:r>
-              <a:rPr lang="en-US" altLang="ko-KR" dirty="0" smtClean="0"/>
-              <a:t>forward -&gt;</a:t>
-            </a:r>
-            <a:endParaRPr lang="ko-KR" altLang="en-US" dirty="0"/>
+            <a:pPr indent="0" lvl="0" marL="0" rtl="0" algn="l">
+              <a:spcBef>
+                <a:spcPts val="0"/>
+              </a:spcBef>
+              <a:spcAft>
+                <a:spcPts val="0"/>
+              </a:spcAft>
+              <a:buNone/>
+            </a:pPr>
+            <a:r>
+              <a:rPr lang="ko" sz="1000">
+                <a:solidFill>
+                  <a:schemeClr val="dk1"/>
+                </a:solidFill>
+              </a:rPr>
+              <a:t>id = 3</a:t>
+            </a:r>
+            <a:endParaRPr sz="1000"/>
           </a:p>
         </p:txBody>
       </p:sp>
@@ -8619,11 +8856,11 @@
 </file>
 
 <file path=ppt/slides/slide3.xml><?xml version="1.0" encoding="utf-8"?>
-<p:sld xmlns:a="http://schemas.openxmlformats.org/drawingml/2006/main" xmlns:r="http://schemas.openxmlformats.org/officeDocument/2006/relationships" xmlns:p="http://schemas.openxmlformats.org/presentationml/2006/main">
+<p:sld xmlns:a="http://schemas.openxmlformats.org/drawingml/2006/main" xmlns:r="http://schemas.openxmlformats.org/officeDocument/2006/relationships" xmlns:mc="http://schemas.openxmlformats.org/markup-compatibility/2006" xmlns:mv="urn:schemas-microsoft-com:mac:vml" xmlns:p="http://schemas.openxmlformats.org/presentationml/2006/main" xmlns:c="http://schemas.openxmlformats.org/drawingml/2006/chart" xmlns:dgm="http://schemas.openxmlformats.org/drawingml/2006/diagram" xmlns:o="urn:schemas-microsoft-com:office:office" xmlns:v="urn:schemas-microsoft-com:vml" xmlns:pvml="urn:schemas-microsoft-com:office:powerpoint" xmlns:com="http://schemas.openxmlformats.org/drawingml/2006/compatibility" xmlns:p14="http://schemas.microsoft.com/office/powerpoint/2010/main" xmlns:p15="http://schemas.microsoft.com/office/powerpoint/2012/main" xmlns:ahyp="http://schemas.microsoft.com/office/drawing/2018/hyperlinkcolor">
   <p:cSld>
     <p:spTree>
       <p:nvGrpSpPr>
-        <p:cNvPr id="1" name="Shape 101"/>
+        <p:cNvPr id="110" name="Shape 110"/>
         <p:cNvGrpSpPr/>
         <p:nvPr/>
       </p:nvGrpSpPr>
@@ -8637,7 +8874,7 @@
       </p:grpSpPr>
       <p:sp>
         <p:nvSpPr>
-          <p:cNvPr id="102" name="Google Shape;102;p15"/>
+          <p:cNvPr id="111" name="Google Shape;111;p15"/>
           <p:cNvSpPr/>
           <p:nvPr/>
         </p:nvSpPr>
@@ -8652,23 +8889,23 @@
           <a:solidFill>
             <a:schemeClr val="lt2"/>
           </a:solidFill>
-          <a:ln w="9525" cap="flat" cmpd="sng">
+          <a:ln cap="flat" cmpd="sng" w="9525">
             <a:solidFill>
               <a:schemeClr val="dk2"/>
             </a:solidFill>
             <a:prstDash val="solid"/>
             <a:round/>
-            <a:headEnd type="none" w="sm" len="sm"/>
-            <a:tailEnd type="none" w="sm" len="sm"/>
+            <a:headEnd len="sm" w="sm" type="none"/>
+            <a:tailEnd len="sm" w="sm" type="none"/>
           </a:ln>
         </p:spPr>
         <p:txBody>
-          <a:bodyPr spcFirstLastPara="1" wrap="square" lIns="91425" tIns="91425" rIns="91425" bIns="91425" anchor="ctr" anchorCtr="0">
+          <a:bodyPr anchorCtr="0" anchor="ctr" bIns="91425" lIns="91425" spcFirstLastPara="1" rIns="91425" wrap="square" tIns="91425">
             <a:noAutofit/>
           </a:bodyPr>
           <a:lstStyle/>
           <a:p>
-            <a:pPr marL="0" lvl="0" indent="0" algn="ctr" rtl="0">
+            <a:pPr indent="0" lvl="0" marL="0" rtl="0" algn="ctr">
               <a:spcBef>
                 <a:spcPts val="0"/>
               </a:spcBef>
@@ -8680,372 +8917,6 @@
             <a:r>
               <a:rPr lang="ko"/>
               <a:t>리스트</a:t>
-            </a:r>
-            <a:endParaRPr/>
-          </a:p>
-        </p:txBody>
-      </p:sp>
-      <p:sp>
-        <p:nvSpPr>
-          <p:cNvPr id="103" name="Google Shape;103;p15"/>
-          <p:cNvSpPr/>
-          <p:nvPr/>
-        </p:nvSpPr>
-        <p:spPr>
-          <a:xfrm>
-            <a:off x="4101750" y="1125150"/>
-            <a:ext cx="4766700" cy="2355300"/>
-          </a:xfrm>
-          <a:prstGeom prst="rect">
-            <a:avLst/>
-          </a:prstGeom>
-          <a:solidFill>
-            <a:schemeClr val="lt2"/>
-          </a:solidFill>
-          <a:ln w="9525" cap="flat" cmpd="sng">
-            <a:solidFill>
-              <a:schemeClr val="dk2"/>
-            </a:solidFill>
-            <a:prstDash val="solid"/>
-            <a:round/>
-            <a:headEnd type="none" w="sm" len="sm"/>
-            <a:tailEnd type="none" w="sm" len="sm"/>
-          </a:ln>
-        </p:spPr>
-        <p:txBody>
-          <a:bodyPr spcFirstLastPara="1" wrap="square" lIns="91425" tIns="91425" rIns="91425" bIns="91425" anchor="ctr" anchorCtr="0">
-            <a:noAutofit/>
-          </a:bodyPr>
-          <a:lstStyle/>
-          <a:p>
-            <a:pPr marL="0" lvl="0" indent="0" algn="ctr" rtl="0">
-              <a:spcBef>
-                <a:spcPts val="0"/>
-              </a:spcBef>
-              <a:spcAft>
-                <a:spcPts val="0"/>
-              </a:spcAft>
-              <a:buNone/>
-            </a:pPr>
-            <a:endParaRPr/>
-          </a:p>
-        </p:txBody>
-      </p:sp>
-      <p:sp>
-        <p:nvSpPr>
-          <p:cNvPr id="104" name="Google Shape;104;p15"/>
-          <p:cNvSpPr txBox="1"/>
-          <p:nvPr/>
-        </p:nvSpPr>
-        <p:spPr>
-          <a:xfrm>
-            <a:off x="7960650" y="724950"/>
-            <a:ext cx="907800" cy="400200"/>
-          </a:xfrm>
-          <a:prstGeom prst="rect">
-            <a:avLst/>
-          </a:prstGeom>
-          <a:noFill/>
-          <a:ln>
-            <a:noFill/>
-          </a:ln>
-        </p:spPr>
-        <p:txBody>
-          <a:bodyPr spcFirstLastPara="1" wrap="square" lIns="91425" tIns="91425" rIns="91425" bIns="91425" anchor="t" anchorCtr="0">
-            <a:spAutoFit/>
-          </a:bodyPr>
-          <a:lstStyle/>
-          <a:p>
-            <a:pPr marL="0" lvl="0" indent="0" algn="l" rtl="0">
-              <a:spcBef>
-                <a:spcPts val="0"/>
-              </a:spcBef>
-              <a:spcAft>
-                <a:spcPts val="0"/>
-              </a:spcAft>
-              <a:buNone/>
-            </a:pPr>
-            <a:r>
-              <a:rPr lang="ko"/>
-              <a:t>Tomcat</a:t>
-            </a:r>
-            <a:endParaRPr/>
-          </a:p>
-        </p:txBody>
-      </p:sp>
-      <p:sp>
-        <p:nvSpPr>
-          <p:cNvPr id="105" name="Google Shape;105;p15"/>
-          <p:cNvSpPr/>
-          <p:nvPr/>
-        </p:nvSpPr>
-        <p:spPr>
-          <a:xfrm>
-            <a:off x="7660450" y="4020750"/>
-            <a:ext cx="962100" cy="918725"/>
-          </a:xfrm>
-          <a:prstGeom prst="flowChartMagneticDisk">
-            <a:avLst/>
-          </a:prstGeom>
-          <a:solidFill>
-            <a:schemeClr val="lt2"/>
-          </a:solidFill>
-          <a:ln w="9525" cap="flat" cmpd="sng">
-            <a:solidFill>
-              <a:schemeClr val="dk2"/>
-            </a:solidFill>
-            <a:prstDash val="solid"/>
-            <a:round/>
-            <a:headEnd type="none" w="sm" len="sm"/>
-            <a:tailEnd type="none" w="sm" len="sm"/>
-          </a:ln>
-        </p:spPr>
-        <p:txBody>
-          <a:bodyPr spcFirstLastPara="1" wrap="square" lIns="91425" tIns="91425" rIns="91425" bIns="91425" anchor="ctr" anchorCtr="0">
-            <a:noAutofit/>
-          </a:bodyPr>
-          <a:lstStyle/>
-          <a:p>
-            <a:pPr marL="0" lvl="0" indent="0" algn="ctr" rtl="0">
-              <a:spcBef>
-                <a:spcPts val="0"/>
-              </a:spcBef>
-              <a:spcAft>
-                <a:spcPts val="0"/>
-              </a:spcAft>
-              <a:buNone/>
-            </a:pPr>
-            <a:r>
-              <a:rPr lang="ko"/>
-              <a:t>DB</a:t>
-            </a:r>
-            <a:endParaRPr/>
-          </a:p>
-        </p:txBody>
-      </p:sp>
-      <p:sp>
-        <p:nvSpPr>
-          <p:cNvPr id="106" name="Google Shape;106;p15"/>
-          <p:cNvSpPr/>
-          <p:nvPr/>
-        </p:nvSpPr>
-        <p:spPr>
-          <a:xfrm>
-            <a:off x="4263850" y="1681800"/>
-            <a:ext cx="962100" cy="508800"/>
-          </a:xfrm>
-          <a:prstGeom prst="rect">
-            <a:avLst/>
-          </a:prstGeom>
-          <a:solidFill>
-            <a:srgbClr val="9FC5E8"/>
-          </a:solidFill>
-          <a:ln w="9525" cap="flat" cmpd="sng">
-            <a:solidFill>
-              <a:schemeClr val="dk2"/>
-            </a:solidFill>
-            <a:prstDash val="solid"/>
-            <a:round/>
-            <a:headEnd type="none" w="sm" len="sm"/>
-            <a:tailEnd type="none" w="sm" len="sm"/>
-          </a:ln>
-        </p:spPr>
-        <p:txBody>
-          <a:bodyPr spcFirstLastPara="1" wrap="square" lIns="91425" tIns="91425" rIns="91425" bIns="91425" anchor="ctr" anchorCtr="0">
-            <a:noAutofit/>
-          </a:bodyPr>
-          <a:lstStyle/>
-          <a:p>
-            <a:pPr marL="0" lvl="0" indent="0" algn="l" rtl="0">
-              <a:spcBef>
-                <a:spcPts val="0"/>
-              </a:spcBef>
-              <a:spcAft>
-                <a:spcPts val="0"/>
-              </a:spcAft>
-              <a:buNone/>
-            </a:pPr>
-            <a:r>
-              <a:rPr lang="ko"/>
-              <a:t>request</a:t>
-            </a:r>
-            <a:endParaRPr/>
-          </a:p>
-        </p:txBody>
-      </p:sp>
-      <p:sp>
-        <p:nvSpPr>
-          <p:cNvPr id="107" name="Google Shape;107;p15"/>
-          <p:cNvSpPr/>
-          <p:nvPr/>
-        </p:nvSpPr>
-        <p:spPr>
-          <a:xfrm>
-            <a:off x="4193600" y="2465850"/>
-            <a:ext cx="962100" cy="508800"/>
-          </a:xfrm>
-          <a:prstGeom prst="rect">
-            <a:avLst/>
-          </a:prstGeom>
-          <a:solidFill>
-            <a:srgbClr val="F4CCCC"/>
-          </a:solidFill>
-          <a:ln w="9525" cap="flat" cmpd="sng">
-            <a:solidFill>
-              <a:schemeClr val="dk2"/>
-            </a:solidFill>
-            <a:prstDash val="solid"/>
-            <a:round/>
-            <a:headEnd type="none" w="sm" len="sm"/>
-            <a:tailEnd type="none" w="sm" len="sm"/>
-          </a:ln>
-        </p:spPr>
-        <p:txBody>
-          <a:bodyPr spcFirstLastPara="1" wrap="square" lIns="91425" tIns="91425" rIns="91425" bIns="91425" anchor="ctr" anchorCtr="0">
-            <a:noAutofit/>
-          </a:bodyPr>
-          <a:lstStyle/>
-          <a:p>
-            <a:pPr marL="0" lvl="0" indent="0" algn="l" rtl="0">
-              <a:spcBef>
-                <a:spcPts val="0"/>
-              </a:spcBef>
-              <a:spcAft>
-                <a:spcPts val="0"/>
-              </a:spcAft>
-              <a:buNone/>
-            </a:pPr>
-            <a:r>
-              <a:rPr lang="ko"/>
-              <a:t>response</a:t>
-            </a:r>
-            <a:endParaRPr/>
-          </a:p>
-        </p:txBody>
-      </p:sp>
-      <p:cxnSp>
-        <p:nvCxnSpPr>
-          <p:cNvPr id="108" name="Google Shape;108;p15"/>
-          <p:cNvCxnSpPr/>
-          <p:nvPr/>
-        </p:nvCxnSpPr>
-        <p:spPr>
-          <a:xfrm>
-            <a:off x="1540275" y="1681800"/>
-            <a:ext cx="2534400" cy="317700"/>
-          </a:xfrm>
-          <a:prstGeom prst="straightConnector1">
-            <a:avLst/>
-          </a:prstGeom>
-          <a:noFill/>
-          <a:ln w="9525" cap="flat" cmpd="sng">
-            <a:solidFill>
-              <a:schemeClr val="dk2"/>
-            </a:solidFill>
-            <a:prstDash val="solid"/>
-            <a:round/>
-            <a:headEnd type="none" w="med" len="med"/>
-            <a:tailEnd type="triangle" w="med" len="med"/>
-          </a:ln>
-        </p:spPr>
-      </p:cxnSp>
-      <p:cxnSp>
-        <p:nvCxnSpPr>
-          <p:cNvPr id="109" name="Google Shape;109;p15"/>
-          <p:cNvCxnSpPr>
-            <a:endCxn id="110" idx="3"/>
-          </p:cNvCxnSpPr>
-          <p:nvPr/>
-        </p:nvCxnSpPr>
-        <p:spPr>
-          <a:xfrm flipH="1">
-            <a:off x="1518525" y="2810225"/>
-            <a:ext cx="2577900" cy="902700"/>
-          </a:xfrm>
-          <a:prstGeom prst="straightConnector1">
-            <a:avLst/>
-          </a:prstGeom>
-          <a:noFill/>
-          <a:ln w="9525" cap="flat" cmpd="sng">
-            <a:solidFill>
-              <a:schemeClr val="dk2"/>
-            </a:solidFill>
-            <a:prstDash val="solid"/>
-            <a:round/>
-            <a:headEnd type="none" w="med" len="med"/>
-            <a:tailEnd type="triangle" w="med" len="med"/>
-          </a:ln>
-        </p:spPr>
-      </p:cxnSp>
-      <p:sp>
-        <p:nvSpPr>
-          <p:cNvPr id="111" name="Google Shape;111;p15"/>
-          <p:cNvSpPr/>
-          <p:nvPr/>
-        </p:nvSpPr>
-        <p:spPr>
-          <a:xfrm>
-            <a:off x="2166725" y="1103700"/>
-            <a:ext cx="1729500" cy="789000"/>
-          </a:xfrm>
-          <a:prstGeom prst="rect">
-            <a:avLst/>
-          </a:prstGeom>
-          <a:solidFill>
-            <a:srgbClr val="9FC5E8"/>
-          </a:solidFill>
-          <a:ln w="9525" cap="flat" cmpd="sng">
-            <a:solidFill>
-              <a:schemeClr val="dk2"/>
-            </a:solidFill>
-            <a:prstDash val="solid"/>
-            <a:round/>
-            <a:headEnd type="none" w="sm" len="sm"/>
-            <a:tailEnd type="none" w="sm" len="sm"/>
-          </a:ln>
-        </p:spPr>
-        <p:txBody>
-          <a:bodyPr spcFirstLastPara="1" wrap="square" lIns="91425" tIns="91425" rIns="91425" bIns="91425" anchor="ctr" anchorCtr="0">
-            <a:noAutofit/>
-          </a:bodyPr>
-          <a:lstStyle/>
-          <a:p>
-            <a:pPr marL="0" lvl="0" indent="0" algn="l" rtl="0">
-              <a:spcBef>
-                <a:spcPts val="0"/>
-              </a:spcBef>
-              <a:spcAft>
-                <a:spcPts val="0"/>
-              </a:spcAft>
-              <a:buNone/>
-            </a:pPr>
-            <a:r>
-              <a:rPr lang="ko"/>
-              <a:t>request</a:t>
-            </a:r>
-            <a:endParaRPr/>
-          </a:p>
-          <a:p>
-            <a:pPr marL="0" lvl="0" indent="0" algn="l" rtl="0">
-              <a:spcBef>
-                <a:spcPts val="0"/>
-              </a:spcBef>
-              <a:spcAft>
-                <a:spcPts val="0"/>
-              </a:spcAft>
-              <a:buNone/>
-            </a:pPr>
-            <a:r>
-              <a:rPr lang="ko"/>
-              <a:t>action == </a:t>
-            </a:r>
-            <a:r>
-              <a:rPr lang="ko" sz="1100">
-                <a:solidFill>
-                  <a:schemeClr val="dk1"/>
-                </a:solidFill>
-              </a:rPr>
-              <a:t>update</a:t>
             </a:r>
             <a:endParaRPr/>
           </a:p>
@@ -9059,71 +8930,42 @@
         </p:nvSpPr>
         <p:spPr>
           <a:xfrm>
-            <a:off x="2318225" y="3480450"/>
-            <a:ext cx="1578000" cy="789000"/>
+            <a:off x="4101750" y="1125150"/>
+            <a:ext cx="4766700" cy="2355300"/>
           </a:xfrm>
           <a:prstGeom prst="rect">
             <a:avLst/>
           </a:prstGeom>
           <a:solidFill>
-            <a:srgbClr val="F4CCCC"/>
+            <a:schemeClr val="lt2"/>
           </a:solidFill>
-          <a:ln w="9525" cap="flat" cmpd="sng">
+          <a:ln cap="flat" cmpd="sng" w="9525">
             <a:solidFill>
               <a:schemeClr val="dk2"/>
             </a:solidFill>
             <a:prstDash val="solid"/>
             <a:round/>
-            <a:headEnd type="none" w="sm" len="sm"/>
-            <a:tailEnd type="none" w="sm" len="sm"/>
+            <a:headEnd len="sm" w="sm" type="none"/>
+            <a:tailEnd len="sm" w="sm" type="none"/>
           </a:ln>
         </p:spPr>
         <p:txBody>
-          <a:bodyPr spcFirstLastPara="1" wrap="square" lIns="91425" tIns="91425" rIns="91425" bIns="91425" anchor="ctr" anchorCtr="0">
+          <a:bodyPr anchorCtr="0" anchor="ctr" bIns="91425" lIns="91425" spcFirstLastPara="1" rIns="91425" wrap="square" tIns="91425">
             <a:noAutofit/>
           </a:bodyPr>
           <a:lstStyle/>
           <a:p>
-            <a:pPr marL="0" lvl="0" indent="0" algn="l" rtl="0">
-              <a:spcBef>
-                <a:spcPts val="0"/>
-              </a:spcBef>
-              <a:spcAft>
-                <a:spcPts val="0"/>
-              </a:spcAft>
-              <a:buNone/>
-            </a:pPr>
-            <a:r>
-              <a:rPr lang="ko"/>
-              <a:t>response</a:t>
-            </a:r>
-            <a:endParaRPr/>
-          </a:p>
-          <a:p>
-            <a:pPr marL="0" lvl="0" indent="0" algn="l" rtl="0">
-              <a:spcBef>
-                <a:spcPts val="0"/>
-              </a:spcBef>
-              <a:spcAft>
-                <a:spcPts val="0"/>
-              </a:spcAft>
-              <a:buNone/>
-            </a:pPr>
-            <a:endParaRPr/>
-          </a:p>
-          <a:p>
-            <a:pPr marL="0" lvl="0" indent="0" algn="l" rtl="0">
-              <a:spcBef>
-                <a:spcPts val="0"/>
-              </a:spcBef>
-              <a:spcAft>
-                <a:spcPts val="0"/>
-              </a:spcAft>
-              <a:buNone/>
-            </a:pPr>
-            <a:r>
-              <a:rPr lang="ko"/>
-              <a:t>redirect</a:t>
+            <a:pPr indent="0" lvl="0" marL="0" rtl="0" algn="ctr">
+              <a:spcBef>
+                <a:spcPts val="0"/>
+              </a:spcBef>
+              <a:spcAft>
+                <a:spcPts val="0"/>
+              </a:spcAft>
+              <a:buNone/>
+            </a:pPr>
+            <a:r>
+              <a:t/>
             </a:r>
             <a:endParaRPr/>
           </a:p>
@@ -9137,8 +8979,8 @@
         </p:nvSpPr>
         <p:spPr>
           <a:xfrm>
-            <a:off x="0" y="0"/>
-            <a:ext cx="1891500" cy="400200"/>
+            <a:off x="7960650" y="724950"/>
+            <a:ext cx="907800" cy="400200"/>
           </a:xfrm>
           <a:prstGeom prst="rect">
             <a:avLst/>
@@ -9149,24 +8991,23 @@
           </a:ln>
         </p:spPr>
         <p:txBody>
-          <a:bodyPr spcFirstLastPara="1" wrap="square" lIns="91425" tIns="91425" rIns="91425" bIns="91425" anchor="t" anchorCtr="0">
-            <a:noAutofit/>
+          <a:bodyPr anchorCtr="0" anchor="t" bIns="91425" lIns="91425" spcFirstLastPara="1" rIns="91425" wrap="square" tIns="91425">
+            <a:spAutoFit/>
           </a:bodyPr>
           <a:lstStyle/>
           <a:p>
-            <a:pPr marL="457200" lvl="0" indent="-317500" algn="l" rtl="0">
-              <a:spcBef>
-                <a:spcPts val="0"/>
-              </a:spcBef>
-              <a:spcAft>
-                <a:spcPts val="0"/>
-              </a:spcAft>
-              <a:buSzPts val="1400"/>
-              <a:buChar char="●"/>
+            <a:pPr indent="0" lvl="0" marL="0" rtl="0" algn="l">
+              <a:spcBef>
+                <a:spcPts val="0"/>
+              </a:spcBef>
+              <a:spcAft>
+                <a:spcPts val="0"/>
+              </a:spcAft>
+              <a:buNone/>
             </a:pPr>
             <a:r>
               <a:rPr lang="ko"/>
-              <a:t>update</a:t>
+              <a:t>Tomcat</a:t>
             </a:r>
             <a:endParaRPr/>
           </a:p>
@@ -9175,47 +9016,48 @@
       <p:sp>
         <p:nvSpPr>
           <p:cNvPr id="114" name="Google Shape;114;p15"/>
-          <p:cNvSpPr txBox="1"/>
+          <p:cNvSpPr/>
           <p:nvPr/>
         </p:nvSpPr>
         <p:spPr>
           <a:xfrm>
-            <a:off x="65000" y="746400"/>
-            <a:ext cx="5090700" cy="357300"/>
-          </a:xfrm>
-          <a:prstGeom prst="rect">
+            <a:off x="7660450" y="4020750"/>
+            <a:ext cx="962100" cy="918725"/>
+          </a:xfrm>
+          <a:prstGeom prst="flowChartMagneticDisk">
             <a:avLst/>
           </a:prstGeom>
-          <a:noFill/>
-          <a:ln>
-            <a:noFill/>
+          <a:solidFill>
+            <a:schemeClr val="lt2"/>
+          </a:solidFill>
+          <a:ln cap="flat" cmpd="sng" w="9525">
+            <a:solidFill>
+              <a:schemeClr val="dk2"/>
+            </a:solidFill>
+            <a:prstDash val="solid"/>
+            <a:round/>
+            <a:headEnd len="sm" w="sm" type="none"/>
+            <a:tailEnd len="sm" w="sm" type="none"/>
           </a:ln>
         </p:spPr>
         <p:txBody>
-          <a:bodyPr spcFirstLastPara="1" wrap="square" lIns="91425" tIns="91425" rIns="91425" bIns="91425" anchor="t" anchorCtr="0">
+          <a:bodyPr anchorCtr="0" anchor="ctr" bIns="91425" lIns="91425" spcFirstLastPara="1" rIns="91425" wrap="square" tIns="91425">
             <a:noAutofit/>
           </a:bodyPr>
           <a:lstStyle/>
           <a:p>
-            <a:pPr marL="0" lvl="0" indent="0" algn="l" rtl="0">
-              <a:lnSpc>
-                <a:spcPct val="120000"/>
-              </a:lnSpc>
-              <a:spcBef>
-                <a:spcPts val="0"/>
-              </a:spcBef>
-              <a:spcAft>
-                <a:spcPts val="0"/>
-              </a:spcAft>
-              <a:buNone/>
-            </a:pPr>
-            <a:r>
-              <a:rPr lang="ko" sz="1100">
-                <a:solidFill>
-                  <a:schemeClr val="dk1"/>
-                </a:solidFill>
-              </a:rPr>
-              <a:t>http://localhost:8000/phonebook3/PhonebookController?action=update</a:t>
+            <a:pPr indent="0" lvl="0" marL="0" rtl="0" algn="ctr">
+              <a:spcBef>
+                <a:spcPts val="0"/>
+              </a:spcBef>
+              <a:spcAft>
+                <a:spcPts val="0"/>
+              </a:spcAft>
+              <a:buNone/>
+            </a:pPr>
+            <a:r>
+              <a:rPr lang="ko"/>
+              <a:t>DB</a:t>
             </a:r>
             <a:endParaRPr/>
           </a:p>
@@ -9229,111 +9071,45 @@
         </p:nvSpPr>
         <p:spPr>
           <a:xfrm>
-            <a:off x="5361025" y="1525650"/>
-            <a:ext cx="1437300" cy="1059300"/>
-          </a:xfrm>
-          <a:prstGeom prst="roundRect">
-            <a:avLst>
-              <a:gd name="adj" fmla="val 16667"/>
-            </a:avLst>
+            <a:off x="4263850" y="1681800"/>
+            <a:ext cx="962100" cy="508800"/>
+          </a:xfrm>
+          <a:prstGeom prst="rect">
+            <a:avLst/>
           </a:prstGeom>
           <a:solidFill>
-            <a:schemeClr val="lt2"/>
+            <a:srgbClr val="9FC5E8"/>
           </a:solidFill>
-          <a:ln w="9525" cap="flat" cmpd="sng">
+          <a:ln cap="flat" cmpd="sng" w="9525">
             <a:solidFill>
               <a:schemeClr val="dk2"/>
             </a:solidFill>
             <a:prstDash val="solid"/>
             <a:round/>
-            <a:headEnd type="none" w="sm" len="sm"/>
-            <a:tailEnd type="none" w="sm" len="sm"/>
+            <a:headEnd len="sm" w="sm" type="none"/>
+            <a:tailEnd len="sm" w="sm" type="none"/>
           </a:ln>
         </p:spPr>
         <p:txBody>
-          <a:bodyPr spcFirstLastPara="1" wrap="square" lIns="91425" tIns="91425" rIns="91425" bIns="91425" anchor="ctr" anchorCtr="0">
+          <a:bodyPr anchorCtr="0" anchor="ctr" bIns="91425" lIns="91425" spcFirstLastPara="1" rIns="91425" wrap="square" tIns="91425">
             <a:noAutofit/>
           </a:bodyPr>
           <a:lstStyle/>
           <a:p>
-            <a:pPr marL="0" lvl="0" indent="0" algn="l" rtl="0">
-              <a:spcBef>
-                <a:spcPts val="0"/>
-              </a:spcBef>
-              <a:spcAft>
-                <a:spcPts val="0"/>
-              </a:spcAft>
-              <a:buNone/>
-            </a:pPr>
-            <a:r>
-              <a:rPr lang="ko" dirty="0"/>
-              <a:t>controller.java</a:t>
-            </a:r>
-            <a:endParaRPr dirty="0"/>
-          </a:p>
-          <a:p>
-            <a:pPr marL="0" lvl="0" indent="0" algn="l" rtl="0">
-              <a:spcBef>
-                <a:spcPts val="0"/>
-              </a:spcBef>
-              <a:spcAft>
-                <a:spcPts val="0"/>
-              </a:spcAft>
-              <a:buNone/>
-            </a:pPr>
-            <a:endParaRPr dirty="0"/>
-          </a:p>
-          <a:p>
-            <a:pPr marL="0" lvl="0" indent="0" algn="l" rtl="0">
-              <a:spcBef>
-                <a:spcPts val="0"/>
-              </a:spcBef>
-              <a:spcAft>
-                <a:spcPts val="0"/>
-              </a:spcAft>
-              <a:buNone/>
-            </a:pPr>
-            <a:r>
-              <a:rPr lang="en-US" altLang="ko" dirty="0" smtClean="0"/>
-              <a:t>if(</a:t>
-            </a:r>
-            <a:r>
-              <a:rPr lang="ko" dirty="0" smtClean="0"/>
-              <a:t>action </a:t>
-            </a:r>
-            <a:r>
-              <a:rPr lang="ko" dirty="0"/>
-              <a:t>==</a:t>
-            </a:r>
-            <a:endParaRPr dirty="0"/>
-          </a:p>
-          <a:p>
-            <a:pPr marL="0" lvl="0" indent="0" algn="l" rtl="0">
-              <a:spcBef>
-                <a:spcPts val="0"/>
-              </a:spcBef>
-              <a:spcAft>
-                <a:spcPts val="0"/>
-              </a:spcAft>
-              <a:buNone/>
-            </a:pPr>
-            <a:r>
-              <a:rPr lang="ko" dirty="0" smtClean="0">
-                <a:solidFill>
-                  <a:schemeClr val="dk1"/>
-                </a:solidFill>
-              </a:rPr>
-              <a:t>update</a:t>
-            </a:r>
-            <a:r>
-              <a:rPr lang="en-US" altLang="ko" dirty="0" smtClean="0">
-                <a:solidFill>
-                  <a:schemeClr val="dk1"/>
-                </a:solidFill>
-              </a:rPr>
-              <a:t>)</a:t>
-            </a:r>
-            <a:endParaRPr dirty="0"/>
+            <a:pPr indent="0" lvl="0" marL="0" rtl="0" algn="l">
+              <a:spcBef>
+                <a:spcPts val="0"/>
+              </a:spcBef>
+              <a:spcAft>
+                <a:spcPts val="0"/>
+              </a:spcAft>
+              <a:buNone/>
+            </a:pPr>
+            <a:r>
+              <a:rPr lang="ko"/>
+              <a:t>request</a:t>
+            </a:r>
+            <a:endParaRPr/>
           </a:p>
         </p:txBody>
       </p:sp>
@@ -9345,34 +9121,32 @@
         </p:nvSpPr>
         <p:spPr>
           <a:xfrm>
-            <a:off x="7360650" y="1525650"/>
-            <a:ext cx="1351200" cy="1449000"/>
-          </a:xfrm>
-          <a:prstGeom prst="roundRect">
-            <a:avLst>
-              <a:gd name="adj" fmla="val 16667"/>
-            </a:avLst>
+            <a:off x="4193600" y="2465850"/>
+            <a:ext cx="962100" cy="508800"/>
+          </a:xfrm>
+          <a:prstGeom prst="rect">
+            <a:avLst/>
           </a:prstGeom>
           <a:solidFill>
-            <a:schemeClr val="lt2"/>
+            <a:srgbClr val="F4CCCC"/>
           </a:solidFill>
-          <a:ln w="9525" cap="flat" cmpd="sng">
+          <a:ln cap="flat" cmpd="sng" w="9525">
             <a:solidFill>
               <a:schemeClr val="dk2"/>
             </a:solidFill>
             <a:prstDash val="solid"/>
             <a:round/>
-            <a:headEnd type="none" w="sm" len="sm"/>
-            <a:tailEnd type="none" w="sm" len="sm"/>
+            <a:headEnd len="sm" w="sm" type="none"/>
+            <a:tailEnd len="sm" w="sm" type="none"/>
           </a:ln>
         </p:spPr>
         <p:txBody>
-          <a:bodyPr spcFirstLastPara="1" wrap="square" lIns="91425" tIns="91425" rIns="91425" bIns="91425" anchor="ctr" anchorCtr="0">
+          <a:bodyPr anchorCtr="0" anchor="ctr" bIns="91425" lIns="91425" spcFirstLastPara="1" rIns="91425" wrap="square" tIns="91425">
             <a:noAutofit/>
           </a:bodyPr>
           <a:lstStyle/>
           <a:p>
-            <a:pPr marL="0" lvl="0" indent="0" algn="l" rtl="0">
+            <a:pPr indent="0" lvl="0" marL="0" rtl="0" algn="l">
               <a:spcBef>
                 <a:spcPts val="0"/>
               </a:spcBef>
@@ -9383,60 +9157,8 @@
             </a:pPr>
             <a:r>
               <a:rPr lang="ko"/>
-              <a:t>PersonDao</a:t>
-            </a:r>
-            <a:endParaRPr/>
-          </a:p>
-          <a:p>
-            <a:pPr marL="0" lvl="0" indent="0" algn="l" rtl="0">
-              <a:spcBef>
-                <a:spcPts val="0"/>
-              </a:spcBef>
-              <a:spcAft>
-                <a:spcPts val="0"/>
-              </a:spcAft>
-              <a:buNone/>
-            </a:pPr>
-            <a:endParaRPr/>
-          </a:p>
-          <a:p>
-            <a:pPr marL="0" lvl="0" indent="0" algn="l" rtl="0">
-              <a:spcBef>
-                <a:spcPts val="0"/>
-              </a:spcBef>
-              <a:spcAft>
-                <a:spcPts val="0"/>
-              </a:spcAft>
-              <a:buNone/>
-            </a:pPr>
-            <a:endParaRPr/>
-          </a:p>
-          <a:p>
-            <a:pPr marL="0" lvl="0" indent="0" algn="l" rtl="0">
-              <a:spcBef>
-                <a:spcPts val="0"/>
-              </a:spcBef>
-              <a:spcAft>
-                <a:spcPts val="0"/>
-              </a:spcAft>
-              <a:buNone/>
-            </a:pPr>
-            <a:r>
-              <a:rPr lang="ko"/>
-              <a:t>personUpdate()</a:t>
-            </a:r>
-            <a:endParaRPr/>
-          </a:p>
-          <a:p>
-            <a:pPr marL="0" lvl="0" indent="0" algn="l" rtl="0">
-              <a:spcBef>
-                <a:spcPts val="0"/>
-              </a:spcBef>
-              <a:spcAft>
-                <a:spcPts val="0"/>
-              </a:spcAft>
-              <a:buNone/>
-            </a:pPr>
+              <a:t>response</a:t>
+            </a:r>
             <a:endParaRPr/>
           </a:p>
         </p:txBody>
@@ -9448,113 +9170,218 @@
           <p:nvPr/>
         </p:nvCxnSpPr>
         <p:spPr>
-          <a:xfrm rot="10800000" flipH="1">
-            <a:off x="6820175" y="1999575"/>
-            <a:ext cx="518700" cy="10800"/>
+          <a:xfrm>
+            <a:off x="1540275" y="1681800"/>
+            <a:ext cx="2534400" cy="317700"/>
           </a:xfrm>
           <a:prstGeom prst="straightConnector1">
             <a:avLst/>
           </a:prstGeom>
           <a:noFill/>
-          <a:ln w="9525" cap="flat" cmpd="sng">
+          <a:ln cap="flat" cmpd="sng" w="9525">
             <a:solidFill>
               <a:schemeClr val="dk2"/>
             </a:solidFill>
             <a:prstDash val="solid"/>
             <a:round/>
-            <a:headEnd type="none" w="med" len="med"/>
-            <a:tailEnd type="triangle" w="med" len="med"/>
+            <a:headEnd len="med" w="med" type="none"/>
+            <a:tailEnd len="med" w="med" type="triangle"/>
           </a:ln>
         </p:spPr>
       </p:cxnSp>
       <p:cxnSp>
         <p:nvCxnSpPr>
           <p:cNvPr id="118" name="Google Shape;118;p15"/>
-          <p:cNvCxnSpPr/>
+          <p:cNvCxnSpPr>
+            <a:endCxn id="119" idx="3"/>
+          </p:cNvCxnSpPr>
           <p:nvPr/>
         </p:nvCxnSpPr>
         <p:spPr>
-          <a:xfrm rot="10800000">
-            <a:off x="6809375" y="2401500"/>
-            <a:ext cx="540300" cy="0"/>
+          <a:xfrm flipH="1">
+            <a:off x="1518525" y="2810225"/>
+            <a:ext cx="2577900" cy="902700"/>
           </a:xfrm>
           <a:prstGeom prst="straightConnector1">
             <a:avLst/>
           </a:prstGeom>
           <a:noFill/>
-          <a:ln w="9525" cap="flat" cmpd="sng">
+          <a:ln cap="flat" cmpd="sng" w="9525">
             <a:solidFill>
               <a:schemeClr val="dk2"/>
             </a:solidFill>
             <a:prstDash val="solid"/>
             <a:round/>
-            <a:headEnd type="none" w="med" len="med"/>
-            <a:tailEnd type="triangle" w="med" len="med"/>
+            <a:headEnd len="med" w="med" type="none"/>
+            <a:tailEnd len="med" w="med" type="triangle"/>
           </a:ln>
         </p:spPr>
       </p:cxnSp>
-      <p:cxnSp>
-        <p:nvCxnSpPr>
-          <p:cNvPr id="119" name="Google Shape;119;p15"/>
-          <p:cNvCxnSpPr/>
+      <p:sp>
+        <p:nvSpPr>
+          <p:cNvPr id="120" name="Google Shape;120;p15"/>
+          <p:cNvSpPr/>
           <p:nvPr/>
-        </p:nvCxnSpPr>
+        </p:nvSpPr>
         <p:spPr>
           <a:xfrm>
-            <a:off x="7960650" y="3026375"/>
-            <a:ext cx="18900" cy="1059300"/>
-          </a:xfrm>
-          <a:prstGeom prst="straightConnector1">
+            <a:off x="2166725" y="1103700"/>
+            <a:ext cx="1729500" cy="789000"/>
+          </a:xfrm>
+          <a:prstGeom prst="rect">
             <a:avLst/>
           </a:prstGeom>
-          <a:noFill/>
-          <a:ln w="9525" cap="flat" cmpd="sng">
+          <a:solidFill>
+            <a:srgbClr val="9FC5E8"/>
+          </a:solidFill>
+          <a:ln cap="flat" cmpd="sng" w="9525">
             <a:solidFill>
               <a:schemeClr val="dk2"/>
             </a:solidFill>
             <a:prstDash val="solid"/>
             <a:round/>
-            <a:headEnd type="none" w="med" len="med"/>
-            <a:tailEnd type="triangle" w="med" len="med"/>
+            <a:headEnd len="sm" w="sm" type="none"/>
+            <a:tailEnd len="sm" w="sm" type="none"/>
           </a:ln>
         </p:spPr>
-      </p:cxnSp>
-      <p:cxnSp>
-        <p:nvCxnSpPr>
-          <p:cNvPr id="120" name="Google Shape;120;p15"/>
-          <p:cNvCxnSpPr/>
+        <p:txBody>
+          <a:bodyPr anchorCtr="0" anchor="ctr" bIns="91425" lIns="91425" spcFirstLastPara="1" rIns="91425" wrap="square" tIns="91425">
+            <a:noAutofit/>
+          </a:bodyPr>
+          <a:lstStyle/>
+          <a:p>
+            <a:pPr indent="0" lvl="0" marL="0" rtl="0" algn="l">
+              <a:spcBef>
+                <a:spcPts val="0"/>
+              </a:spcBef>
+              <a:spcAft>
+                <a:spcPts val="0"/>
+              </a:spcAft>
+              <a:buNone/>
+            </a:pPr>
+            <a:r>
+              <a:rPr lang="ko"/>
+              <a:t>request</a:t>
+            </a:r>
+            <a:endParaRPr/>
+          </a:p>
+          <a:p>
+            <a:pPr indent="0" lvl="0" marL="0" rtl="0" algn="l">
+              <a:spcBef>
+                <a:spcPts val="0"/>
+              </a:spcBef>
+              <a:spcAft>
+                <a:spcPts val="0"/>
+              </a:spcAft>
+              <a:buNone/>
+            </a:pPr>
+            <a:r>
+              <a:rPr lang="ko"/>
+              <a:t>action == </a:t>
+            </a:r>
+            <a:r>
+              <a:rPr lang="ko" sz="1100">
+                <a:solidFill>
+                  <a:schemeClr val="dk1"/>
+                </a:solidFill>
+              </a:rPr>
+              <a:t>update</a:t>
+            </a:r>
+            <a:endParaRPr/>
+          </a:p>
+        </p:txBody>
+      </p:sp>
+      <p:sp>
+        <p:nvSpPr>
+          <p:cNvPr id="121" name="Google Shape;121;p15"/>
+          <p:cNvSpPr/>
           <p:nvPr/>
-        </p:nvCxnSpPr>
-        <p:spPr>
-          <a:xfrm rot="10800000">
-            <a:off x="8268450" y="2983050"/>
-            <a:ext cx="1500" cy="1037700"/>
-          </a:xfrm>
-          <a:prstGeom prst="straightConnector1">
+        </p:nvSpPr>
+        <p:spPr>
+          <a:xfrm>
+            <a:off x="2318225" y="3480450"/>
+            <a:ext cx="1578000" cy="789000"/>
+          </a:xfrm>
+          <a:prstGeom prst="rect">
             <a:avLst/>
           </a:prstGeom>
-          <a:noFill/>
-          <a:ln w="9525" cap="flat" cmpd="sng">
+          <a:solidFill>
+            <a:srgbClr val="F4CCCC"/>
+          </a:solidFill>
+          <a:ln cap="flat" cmpd="sng" w="9525">
             <a:solidFill>
               <a:schemeClr val="dk2"/>
             </a:solidFill>
             <a:prstDash val="solid"/>
             <a:round/>
-            <a:headEnd type="none" w="med" len="med"/>
-            <a:tailEnd type="triangle" w="med" len="med"/>
+            <a:headEnd len="sm" w="sm" type="none"/>
+            <a:tailEnd len="sm" w="sm" type="none"/>
           </a:ln>
         </p:spPr>
-      </p:cxnSp>
+        <p:txBody>
+          <a:bodyPr anchorCtr="0" anchor="ctr" bIns="91425" lIns="91425" spcFirstLastPara="1" rIns="91425" wrap="square" tIns="91425">
+            <a:noAutofit/>
+          </a:bodyPr>
+          <a:lstStyle/>
+          <a:p>
+            <a:pPr indent="0" lvl="0" marL="0" rtl="0" algn="l">
+              <a:spcBef>
+                <a:spcPts val="0"/>
+              </a:spcBef>
+              <a:spcAft>
+                <a:spcPts val="0"/>
+              </a:spcAft>
+              <a:buNone/>
+            </a:pPr>
+            <a:r>
+              <a:rPr lang="ko"/>
+              <a:t>response</a:t>
+            </a:r>
+            <a:endParaRPr/>
+          </a:p>
+          <a:p>
+            <a:pPr indent="0" lvl="0" marL="0" rtl="0" algn="l">
+              <a:spcBef>
+                <a:spcPts val="0"/>
+              </a:spcBef>
+              <a:spcAft>
+                <a:spcPts val="0"/>
+              </a:spcAft>
+              <a:buNone/>
+            </a:pPr>
+            <a:r>
+              <a:t/>
+            </a:r>
+            <a:endParaRPr/>
+          </a:p>
+          <a:p>
+            <a:pPr indent="0" lvl="0" marL="0" rtl="0" algn="l">
+              <a:spcBef>
+                <a:spcPts val="0"/>
+              </a:spcBef>
+              <a:spcAft>
+                <a:spcPts val="0"/>
+              </a:spcAft>
+              <a:buNone/>
+            </a:pPr>
+            <a:r>
+              <a:rPr lang="ko"/>
+              <a:t>redirect</a:t>
+            </a:r>
+            <a:endParaRPr/>
+          </a:p>
+        </p:txBody>
+      </p:sp>
       <p:sp>
         <p:nvSpPr>
-          <p:cNvPr id="121" name="Google Shape;121;p15"/>
+          <p:cNvPr id="122" name="Google Shape;122;p15"/>
           <p:cNvSpPr txBox="1"/>
           <p:nvPr/>
         </p:nvSpPr>
         <p:spPr>
           <a:xfrm>
-            <a:off x="740075" y="4336788"/>
-            <a:ext cx="4582800" cy="357300"/>
+            <a:off x="0" y="0"/>
+            <a:ext cx="1891500" cy="400200"/>
           </a:xfrm>
           <a:prstGeom prst="rect">
             <a:avLst/>
@@ -9565,80 +9392,24 @@
           </a:ln>
         </p:spPr>
         <p:txBody>
-          <a:bodyPr spcFirstLastPara="1" wrap="square" lIns="91425" tIns="91425" rIns="91425" bIns="91425" anchor="t" anchorCtr="0">
+          <a:bodyPr anchorCtr="0" anchor="t" bIns="91425" lIns="91425" spcFirstLastPara="1" rIns="91425" wrap="square" tIns="91425">
             <a:noAutofit/>
           </a:bodyPr>
           <a:lstStyle/>
           <a:p>
-            <a:pPr marL="0" lvl="0" indent="0" algn="l" rtl="0">
-              <a:lnSpc>
-                <a:spcPct val="120000"/>
-              </a:lnSpc>
-              <a:spcBef>
-                <a:spcPts val="0"/>
-              </a:spcBef>
-              <a:spcAft>
-                <a:spcPts val="0"/>
-              </a:spcAft>
-              <a:buNone/>
-            </a:pPr>
-            <a:r>
-              <a:rPr lang="ko" sz="1100">
-                <a:solidFill>
-                  <a:schemeClr val="dk1"/>
-                </a:solidFill>
-              </a:rPr>
-              <a:t>http://localhost:8000/phonebook3/PhonebookController?action=list</a:t>
-            </a:r>
-            <a:endParaRPr/>
-          </a:p>
-        </p:txBody>
-      </p:sp>
-      <p:sp>
-        <p:nvSpPr>
-          <p:cNvPr id="122" name="Google Shape;122;p15"/>
-          <p:cNvSpPr/>
-          <p:nvPr/>
-        </p:nvSpPr>
-        <p:spPr>
-          <a:xfrm>
-            <a:off x="318900" y="1125150"/>
-            <a:ext cx="1194300" cy="1242000"/>
-          </a:xfrm>
-          <a:prstGeom prst="rect">
-            <a:avLst/>
-          </a:prstGeom>
-          <a:solidFill>
-            <a:schemeClr val="lt2"/>
-          </a:solidFill>
-          <a:ln w="9525" cap="flat" cmpd="sng">
-            <a:solidFill>
-              <a:schemeClr val="dk2"/>
-            </a:solidFill>
-            <a:prstDash val="solid"/>
-            <a:round/>
-            <a:headEnd type="none" w="sm" len="sm"/>
-            <a:tailEnd type="none" w="sm" len="sm"/>
-          </a:ln>
-        </p:spPr>
-        <p:txBody>
-          <a:bodyPr spcFirstLastPara="1" wrap="square" lIns="91425" tIns="91425" rIns="91425" bIns="91425" anchor="ctr" anchorCtr="0">
-            <a:noAutofit/>
-          </a:bodyPr>
-          <a:lstStyle/>
-          <a:p>
-            <a:pPr marL="0" lvl="0" indent="0" algn="ctr" rtl="0">
-              <a:spcBef>
-                <a:spcPts val="0"/>
-              </a:spcBef>
-              <a:spcAft>
-                <a:spcPts val="0"/>
-              </a:spcAft>
-              <a:buNone/>
+            <a:pPr indent="-317500" lvl="0" marL="457200" rtl="0" algn="l">
+              <a:spcBef>
+                <a:spcPts val="0"/>
+              </a:spcBef>
+              <a:spcAft>
+                <a:spcPts val="0"/>
+              </a:spcAft>
+              <a:buSzPts val="1400"/>
+              <a:buChar char="●"/>
             </a:pPr>
             <a:r>
               <a:rPr lang="ko"/>
-              <a:t>updateForm.jsp</a:t>
+              <a:t>update</a:t>
             </a:r>
             <a:endParaRPr/>
           </a:p>
@@ -9652,133 +9423,44 @@
         </p:nvSpPr>
         <p:spPr>
           <a:xfrm>
-            <a:off x="5361025" y="2853450"/>
-            <a:ext cx="1891500" cy="1686000"/>
+            <a:off x="65000" y="746400"/>
+            <a:ext cx="5090700" cy="357300"/>
           </a:xfrm>
           <a:prstGeom prst="rect">
             <a:avLst/>
           </a:prstGeom>
-          <a:solidFill>
-            <a:srgbClr val="D9EAD3"/>
-          </a:solidFill>
-          <a:ln w="9525" cap="flat" cmpd="sng">
-            <a:solidFill>
-              <a:schemeClr val="dk1"/>
-            </a:solidFill>
-            <a:prstDash val="solid"/>
-            <a:round/>
-            <a:headEnd type="none" w="sm" len="sm"/>
-            <a:tailEnd type="none" w="sm" len="sm"/>
+          <a:noFill/>
+          <a:ln>
+            <a:noFill/>
           </a:ln>
         </p:spPr>
         <p:txBody>
-          <a:bodyPr spcFirstLastPara="1" wrap="square" lIns="91425" tIns="91425" rIns="91425" bIns="91425" anchor="t" anchorCtr="0">
+          <a:bodyPr anchorCtr="0" anchor="t" bIns="91425" lIns="91425" spcFirstLastPara="1" rIns="91425" wrap="square" tIns="91425">
             <a:noAutofit/>
           </a:bodyPr>
           <a:lstStyle/>
           <a:p>
-            <a:pPr marL="0" lvl="0" indent="0" algn="l" rtl="0">
-              <a:spcBef>
-                <a:spcPts val="0"/>
-              </a:spcBef>
-              <a:spcAft>
-                <a:spcPts val="0"/>
-              </a:spcAft>
-              <a:buNone/>
-            </a:pPr>
-            <a:r>
-              <a:rPr lang="ko" sz="1300"/>
-              <a:t>model1에서 jsp가 했던 db작업을 controller가 다 한다.</a:t>
-            </a:r>
-            <a:endParaRPr sz="1300"/>
-          </a:p>
-          <a:p>
-            <a:pPr marL="0" lvl="0" indent="0" algn="l" rtl="0">
-              <a:spcBef>
-                <a:spcPts val="0"/>
-              </a:spcBef>
-              <a:spcAft>
-                <a:spcPts val="0"/>
-              </a:spcAft>
-              <a:buNone/>
-            </a:pPr>
-            <a:endParaRPr sz="1300"/>
-          </a:p>
-          <a:p>
-            <a:pPr marL="0" lvl="0" indent="0" algn="l" rtl="0">
-              <a:spcBef>
-                <a:spcPts val="0"/>
-              </a:spcBef>
-              <a:spcAft>
-                <a:spcPts val="0"/>
-              </a:spcAft>
-              <a:buNone/>
-            </a:pPr>
-            <a:r>
-              <a:rPr lang="ko" sz="1300"/>
-              <a:t>sendRedirect까지 한다</a:t>
-            </a:r>
-            <a:endParaRPr sz="1300"/>
-          </a:p>
-          <a:p>
-            <a:pPr marL="0" lvl="0" indent="0" algn="l" rtl="0">
-              <a:spcBef>
-                <a:spcPts val="0"/>
-              </a:spcBef>
-              <a:spcAft>
-                <a:spcPts val="0"/>
-              </a:spcAft>
-              <a:buNone/>
-            </a:pPr>
-            <a:endParaRPr sz="1300"/>
-          </a:p>
-          <a:p>
-            <a:pPr marL="0" lvl="0" indent="0" algn="l" rtl="0">
-              <a:spcBef>
-                <a:spcPts val="0"/>
-              </a:spcBef>
-              <a:spcAft>
-                <a:spcPts val="0"/>
-              </a:spcAft>
-              <a:buNone/>
-            </a:pPr>
-            <a:r>
-              <a:rPr lang="ko" sz="1000" strike="sngStrike">
+            <a:pPr indent="0" lvl="0" marL="0" rtl="0" algn="l">
+              <a:lnSpc>
+                <a:spcPct val="120000"/>
+              </a:lnSpc>
+              <a:spcBef>
+                <a:spcPts val="0"/>
+              </a:spcBef>
+              <a:spcAft>
+                <a:spcPts val="0"/>
+              </a:spcAft>
+              <a:buNone/>
+            </a:pPr>
+            <a:r>
+              <a:rPr lang="ko" sz="1100">
                 <a:solidFill>
-                  <a:srgbClr val="999999"/>
+                  <a:schemeClr val="dk1"/>
                 </a:solidFill>
               </a:rPr>
-              <a:t>한숨 소리가 여기까지 들린다</a:t>
-            </a:r>
-            <a:endParaRPr sz="1000" strike="sngStrike">
-              <a:solidFill>
-                <a:srgbClr val="999999"/>
-              </a:solidFill>
-            </a:endParaRPr>
-          </a:p>
-          <a:p>
-            <a:pPr marL="0" lvl="0" indent="0" algn="l" rtl="0">
-              <a:spcBef>
-                <a:spcPts val="0"/>
-              </a:spcBef>
-              <a:spcAft>
-                <a:spcPts val="0"/>
-              </a:spcAft>
-              <a:buNone/>
-            </a:pPr>
-            <a:r>
-              <a:rPr lang="ko" sz="1000" strike="sngStrike">
-                <a:solidFill>
-                  <a:srgbClr val="999999"/>
-                </a:solidFill>
-              </a:rPr>
-              <a:t>이정도면 그냥 조장</a:t>
-            </a:r>
-            <a:endParaRPr sz="1000" strike="sngStrike">
-              <a:solidFill>
-                <a:srgbClr val="999999"/>
-              </a:solidFill>
-            </a:endParaRPr>
+              <a:t>http://localhost:8000/phonebook3/PhonebookController?action=update</a:t>
+            </a:r>
+            <a:endParaRPr/>
           </a:p>
         </p:txBody>
       </p:sp>
@@ -9790,32 +9472,34 @@
         </p:nvSpPr>
         <p:spPr>
           <a:xfrm>
-            <a:off x="1070025" y="1892700"/>
-            <a:ext cx="540300" cy="508800"/>
-          </a:xfrm>
-          <a:prstGeom prst="rect">
-            <a:avLst/>
+            <a:off x="5361025" y="1525650"/>
+            <a:ext cx="1437300" cy="1059300"/>
+          </a:xfrm>
+          <a:prstGeom prst="roundRect">
+            <a:avLst>
+              <a:gd fmla="val 16667" name="adj"/>
+            </a:avLst>
           </a:prstGeom>
           <a:solidFill>
             <a:schemeClr val="lt2"/>
           </a:solidFill>
-          <a:ln w="9525" cap="flat" cmpd="sng">
+          <a:ln cap="flat" cmpd="sng" w="9525">
             <a:solidFill>
               <a:schemeClr val="dk2"/>
             </a:solidFill>
             <a:prstDash val="solid"/>
             <a:round/>
-            <a:headEnd type="none" w="sm" len="sm"/>
-            <a:tailEnd type="none" w="sm" len="sm"/>
+            <a:headEnd len="sm" w="sm" type="none"/>
+            <a:tailEnd len="sm" w="sm" type="none"/>
           </a:ln>
         </p:spPr>
         <p:txBody>
-          <a:bodyPr spcFirstLastPara="1" wrap="square" lIns="91425" tIns="91425" rIns="91425" bIns="91425" anchor="ctr" anchorCtr="0">
+          <a:bodyPr anchorCtr="0" anchor="ctr" bIns="91425" lIns="91425" spcFirstLastPara="1" rIns="91425" wrap="square" tIns="91425">
             <a:noAutofit/>
           </a:bodyPr>
           <a:lstStyle/>
           <a:p>
-            <a:pPr marL="0" lvl="0" indent="0" algn="l" rtl="0">
+            <a:pPr indent="0" lvl="0" marL="0" rtl="0" algn="l">
               <a:spcBef>
                 <a:spcPts val="0"/>
               </a:spcBef>
@@ -9826,7 +9510,66 @@
             </a:pPr>
             <a:r>
               <a:rPr lang="ko"/>
-              <a:t>수정버튼</a:t>
+              <a:t>controller.java</a:t>
+            </a:r>
+            <a:endParaRPr/>
+          </a:p>
+          <a:p>
+            <a:pPr indent="0" lvl="0" marL="0" rtl="0" algn="l">
+              <a:spcBef>
+                <a:spcPts val="0"/>
+              </a:spcBef>
+              <a:spcAft>
+                <a:spcPts val="0"/>
+              </a:spcAft>
+              <a:buNone/>
+            </a:pPr>
+            <a:r>
+              <a:t/>
+            </a:r>
+            <a:endParaRPr/>
+          </a:p>
+          <a:p>
+            <a:pPr indent="0" lvl="0" marL="0" rtl="0" algn="l">
+              <a:spcBef>
+                <a:spcPts val="0"/>
+              </a:spcBef>
+              <a:spcAft>
+                <a:spcPts val="0"/>
+              </a:spcAft>
+              <a:buNone/>
+            </a:pPr>
+            <a:r>
+              <a:rPr lang="ko"/>
+              <a:t>if(action ==</a:t>
+            </a:r>
+            <a:endParaRPr/>
+          </a:p>
+          <a:p>
+            <a:pPr indent="0" lvl="0" marL="0" rtl="0" algn="l">
+              <a:spcBef>
+                <a:spcPts val="0"/>
+              </a:spcBef>
+              <a:spcAft>
+                <a:spcPts val="0"/>
+              </a:spcAft>
+              <a:buNone/>
+            </a:pPr>
+            <a:r>
+              <a:rPr lang="ko">
+                <a:solidFill>
+                  <a:schemeClr val="dk1"/>
+                </a:solidFill>
+              </a:rPr>
+              <a:t>update</a:t>
+            </a:r>
+            <a:r>
+              <a:rPr lang="ko">
+                <a:solidFill>
+                  <a:schemeClr val="dk1"/>
+                </a:solidFill>
+              </a:rPr>
+              <a:t>)</a:t>
             </a:r>
             <a:endParaRPr/>
           </a:p>
@@ -9835,13 +9578,230 @@
       <p:sp>
         <p:nvSpPr>
           <p:cNvPr id="125" name="Google Shape;125;p15"/>
+          <p:cNvSpPr/>
+          <p:nvPr/>
+        </p:nvSpPr>
+        <p:spPr>
+          <a:xfrm>
+            <a:off x="7360650" y="1525650"/>
+            <a:ext cx="1351200" cy="1449000"/>
+          </a:xfrm>
+          <a:prstGeom prst="roundRect">
+            <a:avLst>
+              <a:gd fmla="val 16667" name="adj"/>
+            </a:avLst>
+          </a:prstGeom>
+          <a:solidFill>
+            <a:schemeClr val="lt2"/>
+          </a:solidFill>
+          <a:ln cap="flat" cmpd="sng" w="9525">
+            <a:solidFill>
+              <a:schemeClr val="dk2"/>
+            </a:solidFill>
+            <a:prstDash val="solid"/>
+            <a:round/>
+            <a:headEnd len="sm" w="sm" type="none"/>
+            <a:tailEnd len="sm" w="sm" type="none"/>
+          </a:ln>
+        </p:spPr>
+        <p:txBody>
+          <a:bodyPr anchorCtr="0" anchor="ctr" bIns="91425" lIns="91425" spcFirstLastPara="1" rIns="91425" wrap="square" tIns="91425">
+            <a:noAutofit/>
+          </a:bodyPr>
+          <a:lstStyle/>
+          <a:p>
+            <a:pPr indent="0" lvl="0" marL="0" rtl="0" algn="l">
+              <a:spcBef>
+                <a:spcPts val="0"/>
+              </a:spcBef>
+              <a:spcAft>
+                <a:spcPts val="0"/>
+              </a:spcAft>
+              <a:buNone/>
+            </a:pPr>
+            <a:r>
+              <a:rPr lang="ko"/>
+              <a:t>PersonDao</a:t>
+            </a:r>
+            <a:endParaRPr/>
+          </a:p>
+          <a:p>
+            <a:pPr indent="0" lvl="0" marL="0" rtl="0" algn="l">
+              <a:spcBef>
+                <a:spcPts val="0"/>
+              </a:spcBef>
+              <a:spcAft>
+                <a:spcPts val="0"/>
+              </a:spcAft>
+              <a:buNone/>
+            </a:pPr>
+            <a:r>
+              <a:t/>
+            </a:r>
+            <a:endParaRPr/>
+          </a:p>
+          <a:p>
+            <a:pPr indent="0" lvl="0" marL="0" rtl="0" algn="l">
+              <a:spcBef>
+                <a:spcPts val="0"/>
+              </a:spcBef>
+              <a:spcAft>
+                <a:spcPts val="0"/>
+              </a:spcAft>
+              <a:buNone/>
+            </a:pPr>
+            <a:r>
+              <a:t/>
+            </a:r>
+            <a:endParaRPr/>
+          </a:p>
+          <a:p>
+            <a:pPr indent="0" lvl="0" marL="0" rtl="0" algn="l">
+              <a:spcBef>
+                <a:spcPts val="0"/>
+              </a:spcBef>
+              <a:spcAft>
+                <a:spcPts val="0"/>
+              </a:spcAft>
+              <a:buNone/>
+            </a:pPr>
+            <a:r>
+              <a:rPr lang="ko"/>
+              <a:t>personUpdate()</a:t>
+            </a:r>
+            <a:endParaRPr/>
+          </a:p>
+          <a:p>
+            <a:pPr indent="0" lvl="0" marL="0" rtl="0" algn="l">
+              <a:spcBef>
+                <a:spcPts val="0"/>
+              </a:spcBef>
+              <a:spcAft>
+                <a:spcPts val="0"/>
+              </a:spcAft>
+              <a:buNone/>
+            </a:pPr>
+            <a:r>
+              <a:t/>
+            </a:r>
+            <a:endParaRPr/>
+          </a:p>
+        </p:txBody>
+      </p:sp>
+      <p:cxnSp>
+        <p:nvCxnSpPr>
+          <p:cNvPr id="126" name="Google Shape;126;p15"/>
+          <p:cNvCxnSpPr/>
+          <p:nvPr/>
+        </p:nvCxnSpPr>
+        <p:spPr>
+          <a:xfrm flipH="1" rot="10800000">
+            <a:off x="6820175" y="1999575"/>
+            <a:ext cx="518700" cy="10800"/>
+          </a:xfrm>
+          <a:prstGeom prst="straightConnector1">
+            <a:avLst/>
+          </a:prstGeom>
+          <a:noFill/>
+          <a:ln cap="flat" cmpd="sng" w="9525">
+            <a:solidFill>
+              <a:schemeClr val="dk2"/>
+            </a:solidFill>
+            <a:prstDash val="solid"/>
+            <a:round/>
+            <a:headEnd len="med" w="med" type="none"/>
+            <a:tailEnd len="med" w="med" type="triangle"/>
+          </a:ln>
+        </p:spPr>
+      </p:cxnSp>
+      <p:cxnSp>
+        <p:nvCxnSpPr>
+          <p:cNvPr id="127" name="Google Shape;127;p15"/>
+          <p:cNvCxnSpPr/>
+          <p:nvPr/>
+        </p:nvCxnSpPr>
+        <p:spPr>
+          <a:xfrm rot="10800000">
+            <a:off x="6809375" y="2401500"/>
+            <a:ext cx="540300" cy="0"/>
+          </a:xfrm>
+          <a:prstGeom prst="straightConnector1">
+            <a:avLst/>
+          </a:prstGeom>
+          <a:noFill/>
+          <a:ln cap="flat" cmpd="sng" w="9525">
+            <a:solidFill>
+              <a:schemeClr val="dk2"/>
+            </a:solidFill>
+            <a:prstDash val="solid"/>
+            <a:round/>
+            <a:headEnd len="med" w="med" type="none"/>
+            <a:tailEnd len="med" w="med" type="triangle"/>
+          </a:ln>
+        </p:spPr>
+      </p:cxnSp>
+      <p:cxnSp>
+        <p:nvCxnSpPr>
+          <p:cNvPr id="128" name="Google Shape;128;p15"/>
+          <p:cNvCxnSpPr/>
+          <p:nvPr/>
+        </p:nvCxnSpPr>
+        <p:spPr>
+          <a:xfrm>
+            <a:off x="7960650" y="3026375"/>
+            <a:ext cx="18900" cy="1059300"/>
+          </a:xfrm>
+          <a:prstGeom prst="straightConnector1">
+            <a:avLst/>
+          </a:prstGeom>
+          <a:noFill/>
+          <a:ln cap="flat" cmpd="sng" w="9525">
+            <a:solidFill>
+              <a:schemeClr val="dk2"/>
+            </a:solidFill>
+            <a:prstDash val="solid"/>
+            <a:round/>
+            <a:headEnd len="med" w="med" type="none"/>
+            <a:tailEnd len="med" w="med" type="triangle"/>
+          </a:ln>
+        </p:spPr>
+      </p:cxnSp>
+      <p:cxnSp>
+        <p:nvCxnSpPr>
+          <p:cNvPr id="129" name="Google Shape;129;p15"/>
+          <p:cNvCxnSpPr/>
+          <p:nvPr/>
+        </p:nvCxnSpPr>
+        <p:spPr>
+          <a:xfrm rot="10800000">
+            <a:off x="8268450" y="2983050"/>
+            <a:ext cx="1500" cy="1037700"/>
+          </a:xfrm>
+          <a:prstGeom prst="straightConnector1">
+            <a:avLst/>
+          </a:prstGeom>
+          <a:noFill/>
+          <a:ln cap="flat" cmpd="sng" w="9525">
+            <a:solidFill>
+              <a:schemeClr val="dk2"/>
+            </a:solidFill>
+            <a:prstDash val="solid"/>
+            <a:round/>
+            <a:headEnd len="med" w="med" type="none"/>
+            <a:tailEnd len="med" w="med" type="triangle"/>
+          </a:ln>
+        </p:spPr>
+      </p:cxnSp>
+      <p:sp>
+        <p:nvSpPr>
+          <p:cNvPr id="130" name="Google Shape;130;p15"/>
           <p:cNvSpPr txBox="1"/>
           <p:nvPr/>
         </p:nvSpPr>
         <p:spPr>
           <a:xfrm>
-            <a:off x="2550750" y="43200"/>
-            <a:ext cx="4042500" cy="703200"/>
+            <a:off x="740075" y="4336788"/>
+            <a:ext cx="4582800" cy="357300"/>
           </a:xfrm>
           <a:prstGeom prst="rect">
             <a:avLst/>
@@ -9852,12 +9812,305 @@
           </a:ln>
         </p:spPr>
         <p:txBody>
-          <a:bodyPr spcFirstLastPara="1" wrap="square" lIns="91425" tIns="91425" rIns="91425" bIns="91425" anchor="t" anchorCtr="0">
+          <a:bodyPr anchorCtr="0" anchor="t" bIns="91425" lIns="91425" spcFirstLastPara="1" rIns="91425" wrap="square" tIns="91425">
             <a:noAutofit/>
           </a:bodyPr>
           <a:lstStyle/>
           <a:p>
-            <a:pPr marL="25400" lvl="0" indent="0" algn="ctr" rtl="0">
+            <a:pPr indent="0" lvl="0" marL="0" rtl="0" algn="l">
+              <a:lnSpc>
+                <a:spcPct val="120000"/>
+              </a:lnSpc>
+              <a:spcBef>
+                <a:spcPts val="0"/>
+              </a:spcBef>
+              <a:spcAft>
+                <a:spcPts val="0"/>
+              </a:spcAft>
+              <a:buNone/>
+            </a:pPr>
+            <a:r>
+              <a:rPr lang="ko" sz="1100">
+                <a:solidFill>
+                  <a:schemeClr val="dk1"/>
+                </a:solidFill>
+              </a:rPr>
+              <a:t>http://localhost:8000/phonebook3/PhonebookController?action=list</a:t>
+            </a:r>
+            <a:endParaRPr/>
+          </a:p>
+        </p:txBody>
+      </p:sp>
+      <p:sp>
+        <p:nvSpPr>
+          <p:cNvPr id="131" name="Google Shape;131;p15"/>
+          <p:cNvSpPr/>
+          <p:nvPr/>
+        </p:nvSpPr>
+        <p:spPr>
+          <a:xfrm>
+            <a:off x="318900" y="1125150"/>
+            <a:ext cx="1194300" cy="1242000"/>
+          </a:xfrm>
+          <a:prstGeom prst="rect">
+            <a:avLst/>
+          </a:prstGeom>
+          <a:solidFill>
+            <a:schemeClr val="lt2"/>
+          </a:solidFill>
+          <a:ln cap="flat" cmpd="sng" w="9525">
+            <a:solidFill>
+              <a:schemeClr val="dk2"/>
+            </a:solidFill>
+            <a:prstDash val="solid"/>
+            <a:round/>
+            <a:headEnd len="sm" w="sm" type="none"/>
+            <a:tailEnd len="sm" w="sm" type="none"/>
+          </a:ln>
+        </p:spPr>
+        <p:txBody>
+          <a:bodyPr anchorCtr="0" anchor="ctr" bIns="91425" lIns="91425" spcFirstLastPara="1" rIns="91425" wrap="square" tIns="91425">
+            <a:noAutofit/>
+          </a:bodyPr>
+          <a:lstStyle/>
+          <a:p>
+            <a:pPr indent="0" lvl="0" marL="0" rtl="0" algn="ctr">
+              <a:spcBef>
+                <a:spcPts val="0"/>
+              </a:spcBef>
+              <a:spcAft>
+                <a:spcPts val="0"/>
+              </a:spcAft>
+              <a:buNone/>
+            </a:pPr>
+            <a:r>
+              <a:rPr lang="ko"/>
+              <a:t>updateForm.jsp</a:t>
+            </a:r>
+            <a:endParaRPr/>
+          </a:p>
+        </p:txBody>
+      </p:sp>
+      <p:sp>
+        <p:nvSpPr>
+          <p:cNvPr id="132" name="Google Shape;132;p15"/>
+          <p:cNvSpPr txBox="1"/>
+          <p:nvPr/>
+        </p:nvSpPr>
+        <p:spPr>
+          <a:xfrm>
+            <a:off x="5361025" y="2853450"/>
+            <a:ext cx="1891500" cy="1686000"/>
+          </a:xfrm>
+          <a:prstGeom prst="rect">
+            <a:avLst/>
+          </a:prstGeom>
+          <a:solidFill>
+            <a:srgbClr val="D9EAD3"/>
+          </a:solidFill>
+          <a:ln cap="flat" cmpd="sng" w="9525">
+            <a:solidFill>
+              <a:schemeClr val="dk1"/>
+            </a:solidFill>
+            <a:prstDash val="solid"/>
+            <a:round/>
+            <a:headEnd len="sm" w="sm" type="none"/>
+            <a:tailEnd len="sm" w="sm" type="none"/>
+          </a:ln>
+        </p:spPr>
+        <p:txBody>
+          <a:bodyPr anchorCtr="0" anchor="t" bIns="91425" lIns="91425" spcFirstLastPara="1" rIns="91425" wrap="square" tIns="91425">
+            <a:noAutofit/>
+          </a:bodyPr>
+          <a:lstStyle/>
+          <a:p>
+            <a:pPr indent="0" lvl="0" marL="0" rtl="0" algn="l">
+              <a:spcBef>
+                <a:spcPts val="0"/>
+              </a:spcBef>
+              <a:spcAft>
+                <a:spcPts val="0"/>
+              </a:spcAft>
+              <a:buNone/>
+            </a:pPr>
+            <a:r>
+              <a:rPr lang="ko" sz="1300"/>
+              <a:t>model1에서 jsp가 했던 db작업을 controller가 다 한다.</a:t>
+            </a:r>
+            <a:endParaRPr sz="1300"/>
+          </a:p>
+          <a:p>
+            <a:pPr indent="0" lvl="0" marL="0" rtl="0" algn="l">
+              <a:spcBef>
+                <a:spcPts val="0"/>
+              </a:spcBef>
+              <a:spcAft>
+                <a:spcPts val="0"/>
+              </a:spcAft>
+              <a:buNone/>
+            </a:pPr>
+            <a:r>
+              <a:t/>
+            </a:r>
+            <a:endParaRPr sz="1300"/>
+          </a:p>
+          <a:p>
+            <a:pPr indent="0" lvl="0" marL="0" rtl="0" algn="l">
+              <a:spcBef>
+                <a:spcPts val="0"/>
+              </a:spcBef>
+              <a:spcAft>
+                <a:spcPts val="0"/>
+              </a:spcAft>
+              <a:buNone/>
+            </a:pPr>
+            <a:r>
+              <a:rPr lang="ko" sz="1300"/>
+              <a:t>sendRedirect까지 한다</a:t>
+            </a:r>
+            <a:endParaRPr sz="1300"/>
+          </a:p>
+          <a:p>
+            <a:pPr indent="0" lvl="0" marL="0" rtl="0" algn="l">
+              <a:spcBef>
+                <a:spcPts val="0"/>
+              </a:spcBef>
+              <a:spcAft>
+                <a:spcPts val="0"/>
+              </a:spcAft>
+              <a:buNone/>
+            </a:pPr>
+            <a:r>
+              <a:t/>
+            </a:r>
+            <a:endParaRPr sz="1300"/>
+          </a:p>
+          <a:p>
+            <a:pPr indent="0" lvl="0" marL="0" rtl="0" algn="l">
+              <a:spcBef>
+                <a:spcPts val="0"/>
+              </a:spcBef>
+              <a:spcAft>
+                <a:spcPts val="0"/>
+              </a:spcAft>
+              <a:buNone/>
+            </a:pPr>
+            <a:r>
+              <a:rPr lang="ko" sz="1000" strike="sngStrike">
+                <a:solidFill>
+                  <a:srgbClr val="999999"/>
+                </a:solidFill>
+              </a:rPr>
+              <a:t>한숨 소리가 여기까지 들린다</a:t>
+            </a:r>
+            <a:endParaRPr sz="1000" strike="sngStrike">
+              <a:solidFill>
+                <a:srgbClr val="999999"/>
+              </a:solidFill>
+            </a:endParaRPr>
+          </a:p>
+          <a:p>
+            <a:pPr indent="0" lvl="0" marL="0" rtl="0" algn="l">
+              <a:spcBef>
+                <a:spcPts val="0"/>
+              </a:spcBef>
+              <a:spcAft>
+                <a:spcPts val="0"/>
+              </a:spcAft>
+              <a:buNone/>
+            </a:pPr>
+            <a:r>
+              <a:rPr lang="ko" sz="1000" strike="sngStrike">
+                <a:solidFill>
+                  <a:srgbClr val="999999"/>
+                </a:solidFill>
+              </a:rPr>
+              <a:t>이정도면 그냥 조장</a:t>
+            </a:r>
+            <a:endParaRPr sz="1000" strike="sngStrike">
+              <a:solidFill>
+                <a:srgbClr val="999999"/>
+              </a:solidFill>
+            </a:endParaRPr>
+          </a:p>
+        </p:txBody>
+      </p:sp>
+      <p:sp>
+        <p:nvSpPr>
+          <p:cNvPr id="133" name="Google Shape;133;p15"/>
+          <p:cNvSpPr/>
+          <p:nvPr/>
+        </p:nvSpPr>
+        <p:spPr>
+          <a:xfrm>
+            <a:off x="1070025" y="1892700"/>
+            <a:ext cx="540300" cy="508800"/>
+          </a:xfrm>
+          <a:prstGeom prst="rect">
+            <a:avLst/>
+          </a:prstGeom>
+          <a:solidFill>
+            <a:schemeClr val="lt2"/>
+          </a:solidFill>
+          <a:ln cap="flat" cmpd="sng" w="9525">
+            <a:solidFill>
+              <a:schemeClr val="dk2"/>
+            </a:solidFill>
+            <a:prstDash val="solid"/>
+            <a:round/>
+            <a:headEnd len="sm" w="sm" type="none"/>
+            <a:tailEnd len="sm" w="sm" type="none"/>
+          </a:ln>
+        </p:spPr>
+        <p:txBody>
+          <a:bodyPr anchorCtr="0" anchor="ctr" bIns="91425" lIns="91425" spcFirstLastPara="1" rIns="91425" wrap="square" tIns="91425">
+            <a:noAutofit/>
+          </a:bodyPr>
+          <a:lstStyle/>
+          <a:p>
+            <a:pPr indent="0" lvl="0" marL="0" rtl="0" algn="l">
+              <a:spcBef>
+                <a:spcPts val="0"/>
+              </a:spcBef>
+              <a:spcAft>
+                <a:spcPts val="0"/>
+              </a:spcAft>
+              <a:buNone/>
+            </a:pPr>
+            <a:r>
+              <a:rPr lang="ko"/>
+              <a:t>수정버튼</a:t>
+            </a:r>
+            <a:endParaRPr/>
+          </a:p>
+        </p:txBody>
+      </p:sp>
+      <p:sp>
+        <p:nvSpPr>
+          <p:cNvPr id="134" name="Google Shape;134;p15"/>
+          <p:cNvSpPr txBox="1"/>
+          <p:nvPr/>
+        </p:nvSpPr>
+        <p:spPr>
+          <a:xfrm>
+            <a:off x="2550750" y="43200"/>
+            <a:ext cx="4042500" cy="703200"/>
+          </a:xfrm>
+          <a:prstGeom prst="rect">
+            <a:avLst/>
+          </a:prstGeom>
+          <a:noFill/>
+          <a:ln>
+            <a:noFill/>
+          </a:ln>
+        </p:spPr>
+        <p:txBody>
+          <a:bodyPr anchorCtr="0" anchor="t" bIns="91425" lIns="91425" spcFirstLastPara="1" rIns="91425" wrap="square" tIns="91425">
+            <a:noAutofit/>
+          </a:bodyPr>
+          <a:lstStyle/>
+          <a:p>
+            <a:pPr indent="0" lvl="0" marL="25400" rtl="0" algn="ctr">
               <a:lnSpc>
                 <a:spcPct val="115000"/>
               </a:lnSpc>
@@ -9870,7 +10123,7 @@
               <a:buNone/>
             </a:pPr>
             <a:r>
-              <a:rPr lang="ko" b="1">
+              <a:rPr b="1" lang="ko">
                 <a:solidFill>
                   <a:srgbClr val="FF0000"/>
                 </a:solidFill>
@@ -9884,7 +10137,7 @@
             </a:endParaRPr>
           </a:p>
           <a:p>
-            <a:pPr marL="25400" lvl="0" indent="0" algn="l" rtl="0">
+            <a:pPr indent="0" lvl="0" marL="25400" rtl="0" algn="l">
               <a:lnSpc>
                 <a:spcPct val="115000"/>
               </a:lnSpc>
@@ -9913,7 +10166,7 @@
               <a:t>&lt;</a:t>
             </a:r>
             <a:r>
-              <a:rPr lang="ko" sz="1200" b="1">
+              <a:rPr b="1" lang="ko" sz="1200">
                 <a:solidFill>
                   <a:srgbClr val="03A8D8"/>
                 </a:solidFill>
@@ -9957,7 +10210,7 @@
               <a:t>=</a:t>
             </a:r>
             <a:r>
-              <a:rPr lang="ko" sz="1200" i="1">
+              <a:rPr i="1" lang="ko" sz="1200">
                 <a:solidFill>
                   <a:srgbClr val="17C694"/>
                 </a:solidFill>
@@ -10001,7 +10254,7 @@
               <a:t>=</a:t>
             </a:r>
             <a:r>
-              <a:rPr lang="ko" sz="1200" i="1">
+              <a:rPr i="1" lang="ko" sz="1200">
                 <a:solidFill>
                   <a:srgbClr val="17C694"/>
                 </a:solidFill>
@@ -10045,7 +10298,7 @@
               <a:t>=</a:t>
             </a:r>
             <a:r>
-              <a:rPr lang="ko" sz="1200" i="1">
+              <a:rPr i="1" lang="ko" sz="1200">
                 <a:solidFill>
                   <a:srgbClr val="17C694"/>
                 </a:solidFill>
@@ -10076,15 +10329,18 @@
             </a:endParaRPr>
           </a:p>
           <a:p>
-            <a:pPr marL="0" lvl="0" indent="0" algn="l" rtl="0">
-              <a:spcBef>
-                <a:spcPts val="0"/>
-              </a:spcBef>
-              <a:spcAft>
-                <a:spcPts val="0"/>
-              </a:spcAft>
-              <a:buNone/>
-            </a:pPr>
+            <a:pPr indent="0" lvl="0" marL="0" rtl="0" algn="l">
+              <a:spcBef>
+                <a:spcPts val="0"/>
+              </a:spcBef>
+              <a:spcAft>
+                <a:spcPts val="0"/>
+              </a:spcAft>
+              <a:buNone/>
+            </a:pPr>
+            <a:r>
+              <a:t/>
+            </a:r>
             <a:endParaRPr/>
           </a:p>
         </p:txBody>
@@ -10098,11 +10354,11 @@
 </file>
 
 <file path=ppt/slides/slide4.xml><?xml version="1.0" encoding="utf-8"?>
-<p:sld xmlns:a="http://schemas.openxmlformats.org/drawingml/2006/main" xmlns:r="http://schemas.openxmlformats.org/officeDocument/2006/relationships" xmlns:p="http://schemas.openxmlformats.org/presentationml/2006/main">
+<p:sld xmlns:a="http://schemas.openxmlformats.org/drawingml/2006/main" xmlns:r="http://schemas.openxmlformats.org/officeDocument/2006/relationships" xmlns:mc="http://schemas.openxmlformats.org/markup-compatibility/2006" xmlns:mv="urn:schemas-microsoft-com:mac:vml" xmlns:p="http://schemas.openxmlformats.org/presentationml/2006/main" xmlns:c="http://schemas.openxmlformats.org/drawingml/2006/chart" xmlns:dgm="http://schemas.openxmlformats.org/drawingml/2006/diagram" xmlns:o="urn:schemas-microsoft-com:office:office" xmlns:v="urn:schemas-microsoft-com:vml" xmlns:pvml="urn:schemas-microsoft-com:office:powerpoint" xmlns:com="http://schemas.openxmlformats.org/drawingml/2006/compatibility" xmlns:p14="http://schemas.microsoft.com/office/powerpoint/2010/main" xmlns:p15="http://schemas.microsoft.com/office/powerpoint/2012/main" xmlns:ahyp="http://schemas.microsoft.com/office/drawing/2018/hyperlinkcolor">
   <p:cSld>
     <p:spTree>
       <p:nvGrpSpPr>
-        <p:cNvPr id="1" name="Shape 129"/>
+        <p:cNvPr id="138" name="Shape 138"/>
         <p:cNvGrpSpPr/>
         <p:nvPr/>
       </p:nvGrpSpPr>
@@ -10123,11 +10379,11 @@
 </file>
 
 <file path=ppt/slides/slide5.xml><?xml version="1.0" encoding="utf-8"?>
-<p:sld xmlns:a="http://schemas.openxmlformats.org/drawingml/2006/main" xmlns:r="http://schemas.openxmlformats.org/officeDocument/2006/relationships" xmlns:p="http://schemas.openxmlformats.org/presentationml/2006/main">
+<p:sld xmlns:a="http://schemas.openxmlformats.org/drawingml/2006/main" xmlns:r="http://schemas.openxmlformats.org/officeDocument/2006/relationships" xmlns:mc="http://schemas.openxmlformats.org/markup-compatibility/2006" xmlns:mv="urn:schemas-microsoft-com:mac:vml" xmlns:p="http://schemas.openxmlformats.org/presentationml/2006/main" xmlns:c="http://schemas.openxmlformats.org/drawingml/2006/chart" xmlns:dgm="http://schemas.openxmlformats.org/drawingml/2006/diagram" xmlns:o="urn:schemas-microsoft-com:office:office" xmlns:v="urn:schemas-microsoft-com:vml" xmlns:pvml="urn:schemas-microsoft-com:office:powerpoint" xmlns:com="http://schemas.openxmlformats.org/drawingml/2006/compatibility" xmlns:p14="http://schemas.microsoft.com/office/powerpoint/2010/main" xmlns:p15="http://schemas.microsoft.com/office/powerpoint/2012/main" xmlns:ahyp="http://schemas.microsoft.com/office/drawing/2018/hyperlinkcolor">
   <p:cSld>
     <p:spTree>
       <p:nvGrpSpPr>
-        <p:cNvPr id="1" name="Shape 133"/>
+        <p:cNvPr id="142" name="Shape 142"/>
         <p:cNvGrpSpPr/>
         <p:nvPr/>
       </p:nvGrpSpPr>
@@ -10148,7 +10404,7 @@
 </file>
 
 <file path=ppt/theme/theme1.xml><?xml version="1.0" encoding="utf-8"?>
-<a:theme xmlns:a="http://schemas.openxmlformats.org/drawingml/2006/main" name="Simple Light">
+<a:theme xmlns:a="http://schemas.openxmlformats.org/drawingml/2006/main" xmlns:r="http://schemas.openxmlformats.org/officeDocument/2006/relationships" name="Simple Light">
   <a:themeElements>
     <a:clrScheme name="Simple Light">
       <a:dk1>
@@ -10423,13 +10679,11 @@
       </a:bgFillStyleLst>
     </a:fmtScheme>
   </a:themeElements>
-  <a:objectDefaults/>
-  <a:extraClrSchemeLst/>
 </a:theme>
 </file>
 
 <file path=ppt/theme/theme2.xml><?xml version="1.0" encoding="utf-8"?>
-<a:theme xmlns:a="http://schemas.openxmlformats.org/drawingml/2006/main">
+<a:theme xmlns:a="http://schemas.openxmlformats.org/drawingml/2006/main" xmlns:r="http://schemas.openxmlformats.org/officeDocument/2006/relationships">
   <a:themeElements>
     <a:clrScheme name="Default">
       <a:dk1>
@@ -10704,7 +10958,5 @@
       </a:bgFillStyleLst>
     </a:fmtScheme>
   </a:themeElements>
-  <a:objectDefaults/>
-  <a:extraClrSchemeLst/>
 </a:theme>
 </file>